--- a/linkgap/ReactNative开发.pptx
+++ b/linkgap/ReactNative开发.pptx
@@ -6,24 +6,41 @@
   </p:sldMasterIdLst>
   <p:sldIdLst>
     <p:sldId id="256" r:id="rId3"/>
-    <p:sldId id="283" r:id="rId4"/>
-    <p:sldId id="257" r:id="rId5"/>
-    <p:sldId id="258" r:id="rId6"/>
-    <p:sldId id="268" r:id="rId7"/>
-    <p:sldId id="259" r:id="rId8"/>
-    <p:sldId id="260" r:id="rId9"/>
-    <p:sldId id="269" r:id="rId10"/>
-    <p:sldId id="270" r:id="rId11"/>
-    <p:sldId id="261" r:id="rId12"/>
-    <p:sldId id="262" r:id="rId13"/>
-    <p:sldId id="273" r:id="rId14"/>
-    <p:sldId id="271" r:id="rId15"/>
-    <p:sldId id="272" r:id="rId16"/>
-    <p:sldId id="263" r:id="rId17"/>
-    <p:sldId id="264" r:id="rId18"/>
-    <p:sldId id="265" r:id="rId19"/>
-    <p:sldId id="266" r:id="rId20"/>
-    <p:sldId id="267" r:id="rId21"/>
+    <p:sldId id="316" r:id="rId4"/>
+    <p:sldId id="317" r:id="rId5"/>
+    <p:sldId id="318" r:id="rId6"/>
+    <p:sldId id="319" r:id="rId7"/>
+    <p:sldId id="321" r:id="rId8"/>
+    <p:sldId id="283" r:id="rId9"/>
+    <p:sldId id="303" r:id="rId10"/>
+    <p:sldId id="304" r:id="rId11"/>
+    <p:sldId id="258" r:id="rId12"/>
+    <p:sldId id="312" r:id="rId13"/>
+    <p:sldId id="259" r:id="rId14"/>
+    <p:sldId id="322" r:id="rId15"/>
+    <p:sldId id="323" r:id="rId16"/>
+    <p:sldId id="309" r:id="rId17"/>
+    <p:sldId id="310" r:id="rId18"/>
+    <p:sldId id="313" r:id="rId19"/>
+    <p:sldId id="314" r:id="rId20"/>
+    <p:sldId id="308" r:id="rId21"/>
+    <p:sldId id="260" r:id="rId22"/>
+    <p:sldId id="269" r:id="rId23"/>
+    <p:sldId id="301" r:id="rId24"/>
+    <p:sldId id="270" r:id="rId25"/>
+    <p:sldId id="261" r:id="rId26"/>
+    <p:sldId id="262" r:id="rId27"/>
+    <p:sldId id="273" r:id="rId28"/>
+    <p:sldId id="271" r:id="rId29"/>
+    <p:sldId id="272" r:id="rId30"/>
+    <p:sldId id="306" r:id="rId31"/>
+    <p:sldId id="307" r:id="rId32"/>
+    <p:sldId id="315" r:id="rId33"/>
+    <p:sldId id="263" r:id="rId34"/>
+    <p:sldId id="264" r:id="rId35"/>
+    <p:sldId id="265" r:id="rId36"/>
+    <p:sldId id="266" r:id="rId37"/>
+    <p:sldId id="267" r:id="rId38"/>
   </p:sldIdLst>
   <p:sldSz cx="12192000" cy="6858000"/>
   <p:notesSz cx="7103745" cy="10234295"/>
@@ -33410,7 +33427,7 @@
         </p:nvSpPr>
         <p:spPr>
           <a:xfrm>
-            <a:off x="1814830" y="2195830"/>
+            <a:off x="3154680" y="2209800"/>
             <a:ext cx="8046085" cy="1515745"/>
           </a:xfrm>
         </p:spPr>
@@ -33449,6 +33466,30 @@
           </a:p>
         </p:txBody>
       </p:sp>
+      <p:pic>
+        <p:nvPicPr>
+          <p:cNvPr id="4" name="图片 3"/>
+          <p:cNvPicPr>
+            <a:picLocks noChangeAspect="1"/>
+          </p:cNvPicPr>
+          <p:nvPr/>
+        </p:nvPicPr>
+        <p:blipFill>
+          <a:blip r:embed="rId1"/>
+          <a:stretch>
+            <a:fillRect/>
+          </a:stretch>
+        </p:blipFill>
+        <p:spPr>
+          <a:xfrm>
+            <a:off x="1542415" y="2372360"/>
+            <a:ext cx="1721485" cy="1353185"/>
+          </a:xfrm>
+          <a:prstGeom prst="rect">
+            <a:avLst/>
+          </a:prstGeom>
+        </p:spPr>
+      </p:pic>
     </p:spTree>
   </p:cSld>
   <p:clrMapOvr>
@@ -33458,6 +33499,2609 @@
 </file>
 
 <file path=ppt/slides/slide10.xml><?xml version="1.0" encoding="utf-8"?>
+<p:sld xmlns:a="http://schemas.openxmlformats.org/drawingml/2006/main" xmlns:r="http://schemas.openxmlformats.org/officeDocument/2006/relationships" xmlns:p="http://schemas.openxmlformats.org/presentationml/2006/main">
+  <p:cSld>
+    <p:spTree>
+      <p:nvGrpSpPr>
+        <p:cNvPr id="1" name=""/>
+        <p:cNvGrpSpPr/>
+        <p:nvPr/>
+      </p:nvGrpSpPr>
+      <p:grpSpPr/>
+      <p:sp>
+        <p:nvSpPr>
+          <p:cNvPr id="2" name="标题 1"/>
+          <p:cNvSpPr>
+            <a:spLocks noGrp="1"/>
+          </p:cNvSpPr>
+          <p:nvPr>
+            <p:ph type="title"/>
+          </p:nvPr>
+        </p:nvSpPr>
+        <p:spPr/>
+        <p:txBody>
+          <a:bodyPr/>
+          <a:p>
+            <a:r>
+              <a:rPr lang="zh-CN" altLang="en-US"/>
+              <a:t>开发环境</a:t>
+            </a:r>
+            <a:endParaRPr lang="zh-CN" altLang="en-US"/>
+          </a:p>
+        </p:txBody>
+      </p:sp>
+      <p:sp>
+        <p:nvSpPr>
+          <p:cNvPr id="3" name="内容占位符 2"/>
+          <p:cNvSpPr>
+            <a:spLocks noGrp="1"/>
+          </p:cNvSpPr>
+          <p:nvPr>
+            <p:ph idx="1"/>
+          </p:nvPr>
+        </p:nvSpPr>
+        <p:spPr/>
+        <p:txBody>
+          <a:bodyPr/>
+          <a:p>
+            <a:pPr marL="514350" indent="-514350">
+              <a:buFont typeface="+mj-lt"/>
+              <a:buAutoNum type="arabicPeriod"/>
+            </a:pPr>
+            <a:r>
+              <a:rPr lang="en-US" altLang="zh-CN" sz="2400"/>
+              <a:t>Node 8 +</a:t>
+            </a:r>
+            <a:endParaRPr lang="zh-CN" altLang="en-US" sz="2400"/>
+          </a:p>
+          <a:p>
+            <a:pPr marL="514350" indent="-514350">
+              <a:buFont typeface="+mj-lt"/>
+              <a:buAutoNum type="arabicPeriod"/>
+            </a:pPr>
+            <a:r>
+              <a:rPr lang="en-US" altLang="zh-CN" sz="2400"/>
+              <a:t>Xcode</a:t>
+            </a:r>
+            <a:endParaRPr lang="en-US" altLang="zh-CN" sz="2400"/>
+          </a:p>
+          <a:p>
+            <a:pPr marL="514350" indent="-514350">
+              <a:buFont typeface="+mj-lt"/>
+              <a:buAutoNum type="arabicPeriod"/>
+            </a:pPr>
+            <a:r>
+              <a:rPr lang="en-US" altLang="zh-CN" sz="2400"/>
+              <a:t>Android Studio</a:t>
+            </a:r>
+            <a:endParaRPr lang="en-US" altLang="zh-CN" sz="2400"/>
+          </a:p>
+          <a:p>
+            <a:pPr marL="514350" indent="-514350">
+              <a:buFont typeface="+mj-lt"/>
+              <a:buAutoNum type="arabicPeriod"/>
+            </a:pPr>
+            <a:r>
+              <a:rPr lang="en-US" altLang="zh-CN" sz="2400"/>
+              <a:t>Atom</a:t>
+            </a:r>
+            <a:r>
+              <a:rPr lang="zh-CN" altLang="en-US" sz="2400"/>
+              <a:t>（或其他文本编辑工具</a:t>
+            </a:r>
+            <a:r>
+              <a:rPr lang="zh-CN" altLang="en-US" sz="2400"/>
+              <a:t>）</a:t>
+            </a:r>
+            <a:endParaRPr lang="zh-CN" altLang="en-US" sz="2400"/>
+          </a:p>
+        </p:txBody>
+      </p:sp>
+      <p:pic>
+        <p:nvPicPr>
+          <p:cNvPr id="4" name="图片 3"/>
+          <p:cNvPicPr>
+            <a:picLocks noChangeAspect="1"/>
+          </p:cNvPicPr>
+          <p:nvPr/>
+        </p:nvPicPr>
+        <p:blipFill>
+          <a:blip r:embed="rId1"/>
+          <a:stretch>
+            <a:fillRect/>
+          </a:stretch>
+        </p:blipFill>
+        <p:spPr>
+          <a:xfrm>
+            <a:off x="8253095" y="1641475"/>
+            <a:ext cx="1892300" cy="1549400"/>
+          </a:xfrm>
+          <a:prstGeom prst="rect">
+            <a:avLst/>
+          </a:prstGeom>
+        </p:spPr>
+      </p:pic>
+      <p:pic>
+        <p:nvPicPr>
+          <p:cNvPr id="5" name="图片 4"/>
+          <p:cNvPicPr>
+            <a:picLocks noChangeAspect="1"/>
+          </p:cNvPicPr>
+          <p:nvPr/>
+        </p:nvPicPr>
+        <p:blipFill>
+          <a:blip r:embed="rId2"/>
+          <a:stretch>
+            <a:fillRect/>
+          </a:stretch>
+        </p:blipFill>
+        <p:spPr>
+          <a:xfrm>
+            <a:off x="5948680" y="1565275"/>
+            <a:ext cx="1765300" cy="1625600"/>
+          </a:xfrm>
+          <a:prstGeom prst="rect">
+            <a:avLst/>
+          </a:prstGeom>
+        </p:spPr>
+      </p:pic>
+      <p:pic>
+        <p:nvPicPr>
+          <p:cNvPr id="6" name="图片 5"/>
+          <p:cNvPicPr>
+            <a:picLocks noChangeAspect="1"/>
+          </p:cNvPicPr>
+          <p:nvPr/>
+        </p:nvPicPr>
+        <p:blipFill>
+          <a:blip r:embed="rId3"/>
+          <a:stretch>
+            <a:fillRect/>
+          </a:stretch>
+        </p:blipFill>
+        <p:spPr>
+          <a:xfrm>
+            <a:off x="5948680" y="3682365"/>
+            <a:ext cx="1638300" cy="1536700"/>
+          </a:xfrm>
+          <a:prstGeom prst="rect">
+            <a:avLst/>
+          </a:prstGeom>
+        </p:spPr>
+      </p:pic>
+    </p:spTree>
+  </p:cSld>
+  <p:clrMapOvr>
+    <a:masterClrMapping/>
+  </p:clrMapOvr>
+</p:sld>
+</file>
+
+<file path=ppt/slides/slide11.xml><?xml version="1.0" encoding="utf-8"?>
+<p:sld xmlns:a="http://schemas.openxmlformats.org/drawingml/2006/main" xmlns:r="http://schemas.openxmlformats.org/officeDocument/2006/relationships" xmlns:p="http://schemas.openxmlformats.org/presentationml/2006/main">
+  <p:cSld>
+    <p:spTree>
+      <p:nvGrpSpPr>
+        <p:cNvPr id="1" name=""/>
+        <p:cNvGrpSpPr/>
+        <p:nvPr/>
+      </p:nvGrpSpPr>
+      <p:grpSpPr/>
+      <p:sp>
+        <p:nvSpPr>
+          <p:cNvPr id="2" name="标题 1"/>
+          <p:cNvSpPr>
+            <a:spLocks noGrp="1"/>
+          </p:cNvSpPr>
+          <p:nvPr>
+            <p:ph type="title"/>
+          </p:nvPr>
+        </p:nvSpPr>
+        <p:spPr/>
+        <p:txBody>
+          <a:bodyPr/>
+          <a:p>
+            <a:r>
+              <a:rPr lang="en-US" altLang="zh-CN"/>
+              <a:t>React Native</a:t>
+            </a:r>
+            <a:r>
+              <a:rPr lang="zh-CN" altLang="en-US"/>
+              <a:t>相关资料网站</a:t>
+            </a:r>
+            <a:endParaRPr lang="zh-CN" altLang="en-US"/>
+          </a:p>
+        </p:txBody>
+      </p:sp>
+      <p:sp>
+        <p:nvSpPr>
+          <p:cNvPr id="3" name="内容占位符 2"/>
+          <p:cNvSpPr>
+            <a:spLocks noGrp="1"/>
+          </p:cNvSpPr>
+          <p:nvPr>
+            <p:ph idx="1"/>
+          </p:nvPr>
+        </p:nvSpPr>
+        <p:spPr/>
+        <p:txBody>
+          <a:bodyPr/>
+          <a:p>
+            <a:r>
+              <a:rPr lang="zh-CN" altLang="en-US" sz="2800"/>
+              <a:t>英文</a:t>
+            </a:r>
+            <a:r>
+              <a:rPr lang="zh-CN" altLang="en-US" sz="2800"/>
+              <a:t>官网：</a:t>
+            </a:r>
+            <a:r>
+              <a:rPr lang="zh-CN" altLang="en-US" sz="2800"/>
+              <a:t>https://facebook.github.io/react-native/</a:t>
+            </a:r>
+            <a:endParaRPr lang="zh-CN" altLang="en-US" sz="2800"/>
+          </a:p>
+          <a:p>
+            <a:r>
+              <a:rPr lang="zh-CN" altLang="en-US" sz="2800"/>
+              <a:t>中文网站：https://reactnative.cn/</a:t>
+            </a:r>
+            <a:endParaRPr lang="zh-CN" altLang="en-US" sz="2800"/>
+          </a:p>
+          <a:p>
+            <a:r>
+              <a:rPr lang="zh-CN" altLang="en-US" sz="2800"/>
+              <a:t>开源平台</a:t>
+            </a:r>
+            <a:r>
+              <a:rPr lang="en-US" altLang="zh-CN" sz="2800"/>
+              <a:t>GitHub</a:t>
+            </a:r>
+            <a:r>
+              <a:rPr lang="zh-CN" altLang="en-US" sz="2800"/>
+              <a:t>：https://github.com/</a:t>
+            </a:r>
+            <a:endParaRPr lang="zh-CN" altLang="en-US" sz="2800"/>
+          </a:p>
+          <a:p>
+            <a:r>
+              <a:rPr lang="zh-CN" altLang="en-US" sz="2800"/>
+              <a:t>对象数组操作库</a:t>
+            </a:r>
+            <a:r>
+              <a:rPr lang="en-US" sz="2800"/>
+              <a:t>Lodash</a:t>
+            </a:r>
+            <a:r>
+              <a:rPr lang="zh-CN" altLang="en-US" sz="2800"/>
+              <a:t>：https://lodash.com/</a:t>
+            </a:r>
+            <a:endParaRPr lang="zh-CN" altLang="en-US" sz="2800"/>
+          </a:p>
+          <a:p>
+            <a:r>
+              <a:rPr lang="zh-CN" altLang="en-US" sz="2800"/>
+              <a:t>日期时间库</a:t>
+            </a:r>
+            <a:r>
+              <a:rPr lang="en-US" altLang="zh-CN" sz="2800"/>
+              <a:t>Moment</a:t>
+            </a:r>
+            <a:r>
+              <a:rPr lang="zh-CN" altLang="en-US" sz="2800"/>
+              <a:t>：http://momentjs.cn/</a:t>
+            </a:r>
+            <a:endParaRPr lang="zh-CN" altLang="en-US" sz="2800"/>
+          </a:p>
+        </p:txBody>
+      </p:sp>
+    </p:spTree>
+  </p:cSld>
+  <p:clrMapOvr>
+    <a:masterClrMapping/>
+  </p:clrMapOvr>
+</p:sld>
+</file>
+
+<file path=ppt/slides/slide12.xml><?xml version="1.0" encoding="utf-8"?>
+<p:sld xmlns:a="http://schemas.openxmlformats.org/drawingml/2006/main" xmlns:r="http://schemas.openxmlformats.org/officeDocument/2006/relationships" xmlns:p="http://schemas.openxmlformats.org/presentationml/2006/main">
+  <p:cSld>
+    <p:spTree>
+      <p:nvGrpSpPr>
+        <p:cNvPr id="1" name=""/>
+        <p:cNvGrpSpPr/>
+        <p:nvPr/>
+      </p:nvGrpSpPr>
+      <p:grpSpPr/>
+      <p:sp>
+        <p:nvSpPr>
+          <p:cNvPr id="2" name="标题 1"/>
+          <p:cNvSpPr>
+            <a:spLocks noGrp="1"/>
+          </p:cNvSpPr>
+          <p:nvPr>
+            <p:ph type="title"/>
+          </p:nvPr>
+        </p:nvSpPr>
+        <p:spPr/>
+        <p:txBody>
+          <a:bodyPr/>
+          <a:p>
+            <a:r>
+              <a:rPr lang="zh-CN" altLang="en-US"/>
+              <a:t>创建项目</a:t>
+            </a:r>
+            <a:endParaRPr lang="zh-CN" altLang="en-US"/>
+          </a:p>
+        </p:txBody>
+      </p:sp>
+      <p:sp>
+        <p:nvSpPr>
+          <p:cNvPr id="3" name="内容占位符 2"/>
+          <p:cNvSpPr>
+            <a:spLocks noGrp="1"/>
+          </p:cNvSpPr>
+          <p:nvPr>
+            <p:ph idx="1"/>
+          </p:nvPr>
+        </p:nvSpPr>
+        <p:spPr/>
+        <p:txBody>
+          <a:bodyPr/>
+          <a:p>
+            <a:r>
+              <a:rPr lang="zh-CN" altLang="en-US" sz="2400"/>
+              <a:t>安装脚手架</a:t>
+            </a:r>
+            <a:endParaRPr lang="zh-CN" altLang="en-US" sz="2400"/>
+          </a:p>
+          <a:p>
+            <a:pPr lvl="1"/>
+            <a:r>
+              <a:rPr lang="zh-CN" altLang="en-US" sz="2000"/>
+              <a:t>npm install -g react-native-cli</a:t>
+            </a:r>
+            <a:endParaRPr lang="zh-CN" altLang="en-US" sz="2400"/>
+          </a:p>
+          <a:p>
+            <a:pPr lvl="1"/>
+            <a:endParaRPr lang="zh-CN" altLang="en-US" sz="2400"/>
+          </a:p>
+          <a:p>
+            <a:pPr lvl="0"/>
+            <a:r>
+              <a:rPr lang="zh-CN" altLang="en-US" sz="2400"/>
+              <a:t>创建项目</a:t>
+            </a:r>
+            <a:endParaRPr lang="zh-CN" altLang="en-US" sz="2400"/>
+          </a:p>
+          <a:p>
+            <a:pPr lvl="1"/>
+            <a:r>
+              <a:rPr lang="zh-CN" altLang="en-US" sz="2000"/>
+              <a:t>react-native init </a:t>
+            </a:r>
+            <a:r>
+              <a:rPr lang="en-US" altLang="zh-CN" sz="2000">
+                <a:solidFill>
+                  <a:srgbClr val="FF0000"/>
+                </a:solidFill>
+              </a:rPr>
+              <a:t>linkgap</a:t>
+            </a:r>
+            <a:endParaRPr lang="en-US" altLang="zh-CN" sz="2000">
+              <a:solidFill>
+                <a:srgbClr val="FF0000"/>
+              </a:solidFill>
+            </a:endParaRPr>
+          </a:p>
+        </p:txBody>
+      </p:sp>
+    </p:spTree>
+  </p:cSld>
+  <p:clrMapOvr>
+    <a:masterClrMapping/>
+  </p:clrMapOvr>
+</p:sld>
+</file>
+
+<file path=ppt/slides/slide13.xml><?xml version="1.0" encoding="utf-8"?>
+<p:sld xmlns:a="http://schemas.openxmlformats.org/drawingml/2006/main" xmlns:r="http://schemas.openxmlformats.org/officeDocument/2006/relationships" xmlns:p="http://schemas.openxmlformats.org/presentationml/2006/main">
+  <p:cSld>
+    <p:spTree>
+      <p:nvGrpSpPr>
+        <p:cNvPr id="1" name=""/>
+        <p:cNvGrpSpPr/>
+        <p:nvPr/>
+      </p:nvGrpSpPr>
+      <p:grpSpPr/>
+      <p:sp>
+        <p:nvSpPr>
+          <p:cNvPr id="2" name="标题 1"/>
+          <p:cNvSpPr>
+            <a:spLocks noGrp="1"/>
+          </p:cNvSpPr>
+          <p:nvPr>
+            <p:ph type="title"/>
+          </p:nvPr>
+        </p:nvSpPr>
+        <p:spPr/>
+        <p:txBody>
+          <a:bodyPr/>
+          <a:p>
+            <a:r>
+              <a:rPr lang="en-US" altLang="zh-CN"/>
+              <a:t>NodeJS</a:t>
+            </a:r>
+            <a:r>
+              <a:rPr lang="zh-CN" altLang="en-US"/>
+              <a:t>项目特点（ </a:t>
+            </a:r>
+            <a:r>
+              <a:rPr lang="en-US" altLang="zh-CN"/>
+              <a:t>1 </a:t>
+            </a:r>
+            <a:r>
+              <a:rPr lang="zh-CN" altLang="en-US"/>
+              <a:t>）</a:t>
+            </a:r>
+            <a:endParaRPr lang="zh-CN" altLang="en-US"/>
+          </a:p>
+        </p:txBody>
+      </p:sp>
+      <p:sp>
+        <p:nvSpPr>
+          <p:cNvPr id="3" name="内容占位符 2"/>
+          <p:cNvSpPr>
+            <a:spLocks noGrp="1"/>
+          </p:cNvSpPr>
+          <p:nvPr>
+            <p:ph idx="1"/>
+          </p:nvPr>
+        </p:nvSpPr>
+        <p:spPr/>
+        <p:txBody>
+          <a:bodyPr/>
+          <a:p>
+            <a:r>
+              <a:rPr lang="zh-CN" altLang="en-US" sz="2800"/>
+              <a:t>目录下包含</a:t>
+            </a:r>
+            <a:r>
+              <a:rPr lang="en-US" altLang="zh-CN" sz="2800"/>
+              <a:t>package.json</a:t>
+            </a:r>
+            <a:endParaRPr lang="en-US" altLang="zh-CN" sz="2800"/>
+          </a:p>
+          <a:p>
+            <a:endParaRPr lang="zh-CN" altLang="en-US" sz="2800"/>
+          </a:p>
+        </p:txBody>
+      </p:sp>
+      <p:pic>
+        <p:nvPicPr>
+          <p:cNvPr id="4" name="图片 3"/>
+          <p:cNvPicPr>
+            <a:picLocks noChangeAspect="1"/>
+          </p:cNvPicPr>
+          <p:nvPr/>
+        </p:nvPicPr>
+        <p:blipFill>
+          <a:blip r:embed="rId1"/>
+          <a:stretch>
+            <a:fillRect/>
+          </a:stretch>
+        </p:blipFill>
+        <p:spPr>
+          <a:xfrm>
+            <a:off x="5240655" y="645160"/>
+            <a:ext cx="6219190" cy="5214620"/>
+          </a:xfrm>
+          <a:prstGeom prst="rect">
+            <a:avLst/>
+          </a:prstGeom>
+        </p:spPr>
+      </p:pic>
+    </p:spTree>
+  </p:cSld>
+  <p:clrMapOvr>
+    <a:masterClrMapping/>
+  </p:clrMapOvr>
+</p:sld>
+</file>
+
+<file path=ppt/slides/slide14.xml><?xml version="1.0" encoding="utf-8"?>
+<p:sld xmlns:a="http://schemas.openxmlformats.org/drawingml/2006/main" xmlns:r="http://schemas.openxmlformats.org/officeDocument/2006/relationships" xmlns:p="http://schemas.openxmlformats.org/presentationml/2006/main">
+  <p:cSld>
+    <p:spTree>
+      <p:nvGrpSpPr>
+        <p:cNvPr id="1" name=""/>
+        <p:cNvGrpSpPr/>
+        <p:nvPr/>
+      </p:nvGrpSpPr>
+      <p:grpSpPr/>
+      <p:sp>
+        <p:nvSpPr>
+          <p:cNvPr id="2" name="标题 1"/>
+          <p:cNvSpPr>
+            <a:spLocks noGrp="1"/>
+          </p:cNvSpPr>
+          <p:nvPr>
+            <p:ph type="title"/>
+          </p:nvPr>
+        </p:nvSpPr>
+        <p:spPr/>
+        <p:txBody>
+          <a:bodyPr>
+            <a:normAutofit/>
+          </a:bodyPr>
+          <a:p>
+            <a:r>
+              <a:rPr lang="en-US" altLang="zh-CN">
+                <a:sym typeface="+mn-ea"/>
+              </a:rPr>
+              <a:t>NodeJS</a:t>
+            </a:r>
+            <a:r>
+              <a:rPr lang="zh-CN" altLang="en-US">
+                <a:sym typeface="+mn-ea"/>
+              </a:rPr>
+              <a:t>项目特点（ </a:t>
+            </a:r>
+            <a:r>
+              <a:rPr lang="en-US" altLang="zh-CN">
+                <a:sym typeface="+mn-ea"/>
+              </a:rPr>
+              <a:t>2</a:t>
+            </a:r>
+            <a:r>
+              <a:rPr lang="en-US" altLang="zh-CN">
+                <a:sym typeface="+mn-ea"/>
+              </a:rPr>
+              <a:t> </a:t>
+            </a:r>
+            <a:r>
+              <a:rPr lang="zh-CN" altLang="en-US">
+                <a:sym typeface="+mn-ea"/>
+              </a:rPr>
+              <a:t>）</a:t>
+            </a:r>
+            <a:endParaRPr lang="zh-CN" altLang="en-US"/>
+          </a:p>
+        </p:txBody>
+      </p:sp>
+      <p:sp>
+        <p:nvSpPr>
+          <p:cNvPr id="3" name="内容占位符 2"/>
+          <p:cNvSpPr>
+            <a:spLocks noGrp="1"/>
+          </p:cNvSpPr>
+          <p:nvPr>
+            <p:ph idx="1"/>
+          </p:nvPr>
+        </p:nvSpPr>
+        <p:spPr/>
+        <p:txBody>
+          <a:bodyPr/>
+          <a:p>
+            <a:r>
+              <a:rPr lang="zh-CN" altLang="en-US" sz="2800">
+                <a:sym typeface="+mn-ea"/>
+              </a:rPr>
+              <a:t>使用</a:t>
+            </a:r>
+            <a:r>
+              <a:rPr lang="en-US" altLang="zh-CN" sz="2800">
+                <a:sym typeface="+mn-ea"/>
+              </a:rPr>
+              <a:t>npm install </a:t>
+            </a:r>
+            <a:r>
+              <a:rPr lang="zh-CN" altLang="en-US" sz="2800">
+                <a:sym typeface="+mn-ea"/>
+              </a:rPr>
+              <a:t>或</a:t>
+            </a:r>
+            <a:r>
+              <a:rPr lang="en-US" altLang="zh-CN" sz="2800">
+                <a:sym typeface="+mn-ea"/>
+              </a:rPr>
+              <a:t>yarn</a:t>
+            </a:r>
+            <a:r>
+              <a:rPr lang="zh-CN" altLang="en-US" sz="2800">
+                <a:sym typeface="+mn-ea"/>
+              </a:rPr>
+              <a:t>安装依赖</a:t>
+            </a:r>
+            <a:endParaRPr lang="zh-CN" altLang="en-US" sz="2800"/>
+          </a:p>
+          <a:p>
+            <a:r>
+              <a:rPr lang="zh-CN" altLang="en-US" sz="2800">
+                <a:sym typeface="+mn-ea"/>
+              </a:rPr>
+              <a:t>使用</a:t>
+            </a:r>
+            <a:r>
+              <a:rPr lang="en-US" altLang="zh-CN" sz="2800">
+                <a:sym typeface="+mn-ea"/>
+              </a:rPr>
+              <a:t>npm install lodash --save </a:t>
+            </a:r>
+            <a:r>
+              <a:rPr lang="zh-CN" altLang="en-US" sz="2800">
+                <a:sym typeface="+mn-ea"/>
+              </a:rPr>
+              <a:t>或 </a:t>
+            </a:r>
+            <a:r>
+              <a:rPr lang="en-US" altLang="zh-CN" sz="2800">
+                <a:sym typeface="+mn-ea"/>
+              </a:rPr>
+              <a:t>yarn add lodash </a:t>
+            </a:r>
+            <a:r>
+              <a:rPr lang="zh-CN" altLang="en-US" sz="2800">
+                <a:sym typeface="+mn-ea"/>
+              </a:rPr>
+              <a:t>增加依赖</a:t>
+            </a:r>
+            <a:endParaRPr lang="zh-CN" altLang="en-US" sz="2800"/>
+          </a:p>
+          <a:p>
+            <a:r>
+              <a:rPr lang="zh-CN" altLang="en-US" sz="2800">
+                <a:sym typeface="+mn-ea"/>
+              </a:rPr>
+              <a:t>使用</a:t>
+            </a:r>
+            <a:r>
+              <a:rPr lang="en-US" altLang="zh-CN" sz="2800">
+                <a:sym typeface="+mn-ea"/>
+              </a:rPr>
+              <a:t>npm start publish-dev </a:t>
+            </a:r>
+            <a:r>
+              <a:rPr lang="zh-CN" altLang="en-US" sz="2800">
+                <a:sym typeface="+mn-ea"/>
+              </a:rPr>
+              <a:t>或</a:t>
+            </a:r>
+            <a:r>
+              <a:rPr lang="en-US" altLang="zh-CN" sz="2800">
+                <a:sym typeface="+mn-ea"/>
+              </a:rPr>
+              <a:t>yarn </a:t>
+            </a:r>
+            <a:r>
+              <a:rPr lang="en-US" altLang="zh-CN" sz="2800">
+                <a:sym typeface="+mn-ea"/>
+              </a:rPr>
+              <a:t>publish-dev </a:t>
+            </a:r>
+            <a:r>
+              <a:rPr lang="zh-CN" altLang="en-US" sz="2800">
+                <a:sym typeface="+mn-ea"/>
+              </a:rPr>
+              <a:t>或</a:t>
+            </a:r>
+            <a:r>
+              <a:rPr lang="en-US" altLang="zh-CN" sz="2800">
+                <a:sym typeface="+mn-ea"/>
+              </a:rPr>
+              <a:t>yarn start </a:t>
+            </a:r>
+            <a:r>
+              <a:rPr lang="en-US" altLang="zh-CN" sz="2800">
+                <a:sym typeface="+mn-ea"/>
+              </a:rPr>
+              <a:t>publish-dev </a:t>
+            </a:r>
+            <a:r>
+              <a:rPr lang="zh-CN" altLang="en-US" sz="2800">
+                <a:sym typeface="+mn-ea"/>
+              </a:rPr>
+              <a:t>执行</a:t>
+            </a:r>
+            <a:r>
+              <a:rPr lang="en-US" altLang="zh-CN" sz="2800">
+                <a:sym typeface="+mn-ea"/>
+              </a:rPr>
+              <a:t>package.json</a:t>
+            </a:r>
+            <a:r>
+              <a:rPr lang="zh-CN" altLang="en-US" sz="2800">
+                <a:sym typeface="+mn-ea"/>
+              </a:rPr>
+              <a:t>中的命令（执行scripts节点下的</a:t>
+            </a:r>
+            <a:r>
+              <a:rPr lang="en-US" altLang="zh-CN" sz="2800">
+                <a:sym typeface="+mn-ea"/>
+              </a:rPr>
+              <a:t>publish-dev</a:t>
+            </a:r>
+            <a:r>
+              <a:rPr lang="zh-CN" altLang="en-US" sz="2800">
+                <a:sym typeface="+mn-ea"/>
+              </a:rPr>
+              <a:t>）</a:t>
+            </a:r>
+            <a:endParaRPr lang="zh-CN" altLang="en-US"/>
+          </a:p>
+          <a:p>
+            <a:endParaRPr lang="zh-CN" altLang="en-US"/>
+          </a:p>
+        </p:txBody>
+      </p:sp>
+    </p:spTree>
+  </p:cSld>
+  <p:clrMapOvr>
+    <a:masterClrMapping/>
+  </p:clrMapOvr>
+</p:sld>
+</file>
+
+<file path=ppt/slides/slide15.xml><?xml version="1.0" encoding="utf-8"?>
+<p:sld xmlns:a="http://schemas.openxmlformats.org/drawingml/2006/main" xmlns:r="http://schemas.openxmlformats.org/officeDocument/2006/relationships" xmlns:p="http://schemas.openxmlformats.org/presentationml/2006/main">
+  <p:cSld>
+    <p:spTree>
+      <p:nvGrpSpPr>
+        <p:cNvPr id="1" name=""/>
+        <p:cNvGrpSpPr/>
+        <p:nvPr/>
+      </p:nvGrpSpPr>
+      <p:grpSpPr/>
+      <p:sp>
+        <p:nvSpPr>
+          <p:cNvPr id="2" name="标题 1"/>
+          <p:cNvSpPr>
+            <a:spLocks noGrp="1"/>
+          </p:cNvSpPr>
+          <p:nvPr>
+            <p:ph type="title"/>
+          </p:nvPr>
+        </p:nvSpPr>
+        <p:spPr/>
+        <p:txBody>
+          <a:bodyPr/>
+          <a:p>
+            <a:r>
+              <a:rPr lang="zh-CN" altLang="en-US"/>
+              <a:t>项目结构</a:t>
+            </a:r>
+            <a:endParaRPr lang="zh-CN" altLang="en-US"/>
+          </a:p>
+        </p:txBody>
+      </p:sp>
+      <p:sp>
+        <p:nvSpPr>
+          <p:cNvPr id="3" name="内容占位符 2"/>
+          <p:cNvSpPr>
+            <a:spLocks noGrp="1"/>
+          </p:cNvSpPr>
+          <p:nvPr>
+            <p:ph idx="1"/>
+          </p:nvPr>
+        </p:nvSpPr>
+        <p:spPr/>
+        <p:txBody>
+          <a:bodyPr/>
+          <a:p>
+            <a:r>
+              <a:rPr lang="en-US" altLang="zh-CN" sz="2800"/>
+              <a:t>android</a:t>
+            </a:r>
+            <a:r>
+              <a:rPr lang="zh-CN" altLang="en-US" sz="2800"/>
+              <a:t>，可以使用</a:t>
+            </a:r>
+            <a:r>
+              <a:rPr lang="en-US" altLang="zh-CN" sz="2800"/>
+              <a:t>Android Studio </a:t>
+            </a:r>
+            <a:r>
+              <a:rPr lang="zh-CN" altLang="en-US" sz="2800"/>
+              <a:t>打开</a:t>
+            </a:r>
+            <a:endParaRPr lang="zh-CN" altLang="en-US" sz="2800"/>
+          </a:p>
+          <a:p>
+            <a:r>
+              <a:rPr lang="en-US" altLang="zh-CN" sz="2800"/>
+              <a:t>ios</a:t>
+            </a:r>
+            <a:r>
+              <a:rPr lang="zh-CN" altLang="en-US" sz="2800"/>
+              <a:t>，可以使用</a:t>
+            </a:r>
+            <a:r>
+              <a:rPr lang="en-US" altLang="zh-CN" sz="2800"/>
+              <a:t>Xcode</a:t>
+            </a:r>
+            <a:r>
+              <a:rPr lang="zh-CN" altLang="en-US" sz="2800"/>
+              <a:t>打开该目录下的</a:t>
+            </a:r>
+            <a:r>
+              <a:rPr lang="en-US" altLang="zh-CN" sz="2800"/>
+              <a:t>xcodeproj</a:t>
+            </a:r>
+            <a:r>
+              <a:rPr lang="zh-CN" altLang="en-US" sz="2800"/>
+              <a:t>文件</a:t>
+            </a:r>
+            <a:endParaRPr lang="en-US" altLang="zh-CN" sz="2800"/>
+          </a:p>
+          <a:p>
+            <a:r>
+              <a:rPr lang="en-US" altLang="zh-CN" sz="2800"/>
+              <a:t>index.js</a:t>
+            </a:r>
+            <a:r>
+              <a:rPr lang="zh-CN" altLang="en-US" sz="2800"/>
+              <a:t>，</a:t>
+            </a:r>
+            <a:r>
+              <a:rPr lang="en-US" altLang="zh-CN" sz="2800"/>
+              <a:t>React Native</a:t>
+            </a:r>
+            <a:r>
+              <a:rPr lang="zh-CN" altLang="en-US" sz="2800"/>
+              <a:t>应用的入口</a:t>
+            </a:r>
+            <a:endParaRPr lang="zh-CN" altLang="en-US" sz="2800"/>
+          </a:p>
+          <a:p>
+            <a:r>
+              <a:rPr lang="en-US" altLang="zh-CN" sz="2800"/>
+              <a:t>App.js</a:t>
+            </a:r>
+            <a:r>
+              <a:rPr lang="zh-CN" altLang="en-US" sz="2800"/>
+              <a:t>，应用的</a:t>
+            </a:r>
+            <a:r>
+              <a:rPr lang="zh-CN" altLang="en-US" sz="2800"/>
+              <a:t>第一个页面</a:t>
+            </a:r>
+            <a:endParaRPr lang="zh-CN" altLang="en-US" sz="2800"/>
+          </a:p>
+        </p:txBody>
+      </p:sp>
+      <p:pic>
+        <p:nvPicPr>
+          <p:cNvPr id="8" name="图片 7"/>
+          <p:cNvPicPr>
+            <a:picLocks noChangeAspect="1"/>
+          </p:cNvPicPr>
+          <p:nvPr/>
+        </p:nvPicPr>
+        <p:blipFill>
+          <a:blip r:embed="rId1"/>
+          <a:stretch>
+            <a:fillRect/>
+          </a:stretch>
+        </p:blipFill>
+        <p:spPr>
+          <a:xfrm>
+            <a:off x="8808720" y="226060"/>
+            <a:ext cx="3239770" cy="6405880"/>
+          </a:xfrm>
+          <a:prstGeom prst="rect">
+            <a:avLst/>
+          </a:prstGeom>
+        </p:spPr>
+      </p:pic>
+    </p:spTree>
+  </p:cSld>
+  <p:clrMapOvr>
+    <a:masterClrMapping/>
+  </p:clrMapOvr>
+</p:sld>
+</file>
+
+<file path=ppt/slides/slide16.xml><?xml version="1.0" encoding="utf-8"?>
+<p:sld xmlns:a="http://schemas.openxmlformats.org/drawingml/2006/main" xmlns:r="http://schemas.openxmlformats.org/officeDocument/2006/relationships" xmlns:p="http://schemas.openxmlformats.org/presentationml/2006/main">
+  <p:cSld>
+    <p:spTree>
+      <p:nvGrpSpPr>
+        <p:cNvPr id="1" name=""/>
+        <p:cNvGrpSpPr/>
+        <p:nvPr/>
+      </p:nvGrpSpPr>
+      <p:grpSpPr/>
+      <p:sp>
+        <p:nvSpPr>
+          <p:cNvPr id="2" name="标题 1"/>
+          <p:cNvSpPr>
+            <a:spLocks noGrp="1"/>
+          </p:cNvSpPr>
+          <p:nvPr>
+            <p:ph type="title"/>
+          </p:nvPr>
+        </p:nvSpPr>
+        <p:spPr/>
+        <p:txBody>
+          <a:bodyPr/>
+          <a:p>
+            <a:r>
+              <a:rPr lang="en-US" altLang="zh-CN"/>
+              <a:t>App.js</a:t>
+            </a:r>
+            <a:endParaRPr lang="en-US" altLang="zh-CN"/>
+          </a:p>
+        </p:txBody>
+      </p:sp>
+      <p:sp>
+        <p:nvSpPr>
+          <p:cNvPr id="5" name="内容占位符 4"/>
+          <p:cNvSpPr/>
+          <p:nvPr>
+            <p:ph idx="1"/>
+          </p:nvPr>
+        </p:nvSpPr>
+        <p:spPr/>
+        <p:txBody>
+          <a:bodyPr/>
+          <a:p>
+            <a:r>
+              <a:rPr lang="en-US" altLang="zh-CN"/>
+              <a:t>View</a:t>
+            </a:r>
+            <a:endParaRPr lang="en-US" altLang="zh-CN"/>
+          </a:p>
+          <a:p>
+            <a:pPr lvl="1"/>
+            <a:r>
+              <a:rPr lang="zh-CN" altLang="en-US"/>
+              <a:t>类似</a:t>
+            </a:r>
+            <a:r>
+              <a:rPr lang="en-US" altLang="zh-CN"/>
+              <a:t>div</a:t>
+            </a:r>
+            <a:endParaRPr lang="en-US" altLang="zh-CN"/>
+          </a:p>
+          <a:p>
+            <a:r>
+              <a:rPr lang="en-US" altLang="zh-CN"/>
+              <a:t>Text</a:t>
+            </a:r>
+            <a:endParaRPr lang="en-US" altLang="zh-CN"/>
+          </a:p>
+          <a:p>
+            <a:pPr lvl="1"/>
+            <a:r>
+              <a:rPr lang="zh-CN" altLang="en-US"/>
+              <a:t>显示文本</a:t>
+            </a:r>
+            <a:endParaRPr lang="zh-CN" altLang="en-US"/>
+          </a:p>
+          <a:p>
+            <a:pPr lvl="0"/>
+            <a:r>
+              <a:rPr lang="en-US" altLang="zh-CN"/>
+              <a:t>style</a:t>
+            </a:r>
+            <a:endParaRPr lang="en-US" altLang="zh-CN"/>
+          </a:p>
+          <a:p>
+            <a:pPr lvl="1"/>
+            <a:r>
+              <a:rPr lang="zh-CN" altLang="en-US"/>
+              <a:t>类似</a:t>
+            </a:r>
+            <a:r>
+              <a:rPr lang="en-US" altLang="zh-CN"/>
+              <a:t>css</a:t>
+            </a:r>
+            <a:endParaRPr lang="en-US" altLang="zh-CN"/>
+          </a:p>
+        </p:txBody>
+      </p:sp>
+      <p:pic>
+        <p:nvPicPr>
+          <p:cNvPr id="7" name="图片 6"/>
+          <p:cNvPicPr>
+            <a:picLocks noChangeAspect="1"/>
+          </p:cNvPicPr>
+          <p:nvPr/>
+        </p:nvPicPr>
+        <p:blipFill>
+          <a:blip r:embed="rId1"/>
+          <a:stretch>
+            <a:fillRect/>
+          </a:stretch>
+        </p:blipFill>
+        <p:spPr>
+          <a:xfrm>
+            <a:off x="2533015" y="1041400"/>
+            <a:ext cx="8484235" cy="4775200"/>
+          </a:xfrm>
+          <a:prstGeom prst="rect">
+            <a:avLst/>
+          </a:prstGeom>
+        </p:spPr>
+      </p:pic>
+    </p:spTree>
+  </p:cSld>
+  <p:clrMapOvr>
+    <a:masterClrMapping/>
+  </p:clrMapOvr>
+</p:sld>
+</file>
+
+<file path=ppt/slides/slide17.xml><?xml version="1.0" encoding="utf-8"?>
+<p:sld xmlns:a="http://schemas.openxmlformats.org/drawingml/2006/main" xmlns:r="http://schemas.openxmlformats.org/officeDocument/2006/relationships" xmlns:p="http://schemas.openxmlformats.org/presentationml/2006/main">
+  <p:cSld>
+    <p:spTree>
+      <p:nvGrpSpPr>
+        <p:cNvPr id="1" name=""/>
+        <p:cNvGrpSpPr/>
+        <p:nvPr/>
+      </p:nvGrpSpPr>
+      <p:grpSpPr/>
+      <p:sp>
+        <p:nvSpPr>
+          <p:cNvPr id="2" name="标题 1"/>
+          <p:cNvSpPr>
+            <a:spLocks noGrp="1"/>
+          </p:cNvSpPr>
+          <p:nvPr>
+            <p:ph type="title"/>
+          </p:nvPr>
+        </p:nvSpPr>
+        <p:spPr/>
+        <p:txBody>
+          <a:bodyPr/>
+          <a:p>
+            <a:r>
+              <a:rPr lang="zh-CN" altLang="en-US"/>
+              <a:t>常用组件（ </a:t>
+            </a:r>
+            <a:r>
+              <a:rPr lang="en-US" altLang="zh-CN"/>
+              <a:t>1 </a:t>
+            </a:r>
+            <a:r>
+              <a:rPr lang="zh-CN" altLang="en-US"/>
+              <a:t>）</a:t>
+            </a:r>
+            <a:endParaRPr lang="zh-CN" altLang="en-US"/>
+          </a:p>
+        </p:txBody>
+      </p:sp>
+      <p:sp>
+        <p:nvSpPr>
+          <p:cNvPr id="3" name="内容占位符 2"/>
+          <p:cNvSpPr>
+            <a:spLocks noGrp="1"/>
+          </p:cNvSpPr>
+          <p:nvPr>
+            <p:ph idx="1"/>
+          </p:nvPr>
+        </p:nvSpPr>
+        <p:spPr/>
+        <p:txBody>
+          <a:bodyPr>
+            <a:normAutofit/>
+          </a:bodyPr>
+          <a:p>
+            <a:r>
+              <a:rPr lang="zh-CN" altLang="en-US" sz="2800"/>
+              <a:t>View 布局</a:t>
+            </a:r>
+            <a:endParaRPr lang="zh-CN" altLang="en-US" sz="2800"/>
+          </a:p>
+          <a:p>
+            <a:r>
+              <a:rPr lang="zh-CN" altLang="en-US" sz="2800"/>
+              <a:t>Text 显示文本</a:t>
+            </a:r>
+            <a:endParaRPr lang="zh-CN" altLang="en-US" sz="2800"/>
+          </a:p>
+          <a:p>
+            <a:r>
+              <a:rPr lang="zh-CN" altLang="en-US" sz="2800"/>
+              <a:t>TouchableOpacity 按钮</a:t>
+            </a:r>
+            <a:endParaRPr lang="zh-CN" altLang="en-US" sz="2800"/>
+          </a:p>
+          <a:p>
+            <a:r>
+              <a:rPr lang="zh-CN" altLang="en-US" sz="2800"/>
+              <a:t>Image 图片</a:t>
+            </a:r>
+            <a:endParaRPr lang="zh-CN" altLang="en-US" sz="2800"/>
+          </a:p>
+          <a:p>
+            <a:r>
+              <a:rPr lang="zh-CN" altLang="en-US" sz="2800"/>
+              <a:t>FlatList 列表</a:t>
+            </a:r>
+            <a:endParaRPr lang="zh-CN" altLang="en-US" sz="2800"/>
+          </a:p>
+          <a:p>
+            <a:r>
+              <a:rPr lang="zh-CN" altLang="en-US" sz="2800"/>
+              <a:t>Modal 弹出层</a:t>
+            </a:r>
+            <a:endParaRPr lang="zh-CN" altLang="en-US" sz="1800"/>
+          </a:p>
+          <a:p>
+            <a:endParaRPr lang="en-US" altLang="zh-CN"/>
+          </a:p>
+          <a:p>
+            <a:endParaRPr lang="en-US" altLang="zh-CN"/>
+          </a:p>
+        </p:txBody>
+      </p:sp>
+    </p:spTree>
+  </p:cSld>
+  <p:clrMapOvr>
+    <a:masterClrMapping/>
+  </p:clrMapOvr>
+</p:sld>
+</file>
+
+<file path=ppt/slides/slide18.xml><?xml version="1.0" encoding="utf-8"?>
+<p:sld xmlns:a="http://schemas.openxmlformats.org/drawingml/2006/main" xmlns:r="http://schemas.openxmlformats.org/officeDocument/2006/relationships" xmlns:p="http://schemas.openxmlformats.org/presentationml/2006/main">
+  <p:cSld>
+    <p:spTree>
+      <p:nvGrpSpPr>
+        <p:cNvPr id="1" name=""/>
+        <p:cNvGrpSpPr/>
+        <p:nvPr/>
+      </p:nvGrpSpPr>
+      <p:grpSpPr/>
+      <p:sp>
+        <p:nvSpPr>
+          <p:cNvPr id="2" name="标题 1"/>
+          <p:cNvSpPr>
+            <a:spLocks noGrp="1"/>
+          </p:cNvSpPr>
+          <p:nvPr>
+            <p:ph type="title"/>
+          </p:nvPr>
+        </p:nvSpPr>
+        <p:spPr/>
+        <p:txBody>
+          <a:bodyPr>
+            <a:normAutofit/>
+          </a:bodyPr>
+          <a:p>
+            <a:r>
+              <a:rPr lang="zh-CN" altLang="en-US">
+                <a:sym typeface="+mn-ea"/>
+              </a:rPr>
+              <a:t>常用组件（ </a:t>
+            </a:r>
+            <a:r>
+              <a:rPr lang="en-US" altLang="zh-CN">
+                <a:sym typeface="+mn-ea"/>
+              </a:rPr>
+              <a:t>2 </a:t>
+            </a:r>
+            <a:r>
+              <a:rPr lang="zh-CN" altLang="en-US">
+                <a:sym typeface="+mn-ea"/>
+              </a:rPr>
+              <a:t>）</a:t>
+            </a:r>
+            <a:endParaRPr lang="zh-CN" altLang="en-US"/>
+          </a:p>
+        </p:txBody>
+      </p:sp>
+      <p:sp>
+        <p:nvSpPr>
+          <p:cNvPr id="3" name="内容占位符 2"/>
+          <p:cNvSpPr>
+            <a:spLocks noGrp="1"/>
+          </p:cNvSpPr>
+          <p:nvPr>
+            <p:ph idx="1"/>
+          </p:nvPr>
+        </p:nvSpPr>
+        <p:spPr/>
+        <p:txBody>
+          <a:bodyPr/>
+          <a:p>
+            <a:r>
+              <a:rPr lang="zh-CN" altLang="en-US" sz="2800">
+                <a:sym typeface="+mn-ea"/>
+              </a:rPr>
+              <a:t>ScrollView 滚动视图</a:t>
+            </a:r>
+            <a:endParaRPr lang="zh-CN" altLang="en-US" sz="2800"/>
+          </a:p>
+          <a:p>
+            <a:r>
+              <a:rPr lang="zh-CN" altLang="en-US" sz="2800">
+                <a:sym typeface="+mn-ea"/>
+              </a:rPr>
+              <a:t>TextInput 文本输入</a:t>
+            </a:r>
+            <a:endParaRPr lang="zh-CN" altLang="en-US" sz="2800"/>
+          </a:p>
+          <a:p>
+            <a:r>
+              <a:rPr lang="zh-CN" altLang="en-US" sz="2800">
+                <a:sym typeface="+mn-ea"/>
+              </a:rPr>
+              <a:t>Dimensions 获取设备宽度和高度</a:t>
+            </a:r>
+            <a:endParaRPr lang="zh-CN" altLang="en-US" sz="2800"/>
+          </a:p>
+          <a:p>
+            <a:r>
+              <a:rPr lang="zh-CN" altLang="en-US" sz="2800">
+                <a:sym typeface="+mn-ea"/>
+              </a:rPr>
+              <a:t>Linking 打开</a:t>
+            </a:r>
+            <a:r>
+              <a:rPr lang="en-US" altLang="zh-CN" sz="2800">
+                <a:sym typeface="+mn-ea"/>
+              </a:rPr>
+              <a:t>URL</a:t>
+            </a:r>
+            <a:endParaRPr lang="en-US" altLang="zh-CN" sz="2800"/>
+          </a:p>
+          <a:p>
+            <a:r>
+              <a:rPr lang="en-US" altLang="zh-CN" sz="2800">
+                <a:sym typeface="+mn-ea"/>
+              </a:rPr>
+              <a:t>AsyncStorage </a:t>
+            </a:r>
+            <a:r>
+              <a:rPr lang="zh-CN" altLang="en-US" sz="2800">
+                <a:sym typeface="+mn-ea"/>
+              </a:rPr>
+              <a:t>存储</a:t>
+            </a:r>
+            <a:endParaRPr lang="zh-CN" altLang="en-US" sz="2800"/>
+          </a:p>
+          <a:p>
+            <a:r>
+              <a:rPr lang="en-US" altLang="zh-CN" sz="2800">
+                <a:sym typeface="+mn-ea"/>
+              </a:rPr>
+              <a:t>Clipboard</a:t>
+            </a:r>
+            <a:r>
+              <a:rPr lang="zh-CN" altLang="en-US" sz="2800">
+                <a:sym typeface="+mn-ea"/>
+              </a:rPr>
+              <a:t> 剪贴板</a:t>
+            </a:r>
+            <a:endParaRPr lang="zh-CN" altLang="en-US" sz="2800"/>
+          </a:p>
+          <a:p>
+            <a:r>
+              <a:rPr lang="en-US" altLang="zh-CN" sz="2800">
+                <a:sym typeface="+mn-ea"/>
+              </a:rPr>
+              <a:t>Platform</a:t>
+            </a:r>
+            <a:r>
+              <a:rPr lang="zh-CN" altLang="en-US" sz="2800">
+                <a:sym typeface="+mn-ea"/>
+              </a:rPr>
+              <a:t> 获取操作</a:t>
+            </a:r>
+            <a:r>
+              <a:rPr lang="zh-CN" altLang="en-US" sz="2800">
+                <a:sym typeface="+mn-ea"/>
+              </a:rPr>
+              <a:t>系统 </a:t>
+            </a:r>
+            <a:r>
+              <a:rPr lang="en-US" altLang="zh-CN" sz="2800">
+                <a:sym typeface="+mn-ea"/>
+              </a:rPr>
+              <a:t>Android /</a:t>
+            </a:r>
+            <a:r>
+              <a:rPr lang="zh-CN" altLang="en-US" sz="2800">
+                <a:sym typeface="+mn-ea"/>
+              </a:rPr>
+              <a:t> </a:t>
+            </a:r>
+            <a:r>
+              <a:rPr lang="en-US" altLang="zh-CN" sz="2800">
+                <a:sym typeface="+mn-ea"/>
+              </a:rPr>
+              <a:t>iOS </a:t>
+            </a:r>
+            <a:endParaRPr lang="zh-CN" altLang="en-US" sz="2800"/>
+          </a:p>
+        </p:txBody>
+      </p:sp>
+    </p:spTree>
+  </p:cSld>
+  <p:clrMapOvr>
+    <a:masterClrMapping/>
+  </p:clrMapOvr>
+</p:sld>
+</file>
+
+<file path=ppt/slides/slide19.xml><?xml version="1.0" encoding="utf-8"?>
+<p:sld xmlns:a="http://schemas.openxmlformats.org/drawingml/2006/main" xmlns:r="http://schemas.openxmlformats.org/officeDocument/2006/relationships" xmlns:p="http://schemas.openxmlformats.org/presentationml/2006/main">
+  <p:cSld>
+    <p:spTree>
+      <p:nvGrpSpPr>
+        <p:cNvPr id="1" name=""/>
+        <p:cNvGrpSpPr/>
+        <p:nvPr/>
+      </p:nvGrpSpPr>
+      <p:grpSpPr/>
+      <p:sp>
+        <p:nvSpPr>
+          <p:cNvPr id="2" name="标题 1"/>
+          <p:cNvSpPr>
+            <a:spLocks noGrp="1"/>
+          </p:cNvSpPr>
+          <p:nvPr>
+            <p:ph type="title"/>
+          </p:nvPr>
+        </p:nvSpPr>
+        <p:spPr/>
+        <p:txBody>
+          <a:bodyPr/>
+          <a:p>
+            <a:r>
+              <a:rPr lang="zh-CN" altLang="en-US"/>
+              <a:t>热更新（</a:t>
+            </a:r>
+            <a:r>
+              <a:rPr lang="en-US" altLang="zh-CN"/>
+              <a:t>1</a:t>
+            </a:r>
+            <a:r>
+              <a:rPr lang="zh-CN" altLang="en-US"/>
+              <a:t>）</a:t>
+            </a:r>
+            <a:endParaRPr lang="zh-CN" altLang="en-US"/>
+          </a:p>
+        </p:txBody>
+      </p:sp>
+      <p:sp>
+        <p:nvSpPr>
+          <p:cNvPr id="3" name="内容占位符 2"/>
+          <p:cNvSpPr>
+            <a:spLocks noGrp="1"/>
+          </p:cNvSpPr>
+          <p:nvPr>
+            <p:ph idx="1"/>
+          </p:nvPr>
+        </p:nvSpPr>
+        <p:spPr/>
+        <p:txBody>
+          <a:bodyPr/>
+          <a:p>
+            <a:endParaRPr lang="zh-CN" altLang="en-US"/>
+          </a:p>
+        </p:txBody>
+      </p:sp>
+      <p:sp>
+        <p:nvSpPr>
+          <p:cNvPr id="4" name="矩形 3"/>
+          <p:cNvSpPr/>
+          <p:nvPr/>
+        </p:nvSpPr>
+        <p:spPr>
+          <a:xfrm>
+            <a:off x="4798060" y="2411095"/>
+            <a:ext cx="1847850" cy="796925"/>
+          </a:xfrm>
+          <a:prstGeom prst="rect">
+            <a:avLst/>
+          </a:prstGeom>
+        </p:spPr>
+        <p:style>
+          <a:lnRef idx="2">
+            <a:schemeClr val="accent1">
+              <a:shade val="50000"/>
+            </a:schemeClr>
+          </a:lnRef>
+          <a:fillRef idx="1">
+            <a:schemeClr val="accent1"/>
+          </a:fillRef>
+          <a:effectRef idx="0">
+            <a:schemeClr val="accent1"/>
+          </a:effectRef>
+          <a:fontRef idx="minor">
+            <a:schemeClr val="lt1"/>
+          </a:fontRef>
+        </p:style>
+        <p:txBody>
+          <a:bodyPr rtlCol="0" anchor="ctr"/>
+          <a:p>
+            <a:pPr algn="ctr"/>
+            <a:r>
+              <a:rPr lang="zh-CN" altLang="en-US"/>
+              <a:t>热更新服务器</a:t>
+            </a:r>
+            <a:endParaRPr lang="zh-CN" altLang="en-US"/>
+          </a:p>
+        </p:txBody>
+      </p:sp>
+      <p:sp>
+        <p:nvSpPr>
+          <p:cNvPr id="5" name="矩形 4"/>
+          <p:cNvSpPr/>
+          <p:nvPr/>
+        </p:nvSpPr>
+        <p:spPr>
+          <a:xfrm>
+            <a:off x="1390015" y="4199255"/>
+            <a:ext cx="2594610" cy="847725"/>
+          </a:xfrm>
+          <a:prstGeom prst="rect">
+            <a:avLst/>
+          </a:prstGeom>
+        </p:spPr>
+        <p:style>
+          <a:lnRef idx="2">
+            <a:schemeClr val="accent1">
+              <a:shade val="50000"/>
+            </a:schemeClr>
+          </a:lnRef>
+          <a:fillRef idx="1">
+            <a:schemeClr val="accent1"/>
+          </a:fillRef>
+          <a:effectRef idx="0">
+            <a:schemeClr val="accent1"/>
+          </a:effectRef>
+          <a:fontRef idx="minor">
+            <a:schemeClr val="lt1"/>
+          </a:fontRef>
+        </p:style>
+        <p:txBody>
+          <a:bodyPr rtlCol="0" anchor="ctr"/>
+          <a:p>
+            <a:pPr algn="ctr"/>
+            <a:r>
+              <a:rPr lang="en-US" altLang="zh-CN"/>
+              <a:t>Javascript</a:t>
+            </a:r>
+            <a:r>
+              <a:rPr lang="zh-CN" altLang="en-US"/>
+              <a:t>代码</a:t>
+            </a:r>
+            <a:endParaRPr lang="zh-CN" altLang="en-US"/>
+          </a:p>
+        </p:txBody>
+      </p:sp>
+      <p:sp>
+        <p:nvSpPr>
+          <p:cNvPr id="6" name="矩形 5"/>
+          <p:cNvSpPr/>
+          <p:nvPr/>
+        </p:nvSpPr>
+        <p:spPr>
+          <a:xfrm>
+            <a:off x="7884160" y="4148455"/>
+            <a:ext cx="3068955" cy="898525"/>
+          </a:xfrm>
+          <a:prstGeom prst="rect">
+            <a:avLst/>
+          </a:prstGeom>
+        </p:spPr>
+        <p:style>
+          <a:lnRef idx="2">
+            <a:schemeClr val="accent1">
+              <a:shade val="50000"/>
+            </a:schemeClr>
+          </a:lnRef>
+          <a:fillRef idx="1">
+            <a:schemeClr val="accent1"/>
+          </a:fillRef>
+          <a:effectRef idx="0">
+            <a:schemeClr val="accent1"/>
+          </a:effectRef>
+          <a:fontRef idx="minor">
+            <a:schemeClr val="lt1"/>
+          </a:fontRef>
+        </p:style>
+        <p:txBody>
+          <a:bodyPr rtlCol="0" anchor="ctr"/>
+          <a:p>
+            <a:pPr algn="ctr"/>
+            <a:r>
+              <a:rPr lang="en-US" altLang="zh-CN"/>
+              <a:t>APK/IPA</a:t>
+            </a:r>
+            <a:r>
+              <a:rPr lang="zh-CN" altLang="en-US"/>
+              <a:t>应用</a:t>
+            </a:r>
+            <a:endParaRPr lang="zh-CN" altLang="en-US"/>
+          </a:p>
+        </p:txBody>
+      </p:sp>
+      <p:cxnSp>
+        <p:nvCxnSpPr>
+          <p:cNvPr id="8" name="直接箭头连接符 7"/>
+          <p:cNvCxnSpPr>
+            <a:endCxn id="4" idx="1"/>
+          </p:cNvCxnSpPr>
+          <p:nvPr/>
+        </p:nvCxnSpPr>
+        <p:spPr>
+          <a:xfrm flipV="1">
+            <a:off x="2915920" y="2809875"/>
+            <a:ext cx="1882140" cy="1771650"/>
+          </a:xfrm>
+          <a:prstGeom prst="straightConnector1">
+            <a:avLst/>
+          </a:prstGeom>
+          <a:ln>
+            <a:tailEnd type="arrow"/>
+          </a:ln>
+        </p:spPr>
+        <p:style>
+          <a:lnRef idx="1">
+            <a:schemeClr val="accent1"/>
+          </a:lnRef>
+          <a:fillRef idx="0">
+            <a:schemeClr val="accent1"/>
+          </a:fillRef>
+          <a:effectRef idx="0">
+            <a:schemeClr val="accent1"/>
+          </a:effectRef>
+          <a:fontRef idx="minor">
+            <a:schemeClr val="tx1"/>
+          </a:fontRef>
+        </p:style>
+      </p:cxnSp>
+      <p:sp>
+        <p:nvSpPr>
+          <p:cNvPr id="10" name="文本框 9"/>
+          <p:cNvSpPr txBox="1"/>
+          <p:nvPr/>
+        </p:nvSpPr>
+        <p:spPr>
+          <a:xfrm>
+            <a:off x="1390015" y="3095625"/>
+            <a:ext cx="3408045" cy="645160"/>
+          </a:xfrm>
+          <a:prstGeom prst="rect">
+            <a:avLst/>
+          </a:prstGeom>
+          <a:noFill/>
+        </p:spPr>
+        <p:txBody>
+          <a:bodyPr wrap="square" rtlCol="0">
+            <a:spAutoFit/>
+          </a:bodyPr>
+          <a:p>
+            <a:r>
+              <a:rPr lang="en-US" altLang="zh-CN"/>
+              <a:t> </a:t>
+            </a:r>
+            <a:r>
+              <a:rPr lang="zh-CN" altLang="en-US"/>
+              <a:t>（</a:t>
+            </a:r>
+            <a:r>
+              <a:rPr lang="en-US" altLang="zh-CN"/>
+              <a:t>1</a:t>
+            </a:r>
+            <a:r>
+              <a:rPr lang="zh-CN" altLang="en-US"/>
+              <a:t>）</a:t>
+            </a:r>
+            <a:r>
+              <a:rPr lang="en-US" altLang="zh-CN"/>
+              <a:t>code-push </a:t>
+            </a:r>
+            <a:r>
+              <a:rPr lang="zh-CN" altLang="en-US"/>
+              <a:t>release-react </a:t>
+            </a:r>
+            <a:endParaRPr lang="zh-CN" altLang="en-US"/>
+          </a:p>
+          <a:p>
+            <a:r>
+              <a:rPr lang="zh-CN" altLang="en-US"/>
+              <a:t>提交</a:t>
+            </a:r>
+            <a:r>
+              <a:rPr lang="zh-CN" altLang="en-US"/>
+              <a:t>热更新代码</a:t>
+            </a:r>
+            <a:endParaRPr lang="zh-CN" altLang="en-US"/>
+          </a:p>
+        </p:txBody>
+      </p:sp>
+      <p:cxnSp>
+        <p:nvCxnSpPr>
+          <p:cNvPr id="11" name="直接箭头连接符 10"/>
+          <p:cNvCxnSpPr>
+            <a:stCxn id="4" idx="2"/>
+            <a:endCxn id="6" idx="1"/>
+          </p:cNvCxnSpPr>
+          <p:nvPr/>
+        </p:nvCxnSpPr>
+        <p:spPr>
+          <a:xfrm>
+            <a:off x="5721985" y="3208020"/>
+            <a:ext cx="2162175" cy="1390015"/>
+          </a:xfrm>
+          <a:prstGeom prst="straightConnector1">
+            <a:avLst/>
+          </a:prstGeom>
+          <a:ln>
+            <a:tailEnd type="arrow"/>
+          </a:ln>
+        </p:spPr>
+        <p:style>
+          <a:lnRef idx="1">
+            <a:schemeClr val="accent1"/>
+          </a:lnRef>
+          <a:fillRef idx="0">
+            <a:schemeClr val="accent1"/>
+          </a:fillRef>
+          <a:effectRef idx="0">
+            <a:schemeClr val="accent1"/>
+          </a:effectRef>
+          <a:fontRef idx="minor">
+            <a:schemeClr val="tx1"/>
+          </a:fontRef>
+        </p:style>
+      </p:cxnSp>
+      <p:cxnSp>
+        <p:nvCxnSpPr>
+          <p:cNvPr id="12" name="直接箭头连接符 11"/>
+          <p:cNvCxnSpPr>
+            <a:stCxn id="6" idx="0"/>
+            <a:endCxn id="4" idx="3"/>
+          </p:cNvCxnSpPr>
+          <p:nvPr/>
+        </p:nvCxnSpPr>
+        <p:spPr>
+          <a:xfrm flipH="1" flipV="1">
+            <a:off x="6645910" y="2809875"/>
+            <a:ext cx="2773045" cy="1338580"/>
+          </a:xfrm>
+          <a:prstGeom prst="straightConnector1">
+            <a:avLst/>
+          </a:prstGeom>
+          <a:ln>
+            <a:tailEnd type="arrow"/>
+          </a:ln>
+        </p:spPr>
+        <p:style>
+          <a:lnRef idx="1">
+            <a:schemeClr val="accent1"/>
+          </a:lnRef>
+          <a:fillRef idx="0">
+            <a:schemeClr val="accent1"/>
+          </a:fillRef>
+          <a:effectRef idx="0">
+            <a:schemeClr val="accent1"/>
+          </a:effectRef>
+          <a:fontRef idx="minor">
+            <a:schemeClr val="tx1"/>
+          </a:fontRef>
+        </p:style>
+      </p:cxnSp>
+      <p:sp>
+        <p:nvSpPr>
+          <p:cNvPr id="13" name="文本框 12"/>
+          <p:cNvSpPr txBox="1"/>
+          <p:nvPr/>
+        </p:nvSpPr>
+        <p:spPr>
+          <a:xfrm>
+            <a:off x="7884160" y="2839720"/>
+            <a:ext cx="2824480" cy="368300"/>
+          </a:xfrm>
+          <a:prstGeom prst="rect">
+            <a:avLst/>
+          </a:prstGeom>
+          <a:noFill/>
+        </p:spPr>
+        <p:txBody>
+          <a:bodyPr wrap="none" rtlCol="0">
+            <a:spAutoFit/>
+          </a:bodyPr>
+          <a:p>
+            <a:r>
+              <a:rPr lang="zh-CN" altLang="en-US"/>
+              <a:t>（</a:t>
+            </a:r>
+            <a:r>
+              <a:rPr lang="en-US" altLang="zh-CN"/>
+              <a:t>2</a:t>
+            </a:r>
+            <a:r>
+              <a:rPr lang="zh-CN" altLang="en-US"/>
+              <a:t>）检查是否需要热更新</a:t>
+            </a:r>
+            <a:endParaRPr lang="zh-CN" altLang="en-US"/>
+          </a:p>
+        </p:txBody>
+      </p:sp>
+      <p:sp>
+        <p:nvSpPr>
+          <p:cNvPr id="14" name="文本框 13"/>
+          <p:cNvSpPr txBox="1"/>
+          <p:nvPr/>
+        </p:nvSpPr>
+        <p:spPr>
+          <a:xfrm>
+            <a:off x="5306695" y="4413885"/>
+            <a:ext cx="2367280" cy="368300"/>
+          </a:xfrm>
+          <a:prstGeom prst="rect">
+            <a:avLst/>
+          </a:prstGeom>
+          <a:noFill/>
+        </p:spPr>
+        <p:txBody>
+          <a:bodyPr wrap="none" rtlCol="0">
+            <a:spAutoFit/>
+          </a:bodyPr>
+          <a:p>
+            <a:r>
+              <a:rPr lang="zh-CN" altLang="en-US"/>
+              <a:t>（</a:t>
+            </a:r>
+            <a:r>
+              <a:rPr lang="en-US" altLang="zh-CN"/>
+              <a:t>3</a:t>
+            </a:r>
+            <a:r>
+              <a:rPr lang="zh-CN" altLang="en-US"/>
+              <a:t>）下载代码并更新</a:t>
+            </a:r>
+            <a:endParaRPr lang="zh-CN" altLang="en-US"/>
+          </a:p>
+        </p:txBody>
+      </p:sp>
+    </p:spTree>
+  </p:cSld>
+  <p:clrMapOvr>
+    <a:masterClrMapping/>
+  </p:clrMapOvr>
+</p:sld>
+</file>
+
+<file path=ppt/slides/slide2.xml><?xml version="1.0" encoding="utf-8"?>
+<p:sld xmlns:a="http://schemas.openxmlformats.org/drawingml/2006/main" xmlns:r="http://schemas.openxmlformats.org/officeDocument/2006/relationships" xmlns:p="http://schemas.openxmlformats.org/presentationml/2006/main">
+  <p:cSld>
+    <p:spTree>
+      <p:nvGrpSpPr>
+        <p:cNvPr id="1" name=""/>
+        <p:cNvGrpSpPr/>
+        <p:nvPr/>
+      </p:nvGrpSpPr>
+      <p:grpSpPr/>
+      <p:sp>
+        <p:nvSpPr>
+          <p:cNvPr id="2" name="标题 1"/>
+          <p:cNvSpPr>
+            <a:spLocks noGrp="1"/>
+          </p:cNvSpPr>
+          <p:nvPr>
+            <p:ph type="title"/>
+          </p:nvPr>
+        </p:nvSpPr>
+        <p:spPr/>
+        <p:txBody>
+          <a:bodyPr/>
+          <a:p>
+            <a:r>
+              <a:rPr lang="zh-CN" altLang="en-US"/>
+              <a:t>培训</a:t>
+            </a:r>
+            <a:r>
+              <a:rPr lang="zh-CN" altLang="en-US"/>
+              <a:t>安排（</a:t>
+            </a:r>
+            <a:r>
+              <a:rPr lang="en-US" altLang="zh-CN"/>
+              <a:t>1</a:t>
+            </a:r>
+            <a:r>
+              <a:rPr lang="zh-CN" altLang="en-US"/>
+              <a:t>）</a:t>
+            </a:r>
+            <a:endParaRPr lang="zh-CN" altLang="en-US"/>
+          </a:p>
+        </p:txBody>
+      </p:sp>
+      <p:sp>
+        <p:nvSpPr>
+          <p:cNvPr id="3" name="内容占位符 2"/>
+          <p:cNvSpPr>
+            <a:spLocks noGrp="1"/>
+          </p:cNvSpPr>
+          <p:nvPr>
+            <p:ph idx="1"/>
+          </p:nvPr>
+        </p:nvSpPr>
+        <p:spPr/>
+        <p:txBody>
+          <a:bodyPr>
+            <a:normAutofit fontScale="80000"/>
+          </a:bodyPr>
+          <a:p>
+            <a:r>
+              <a:rPr lang="en-US" altLang="zh-CN" sz="2800"/>
+              <a:t>4</a:t>
+            </a:r>
+            <a:r>
+              <a:rPr lang="zh-CN" altLang="en-US" sz="2800"/>
+              <a:t>月</a:t>
+            </a:r>
+            <a:r>
+              <a:rPr lang="en-US" altLang="zh-CN" sz="2800"/>
+              <a:t>17</a:t>
+            </a:r>
+            <a:r>
+              <a:rPr lang="zh-CN" altLang="en-US" sz="2800"/>
+              <a:t>日</a:t>
+            </a:r>
+            <a:endParaRPr lang="zh-CN" altLang="en-US" sz="2800"/>
+          </a:p>
+          <a:p>
+            <a:pPr lvl="1"/>
+            <a:r>
+              <a:rPr lang="en-US" altLang="zh-CN" sz="2800"/>
+              <a:t>React Native </a:t>
+            </a:r>
+            <a:r>
+              <a:rPr lang="zh-CN" altLang="en-US" sz="2800"/>
+              <a:t>简介</a:t>
+            </a:r>
+            <a:endParaRPr lang="zh-CN" altLang="en-US" sz="2800"/>
+          </a:p>
+          <a:p>
+            <a:pPr lvl="1"/>
+            <a:r>
+              <a:rPr lang="zh-CN" altLang="en-US" sz="2800"/>
+              <a:t>创建项目</a:t>
+            </a:r>
+            <a:endParaRPr lang="zh-CN" altLang="en-US" sz="2800"/>
+          </a:p>
+          <a:p>
+            <a:pPr lvl="1"/>
+            <a:r>
+              <a:rPr lang="zh-CN" altLang="en-US" sz="2800"/>
+              <a:t>热更新</a:t>
+            </a:r>
+            <a:endParaRPr lang="zh-CN" altLang="en-US" sz="2800"/>
+          </a:p>
+          <a:p>
+            <a:pPr lvl="1"/>
+            <a:r>
+              <a:rPr lang="zh-CN" altLang="en-US" sz="2800"/>
+              <a:t>打包</a:t>
+            </a:r>
+            <a:r>
+              <a:rPr lang="en-US" altLang="zh-CN" sz="2800"/>
+              <a:t>apk/ipa</a:t>
+            </a:r>
+            <a:endParaRPr lang="en-US" altLang="zh-CN" sz="2800"/>
+          </a:p>
+          <a:p>
+            <a:pPr lvl="0"/>
+            <a:r>
+              <a:rPr lang="en-US" altLang="zh-CN" sz="2800"/>
+              <a:t>4</a:t>
+            </a:r>
+            <a:r>
+              <a:rPr lang="zh-CN" altLang="en-US" sz="2800"/>
+              <a:t>月</a:t>
+            </a:r>
+            <a:r>
+              <a:rPr lang="en-US" altLang="zh-CN" sz="2800"/>
+              <a:t>19</a:t>
+            </a:r>
+            <a:r>
+              <a:rPr lang="zh-CN" altLang="en-US" sz="2800"/>
+              <a:t>日</a:t>
+            </a:r>
+            <a:endParaRPr lang="zh-CN" altLang="en-US" sz="2800"/>
+          </a:p>
+          <a:p>
+            <a:pPr lvl="1"/>
+            <a:r>
+              <a:rPr lang="zh-CN" altLang="en-US" sz="2800"/>
+              <a:t>页面路由</a:t>
+            </a:r>
+            <a:endParaRPr lang="zh-CN" altLang="en-US" sz="2800"/>
+          </a:p>
+          <a:p>
+            <a:pPr lvl="1"/>
+            <a:r>
+              <a:rPr lang="zh-CN" altLang="en-US" sz="2800"/>
+              <a:t>网络请求</a:t>
+            </a:r>
+            <a:endParaRPr lang="zh-CN" altLang="en-US" sz="2800"/>
+          </a:p>
+          <a:p>
+            <a:pPr lvl="1"/>
+            <a:r>
+              <a:rPr lang="zh-CN" altLang="en-US" sz="2800"/>
+              <a:t>全局变量</a:t>
+            </a:r>
+            <a:r>
+              <a:rPr lang="en-US" altLang="zh-CN" sz="2800"/>
+              <a:t>Redux</a:t>
+            </a:r>
+            <a:endParaRPr lang="en-US" altLang="zh-CN" sz="2800"/>
+          </a:p>
+          <a:p>
+            <a:pPr lvl="1"/>
+            <a:r>
+              <a:rPr lang="zh-CN" altLang="en-US" sz="2800"/>
+              <a:t>登录，增删改查</a:t>
+            </a:r>
+            <a:endParaRPr lang="zh-CN" altLang="en-US"/>
+          </a:p>
+          <a:p>
+            <a:pPr lvl="0"/>
+            <a:endParaRPr lang="zh-CN" altLang="en-US"/>
+          </a:p>
+        </p:txBody>
+      </p:sp>
+    </p:spTree>
+  </p:cSld>
+  <p:clrMapOvr>
+    <a:masterClrMapping/>
+  </p:clrMapOvr>
+</p:sld>
+</file>
+
+<file path=ppt/slides/slide20.xml><?xml version="1.0" encoding="utf-8"?>
+<p:sld xmlns:a="http://schemas.openxmlformats.org/drawingml/2006/main" xmlns:r="http://schemas.openxmlformats.org/officeDocument/2006/relationships" xmlns:p="http://schemas.openxmlformats.org/presentationml/2006/main">
+  <p:cSld>
+    <p:spTree>
+      <p:nvGrpSpPr>
+        <p:cNvPr id="1" name=""/>
+        <p:cNvGrpSpPr/>
+        <p:nvPr/>
+      </p:nvGrpSpPr>
+      <p:grpSpPr/>
+      <p:sp>
+        <p:nvSpPr>
+          <p:cNvPr id="2" name="标题 1"/>
+          <p:cNvSpPr>
+            <a:spLocks noGrp="1"/>
+          </p:cNvSpPr>
+          <p:nvPr>
+            <p:ph type="title"/>
+          </p:nvPr>
+        </p:nvSpPr>
+        <p:spPr/>
+        <p:txBody>
+          <a:bodyPr/>
+          <a:p>
+            <a:r>
+              <a:rPr lang="zh-CN" altLang="en-US"/>
+              <a:t>热更新（</a:t>
+            </a:r>
+            <a:r>
+              <a:rPr lang="en-US" altLang="zh-CN"/>
+              <a:t>2</a:t>
+            </a:r>
+            <a:r>
+              <a:rPr lang="zh-CN" altLang="en-US"/>
+              <a:t>）</a:t>
+            </a:r>
+            <a:endParaRPr lang="en-US" altLang="zh-CN"/>
+          </a:p>
+        </p:txBody>
+      </p:sp>
+      <p:sp>
+        <p:nvSpPr>
+          <p:cNvPr id="3" name="内容占位符 2"/>
+          <p:cNvSpPr>
+            <a:spLocks noGrp="1"/>
+          </p:cNvSpPr>
+          <p:nvPr>
+            <p:ph idx="1"/>
+          </p:nvPr>
+        </p:nvSpPr>
+        <p:spPr>
+          <a:xfrm>
+            <a:off x="825500" y="1825625"/>
+            <a:ext cx="10515600" cy="4351338"/>
+          </a:xfrm>
+        </p:spPr>
+        <p:txBody>
+          <a:bodyPr>
+            <a:normAutofit lnSpcReduction="10000"/>
+          </a:bodyPr>
+          <a:p>
+            <a:r>
+              <a:rPr lang="zh-CN" altLang="en-US" sz="2400"/>
+              <a:t>安装脚手架</a:t>
+            </a:r>
+            <a:endParaRPr lang="zh-CN" altLang="en-US"/>
+          </a:p>
+          <a:p>
+            <a:pPr lvl="1"/>
+            <a:r>
+              <a:rPr lang="zh-CN" altLang="en-US" sz="2000"/>
+              <a:t>npm install -g code-push-cli</a:t>
+            </a:r>
+            <a:endParaRPr lang="zh-CN" altLang="en-US"/>
+          </a:p>
+          <a:p>
+            <a:pPr lvl="0"/>
+            <a:r>
+              <a:rPr lang="zh-CN" altLang="en-US" sz="2400"/>
+              <a:t>创建应用</a:t>
+            </a:r>
+            <a:endParaRPr lang="zh-CN" altLang="en-US"/>
+          </a:p>
+          <a:p>
+            <a:pPr lvl="1"/>
+            <a:r>
+              <a:rPr lang="zh-CN" altLang="en-US" sz="2000"/>
+              <a:t>code-push app add </a:t>
+            </a:r>
+            <a:r>
+              <a:rPr lang="en-US" altLang="zh-CN" sz="2000">
+                <a:solidFill>
+                  <a:srgbClr val="FF0000"/>
+                </a:solidFill>
+                <a:sym typeface="+mn-ea"/>
+              </a:rPr>
+              <a:t>linkgap</a:t>
+            </a:r>
+            <a:r>
+              <a:rPr lang="en-US" altLang="zh-CN" sz="2000">
+                <a:solidFill>
+                  <a:srgbClr val="FF0000"/>
+                </a:solidFill>
+              </a:rPr>
+              <a:t>-android</a:t>
+            </a:r>
+            <a:r>
+              <a:rPr lang="zh-CN" altLang="en-US" sz="2000"/>
+              <a:t> </a:t>
+            </a:r>
+            <a:r>
+              <a:rPr lang="en-US" altLang="zh-CN" sz="2000"/>
+              <a:t>android</a:t>
+            </a:r>
+            <a:r>
+              <a:rPr lang="zh-CN" altLang="en-US" sz="2000"/>
+              <a:t> react-native</a:t>
+            </a:r>
+            <a:endParaRPr lang="zh-CN" altLang="en-US" sz="2000"/>
+          </a:p>
+          <a:p>
+            <a:pPr lvl="1"/>
+            <a:r>
+              <a:rPr lang="en-US" altLang="zh-CN" sz="2000"/>
+              <a:t>code-push app add </a:t>
+            </a:r>
+            <a:r>
+              <a:rPr lang="en-US" altLang="zh-CN" sz="2000">
+                <a:solidFill>
+                  <a:srgbClr val="FF0000"/>
+                </a:solidFill>
+                <a:sym typeface="+mn-ea"/>
+              </a:rPr>
+              <a:t>linkgap</a:t>
+            </a:r>
+            <a:r>
+              <a:rPr lang="en-US" altLang="zh-CN" sz="2000">
+                <a:solidFill>
+                  <a:srgbClr val="FF0000"/>
+                </a:solidFill>
+              </a:rPr>
+              <a:t>-ios</a:t>
+            </a:r>
+            <a:r>
+              <a:rPr lang="en-US" altLang="zh-CN" sz="2000"/>
+              <a:t> ios react-native</a:t>
+            </a:r>
+            <a:endParaRPr lang="en-US" altLang="zh-CN"/>
+          </a:p>
+          <a:p>
+            <a:pPr lvl="0"/>
+            <a:r>
+              <a:rPr lang="zh-CN" altLang="en-US" sz="2400"/>
+              <a:t>添加依赖</a:t>
+            </a:r>
+            <a:endParaRPr lang="zh-CN" altLang="en-US"/>
+          </a:p>
+          <a:p>
+            <a:pPr lvl="1"/>
+            <a:r>
+              <a:rPr lang="en-US" altLang="zh-CN" sz="2000"/>
+              <a:t>yarn add react-native-code-push</a:t>
+            </a:r>
+            <a:endParaRPr lang="en-US" altLang="zh-CN"/>
+          </a:p>
+          <a:p>
+            <a:pPr lvl="0"/>
+            <a:r>
+              <a:rPr lang="zh-CN" altLang="en-US" sz="2400"/>
+              <a:t>链接到项目（</a:t>
+            </a:r>
+            <a:r>
+              <a:rPr lang="zh-CN" sz="2400"/>
+              <a:t>增加原生项目的依赖</a:t>
+            </a:r>
+            <a:r>
+              <a:rPr lang="zh-CN" altLang="en-US" sz="2400"/>
+              <a:t>）</a:t>
+            </a:r>
+            <a:endParaRPr lang="zh-CN" altLang="en-US"/>
+          </a:p>
+          <a:p>
+            <a:pPr lvl="1"/>
+            <a:r>
+              <a:rPr lang="en-US" altLang="zh-CN" sz="2000"/>
+              <a:t>react-native link react-native-code-push</a:t>
+            </a:r>
+            <a:endParaRPr lang="en-US" altLang="zh-CN"/>
+          </a:p>
+          <a:p>
+            <a:pPr lvl="0"/>
+            <a:endParaRPr lang="en-US" altLang="zh-CN" sz="2800"/>
+          </a:p>
+          <a:p>
+            <a:pPr lvl="0"/>
+            <a:endParaRPr lang="en-US" altLang="zh-CN"/>
+          </a:p>
+          <a:p>
+            <a:pPr marL="457200" lvl="1" indent="0">
+              <a:buNone/>
+            </a:pPr>
+            <a:endParaRPr lang="en-US" altLang="zh-CN"/>
+          </a:p>
+        </p:txBody>
+      </p:sp>
+    </p:spTree>
+  </p:cSld>
+  <p:clrMapOvr>
+    <a:masterClrMapping/>
+  </p:clrMapOvr>
+</p:sld>
+</file>
+
+<file path=ppt/slides/slide21.xml><?xml version="1.0" encoding="utf-8"?>
+<p:sld xmlns:a="http://schemas.openxmlformats.org/drawingml/2006/main" xmlns:r="http://schemas.openxmlformats.org/officeDocument/2006/relationships" xmlns:p="http://schemas.openxmlformats.org/presentationml/2006/main">
+  <p:cSld>
+    <p:spTree>
+      <p:nvGrpSpPr>
+        <p:cNvPr id="1" name=""/>
+        <p:cNvGrpSpPr/>
+        <p:nvPr/>
+      </p:nvGrpSpPr>
+      <p:grpSpPr/>
+      <p:sp>
+        <p:nvSpPr>
+          <p:cNvPr id="2" name="标题 1"/>
+          <p:cNvSpPr>
+            <a:spLocks noGrp="1"/>
+          </p:cNvSpPr>
+          <p:nvPr>
+            <p:ph type="title"/>
+          </p:nvPr>
+        </p:nvSpPr>
+        <p:spPr/>
+        <p:txBody>
+          <a:bodyPr/>
+          <a:p>
+            <a:r>
+              <a:rPr lang="zh-CN" altLang="en-US"/>
+              <a:t>热更新（</a:t>
+            </a:r>
+            <a:r>
+              <a:rPr lang="en-US" altLang="zh-CN"/>
+              <a:t>3</a:t>
+            </a:r>
+            <a:r>
+              <a:rPr lang="zh-CN" altLang="en-US"/>
+              <a:t>）</a:t>
+            </a:r>
+            <a:endParaRPr lang="zh-CN" altLang="en-US"/>
+          </a:p>
+        </p:txBody>
+      </p:sp>
+      <p:sp>
+        <p:nvSpPr>
+          <p:cNvPr id="3" name="内容占位符 2"/>
+          <p:cNvSpPr>
+            <a:spLocks noGrp="1"/>
+          </p:cNvSpPr>
+          <p:nvPr>
+            <p:ph idx="1"/>
+          </p:nvPr>
+        </p:nvSpPr>
+        <p:spPr/>
+        <p:txBody>
+          <a:bodyPr/>
+          <a:p>
+            <a:pPr lvl="0"/>
+            <a:r>
+              <a:rPr lang="zh-CN" altLang="en-US" sz="2800">
+                <a:sym typeface="+mn-ea"/>
+              </a:rPr>
+              <a:t>在应用回到到前台时进行热更新检查，如果有更新就立即更新</a:t>
+            </a:r>
+            <a:endParaRPr lang="zh-CN" altLang="en-US" sz="2800"/>
+          </a:p>
+          <a:p>
+            <a:pPr lvl="1"/>
+            <a:endParaRPr lang="zh-CN" altLang="en-US"/>
+          </a:p>
+        </p:txBody>
+      </p:sp>
+      <p:graphicFrame>
+        <p:nvGraphicFramePr>
+          <p:cNvPr id="4" name="表格 3"/>
+          <p:cNvGraphicFramePr/>
+          <p:nvPr/>
+        </p:nvGraphicFramePr>
+        <p:xfrm>
+          <a:off x="1091565" y="2630805"/>
+          <a:ext cx="9727565" cy="2287270"/>
+        </p:xfrm>
+        <a:graphic>
+          <a:graphicData uri="http://schemas.openxmlformats.org/drawingml/2006/table">
+            <a:tbl>
+              <a:tblPr firstRow="1" bandRow="1">
+                <a:tableStyleId>{5C22544A-7EE6-4342-B048-85BDC9FD1C3A}</a:tableStyleId>
+              </a:tblPr>
+              <a:tblGrid>
+                <a:gridCol w="9727565"/>
+              </a:tblGrid>
+              <a:tr h="2287270">
+                <a:tc>
+                  <a:txBody>
+                    <a:bodyPr/>
+                    <a:p>
+                      <a:pPr marL="0" lvl="1">
+                        <a:buNone/>
+                      </a:pPr>
+                      <a:r>
+                        <a:rPr lang="en-US" altLang="zh-CN" sz="2200">
+                          <a:solidFill>
+                            <a:schemeClr val="tx1"/>
+                          </a:solidFill>
+                          <a:sym typeface="+mn-ea"/>
+                        </a:rPr>
+                        <a:t>const withCodePush = CodePush({ </a:t>
+                      </a:r>
+                      <a:endParaRPr lang="en-US" altLang="zh-CN" sz="2200">
+                        <a:solidFill>
+                          <a:schemeClr val="tx1"/>
+                        </a:solidFill>
+                        <a:sym typeface="+mn-ea"/>
+                      </a:endParaRPr>
+                    </a:p>
+                    <a:p>
+                      <a:pPr marL="0" lvl="1">
+                        <a:buNone/>
+                      </a:pPr>
+                      <a:r>
+                        <a:rPr lang="en-US" altLang="zh-CN" sz="2200">
+                          <a:solidFill>
+                            <a:schemeClr val="tx1"/>
+                          </a:solidFill>
+                          <a:sym typeface="+mn-ea"/>
+                        </a:rPr>
+                        <a:t>        checkFrequency: CodePush.CheckFrequency.ON_APP_RESUME,</a:t>
+                      </a:r>
+                      <a:endParaRPr lang="en-US" altLang="zh-CN" sz="2200">
+                        <a:solidFill>
+                          <a:schemeClr val="tx1"/>
+                        </a:solidFill>
+                        <a:sym typeface="+mn-ea"/>
+                      </a:endParaRPr>
+                    </a:p>
+                    <a:p>
+                      <a:pPr marL="0" lvl="1">
+                        <a:buNone/>
+                      </a:pPr>
+                      <a:r>
+                        <a:rPr lang="en-US" altLang="zh-CN" sz="2200">
+                          <a:solidFill>
+                            <a:schemeClr val="tx1"/>
+                          </a:solidFill>
+                          <a:sym typeface="+mn-ea"/>
+                        </a:rPr>
+                        <a:t>        installMode: CodePush.InstallMode.IMMEDIATE</a:t>
+                      </a:r>
+                      <a:endParaRPr lang="en-US" altLang="zh-CN" sz="2200">
+                        <a:solidFill>
+                          <a:schemeClr val="tx1"/>
+                        </a:solidFill>
+                        <a:sym typeface="+mn-ea"/>
+                      </a:endParaRPr>
+                    </a:p>
+                    <a:p>
+                      <a:pPr marL="0" lvl="1">
+                        <a:buNone/>
+                      </a:pPr>
+                      <a:r>
+                        <a:rPr lang="en-US" altLang="zh-CN" sz="2200">
+                          <a:solidFill>
+                            <a:schemeClr val="tx1"/>
+                          </a:solidFill>
+                          <a:sym typeface="+mn-ea"/>
+                        </a:rPr>
+                        <a:t>});</a:t>
+                      </a:r>
+                      <a:endParaRPr lang="zh-CN" altLang="en-US" sz="1800">
+                        <a:solidFill>
+                          <a:schemeClr val="tx1"/>
+                        </a:solidFill>
+                      </a:endParaRPr>
+                    </a:p>
+                    <a:p>
+                      <a:pPr>
+                        <a:buNone/>
+                      </a:pPr>
+                      <a:endParaRPr lang="zh-CN" altLang="en-US" sz="1800">
+                        <a:solidFill>
+                          <a:schemeClr val="tx1"/>
+                        </a:solidFill>
+                      </a:endParaRPr>
+                    </a:p>
+                  </a:txBody>
+                  <a:tcPr>
+                    <a:noFill/>
+                  </a:tcPr>
+                </a:tc>
+              </a:tr>
+            </a:tbl>
+          </a:graphicData>
+        </a:graphic>
+      </p:graphicFrame>
+    </p:spTree>
+  </p:cSld>
+  <p:clrMapOvr>
+    <a:masterClrMapping/>
+  </p:clrMapOvr>
+</p:sld>
+</file>
+
+<file path=ppt/slides/slide22.xml><?xml version="1.0" encoding="utf-8"?>
+<p:sld xmlns:a="http://schemas.openxmlformats.org/drawingml/2006/main" xmlns:r="http://schemas.openxmlformats.org/officeDocument/2006/relationships" xmlns:p="http://schemas.openxmlformats.org/presentationml/2006/main">
+  <p:cSld>
+    <p:spTree>
+      <p:nvGrpSpPr>
+        <p:cNvPr id="1" name=""/>
+        <p:cNvGrpSpPr/>
+        <p:nvPr/>
+      </p:nvGrpSpPr>
+      <p:grpSpPr/>
+      <p:sp>
+        <p:nvSpPr>
+          <p:cNvPr id="2" name="标题 1"/>
+          <p:cNvSpPr>
+            <a:spLocks noGrp="1"/>
+          </p:cNvSpPr>
+          <p:nvPr>
+            <p:ph type="title"/>
+          </p:nvPr>
+        </p:nvSpPr>
+        <p:spPr/>
+        <p:txBody>
+          <a:bodyPr/>
+          <a:p>
+            <a:r>
+              <a:rPr lang="zh-CN" altLang="en-US"/>
+              <a:t>热更新事件</a:t>
+            </a:r>
+            <a:endParaRPr lang="zh-CN" altLang="en-US"/>
+          </a:p>
+        </p:txBody>
+      </p:sp>
+      <p:sp>
+        <p:nvSpPr>
+          <p:cNvPr id="3" name="内容占位符 2"/>
+          <p:cNvSpPr>
+            <a:spLocks noGrp="1"/>
+          </p:cNvSpPr>
+          <p:nvPr>
+            <p:ph idx="1"/>
+          </p:nvPr>
+        </p:nvSpPr>
+        <p:spPr/>
+        <p:txBody>
+          <a:bodyPr/>
+          <a:p>
+            <a:r>
+              <a:rPr lang="zh-CN" altLang="en-US" sz="2800"/>
+              <a:t>codePushDownloadDidProgress</a:t>
+            </a:r>
+            <a:endParaRPr lang="zh-CN" altLang="en-US" sz="2800"/>
+          </a:p>
+          <a:p>
+            <a:pPr lvl="1"/>
+            <a:r>
+              <a:rPr lang="zh-CN" altLang="en-US" sz="2800">
+                <a:sym typeface="+mn-ea"/>
+              </a:rPr>
+              <a:t>下载进度</a:t>
+            </a:r>
+            <a:r>
+              <a:rPr lang="zh-CN" altLang="en-US" sz="2800"/>
+              <a:t> </a:t>
+            </a:r>
+            <a:endParaRPr lang="zh-CN" altLang="en-US"/>
+          </a:p>
+          <a:p>
+            <a:endParaRPr lang="zh-CN" altLang="en-US"/>
+          </a:p>
+          <a:p>
+            <a:r>
+              <a:rPr lang="zh-CN" altLang="en-US" sz="2800"/>
+              <a:t>codePushStatusDidChange</a:t>
+            </a:r>
+            <a:endParaRPr lang="zh-CN" altLang="en-US" sz="2800"/>
+          </a:p>
+          <a:p>
+            <a:pPr lvl="1"/>
+            <a:r>
+              <a:rPr lang="zh-CN" altLang="en-US" sz="2800"/>
+              <a:t>用于监听检测、下载、安装的状态</a:t>
+            </a:r>
+            <a:endParaRPr lang="zh-CN" altLang="en-US" sz="2800"/>
+          </a:p>
+          <a:p>
+            <a:pPr lvl="1"/>
+            <a:endParaRPr lang="zh-CN" altLang="en-US" sz="2800"/>
+          </a:p>
+          <a:p>
+            <a:pPr lvl="0"/>
+            <a:r>
+              <a:rPr lang="zh-CN" altLang="en-US" sz="2800"/>
+              <a:t>更多资料</a:t>
+            </a:r>
+            <a:endParaRPr lang="zh-CN" altLang="en-US" sz="2800"/>
+          </a:p>
+          <a:p>
+            <a:pPr lvl="1"/>
+            <a:r>
+              <a:rPr lang="zh-CN" altLang="en-US" sz="2800"/>
+              <a:t>https://github.com/Microsoft/react-native-code-push</a:t>
+            </a:r>
+            <a:endParaRPr lang="zh-CN" altLang="en-US" sz="2800"/>
+          </a:p>
+        </p:txBody>
+      </p:sp>
+    </p:spTree>
+  </p:cSld>
+  <p:clrMapOvr>
+    <a:masterClrMapping/>
+  </p:clrMapOvr>
+</p:sld>
+</file>
+
+<file path=ppt/slides/slide23.xml><?xml version="1.0" encoding="utf-8"?>
+<p:sld xmlns:a="http://schemas.openxmlformats.org/drawingml/2006/main" xmlns:r="http://schemas.openxmlformats.org/officeDocument/2006/relationships" xmlns:p="http://schemas.openxmlformats.org/presentationml/2006/main">
+  <p:cSld>
+    <p:spTree>
+      <p:nvGrpSpPr>
+        <p:cNvPr id="1" name=""/>
+        <p:cNvGrpSpPr/>
+        <p:nvPr/>
+      </p:nvGrpSpPr>
+      <p:grpSpPr/>
+      <p:sp>
+        <p:nvSpPr>
+          <p:cNvPr id="2" name="标题 1"/>
+          <p:cNvSpPr>
+            <a:spLocks noGrp="1"/>
+          </p:cNvSpPr>
+          <p:nvPr>
+            <p:ph type="title"/>
+          </p:nvPr>
+        </p:nvSpPr>
+        <p:spPr/>
+        <p:txBody>
+          <a:bodyPr/>
+          <a:p>
+            <a:r>
+              <a:rPr lang="zh-CN" altLang="en-US"/>
+              <a:t>以下</a:t>
+            </a:r>
+            <a:r>
+              <a:rPr lang="zh-CN" altLang="en-US"/>
+              <a:t>情况不能使用热更新</a:t>
+            </a:r>
+            <a:endParaRPr lang="zh-CN" altLang="en-US"/>
+          </a:p>
+        </p:txBody>
+      </p:sp>
+      <p:sp>
+        <p:nvSpPr>
+          <p:cNvPr id="3" name="内容占位符 2"/>
+          <p:cNvSpPr>
+            <a:spLocks noGrp="1"/>
+          </p:cNvSpPr>
+          <p:nvPr>
+            <p:ph idx="1"/>
+          </p:nvPr>
+        </p:nvSpPr>
+        <p:spPr/>
+        <p:txBody>
+          <a:bodyPr/>
+          <a:p>
+            <a:r>
+              <a:rPr lang="zh-CN" altLang="en-US" sz="2400"/>
+              <a:t>修改</a:t>
+            </a:r>
+            <a:r>
+              <a:rPr lang="en-US" altLang="zh-CN" sz="2400"/>
+              <a:t>App</a:t>
+            </a:r>
+            <a:r>
+              <a:rPr lang="zh-CN" altLang="en-US" sz="2400"/>
+              <a:t>图标、名称、启动图片、版本号</a:t>
+            </a:r>
+            <a:endParaRPr lang="zh-CN" altLang="en-US" sz="2400"/>
+          </a:p>
+          <a:p>
+            <a:r>
+              <a:rPr lang="zh-CN" altLang="en-US" sz="2400"/>
+              <a:t>增加了需要</a:t>
+            </a:r>
+            <a:r>
+              <a:rPr lang="en-US" altLang="zh-CN" sz="2400"/>
+              <a:t>react-native link</a:t>
+            </a:r>
+            <a:r>
+              <a:rPr lang="zh-CN" altLang="en-US" sz="2400"/>
+              <a:t>的依赖</a:t>
+            </a:r>
+            <a:endParaRPr lang="zh-CN" altLang="en-US" sz="2400"/>
+          </a:p>
+          <a:p>
+            <a:r>
+              <a:rPr lang="zh-CN" altLang="en-US" sz="2400"/>
+              <a:t>修改了项目中的原生模块</a:t>
+            </a:r>
+            <a:endParaRPr lang="zh-CN" altLang="en-US" sz="2400"/>
+          </a:p>
+          <a:p>
+            <a:r>
+              <a:rPr lang="zh-CN" altLang="en-US" sz="2400"/>
+              <a:t>涉及</a:t>
+            </a:r>
+            <a:r>
+              <a:rPr lang="zh-CN" altLang="en-US" sz="2400">
+                <a:solidFill>
+                  <a:srgbClr val="FF0000"/>
+                </a:solidFill>
+              </a:rPr>
+              <a:t>修改原生代码</a:t>
+            </a:r>
+            <a:r>
+              <a:rPr lang="zh-CN" altLang="en-US" sz="2400"/>
+              <a:t>的更新都不能使用热更新</a:t>
+            </a:r>
+            <a:endParaRPr lang="zh-CN" altLang="en-US" sz="2400"/>
+          </a:p>
+        </p:txBody>
+      </p:sp>
+    </p:spTree>
+  </p:cSld>
+  <p:clrMapOvr>
+    <a:masterClrMapping/>
+  </p:clrMapOvr>
+</p:sld>
+</file>
+
+<file path=ppt/slides/slide24.xml><?xml version="1.0" encoding="utf-8"?>
 <p:sld xmlns:a="http://schemas.openxmlformats.org/drawingml/2006/main" xmlns:r="http://schemas.openxmlformats.org/officeDocument/2006/relationships" xmlns:p="http://schemas.openxmlformats.org/presentationml/2006/main">
   <p:cSld>
     <p:spTree>
@@ -33647,7 +36291,7 @@
 </p:sld>
 </file>
 
-<file path=ppt/slides/slide11.xml><?xml version="1.0" encoding="utf-8"?>
+<file path=ppt/slides/slide25.xml><?xml version="1.0" encoding="utf-8"?>
 <p:sld xmlns:a="http://schemas.openxmlformats.org/drawingml/2006/main" xmlns:r="http://schemas.openxmlformats.org/officeDocument/2006/relationships" xmlns:p="http://schemas.openxmlformats.org/presentationml/2006/main">
   <p:cSld>
     <p:spTree>
@@ -33820,7 +36464,7 @@
 </p:sld>
 </file>
 
-<file path=ppt/slides/slide12.xml><?xml version="1.0" encoding="utf-8"?>
+<file path=ppt/slides/slide26.xml><?xml version="1.0" encoding="utf-8"?>
 <p:sld xmlns:a="http://schemas.openxmlformats.org/drawingml/2006/main" xmlns:r="http://schemas.openxmlformats.org/officeDocument/2006/relationships" xmlns:p="http://schemas.openxmlformats.org/presentationml/2006/main">
   <p:cSld>
     <p:spTree>
@@ -33907,7 +36551,7 @@
 </p:sld>
 </file>
 
-<file path=ppt/slides/slide13.xml><?xml version="1.0" encoding="utf-8"?>
+<file path=ppt/slides/slide27.xml><?xml version="1.0" encoding="utf-8"?>
 <p:sld xmlns:a="http://schemas.openxmlformats.org/drawingml/2006/main" xmlns:r="http://schemas.openxmlformats.org/officeDocument/2006/relationships" xmlns:p="http://schemas.openxmlformats.org/presentationml/2006/main">
   <p:cSld>
     <p:spTree>
@@ -34075,7 +36719,7 @@
 </p:sld>
 </file>
 
-<file path=ppt/slides/slide14.xml><?xml version="1.0" encoding="utf-8"?>
+<file path=ppt/slides/slide28.xml><?xml version="1.0" encoding="utf-8"?>
 <p:sld xmlns:a="http://schemas.openxmlformats.org/drawingml/2006/main" xmlns:r="http://schemas.openxmlformats.org/officeDocument/2006/relationships" xmlns:p="http://schemas.openxmlformats.org/presentationml/2006/main">
   <p:cSld>
     <p:spTree>
@@ -34194,7 +36838,580 @@
 </p:sld>
 </file>
 
-<file path=ppt/slides/slide15.xml><?xml version="1.0" encoding="utf-8"?>
+<file path=ppt/slides/slide29.xml><?xml version="1.0" encoding="utf-8"?>
+<p:sld xmlns:a="http://schemas.openxmlformats.org/drawingml/2006/main" xmlns:r="http://schemas.openxmlformats.org/officeDocument/2006/relationships" xmlns:p="http://schemas.openxmlformats.org/presentationml/2006/main">
+  <p:cSld>
+    <p:spTree>
+      <p:nvGrpSpPr>
+        <p:cNvPr id="1" name=""/>
+        <p:cNvGrpSpPr/>
+        <p:nvPr/>
+      </p:nvGrpSpPr>
+      <p:grpSpPr/>
+      <p:sp>
+        <p:nvSpPr>
+          <p:cNvPr id="2" name="标题 1"/>
+          <p:cNvSpPr>
+            <a:spLocks noGrp="1"/>
+          </p:cNvSpPr>
+          <p:nvPr>
+            <p:ph type="title"/>
+          </p:nvPr>
+        </p:nvSpPr>
+        <p:spPr/>
+        <p:txBody>
+          <a:bodyPr/>
+          <a:p>
+            <a:r>
+              <a:rPr lang="zh-CN" altLang="en-US"/>
+              <a:t>页面</a:t>
+            </a:r>
+            <a:r>
+              <a:rPr lang="en-US" altLang="zh-CN"/>
+              <a:t>/</a:t>
+            </a:r>
+            <a:r>
+              <a:rPr lang="zh-CN" altLang="en-US"/>
+              <a:t>组件 </a:t>
+            </a:r>
+            <a:r>
+              <a:rPr lang="en-US" altLang="zh-CN"/>
+              <a:t>Component</a:t>
+            </a:r>
+            <a:endParaRPr lang="en-US" altLang="zh-CN"/>
+          </a:p>
+        </p:txBody>
+      </p:sp>
+      <p:sp>
+        <p:nvSpPr>
+          <p:cNvPr id="3" name="内容占位符 2"/>
+          <p:cNvSpPr>
+            <a:spLocks noGrp="1"/>
+          </p:cNvSpPr>
+          <p:nvPr>
+            <p:ph idx="1"/>
+          </p:nvPr>
+        </p:nvSpPr>
+        <p:spPr/>
+        <p:txBody>
+          <a:bodyPr>
+            <a:normAutofit/>
+          </a:bodyPr>
+          <a:p>
+            <a:r>
+              <a:rPr lang="zh-CN" altLang="en-US" sz="2800"/>
+              <a:t>继承</a:t>
+            </a:r>
+            <a:r>
+              <a:rPr lang="en-US" altLang="zh-CN" sz="2800"/>
+              <a:t>react</a:t>
+            </a:r>
+            <a:r>
+              <a:rPr lang="zh-CN" altLang="en-US" sz="2800"/>
+              <a:t>下Component</a:t>
+            </a:r>
+            <a:endParaRPr lang="zh-CN" altLang="en-US" sz="2800"/>
+          </a:p>
+          <a:p>
+            <a:r>
+              <a:rPr lang="en-US" altLang="zh-CN" sz="2800"/>
+              <a:t>state</a:t>
+            </a:r>
+            <a:endParaRPr lang="en-US" altLang="zh-CN" sz="2800"/>
+          </a:p>
+          <a:p>
+            <a:pPr lvl="1"/>
+            <a:r>
+              <a:rPr lang="zh-CN" altLang="en-US" sz="2800"/>
+              <a:t>通过</a:t>
+            </a:r>
+            <a:r>
+              <a:rPr lang="en-US" altLang="zh-CN" sz="2800"/>
+              <a:t>this.state.xxxx </a:t>
+            </a:r>
+            <a:r>
+              <a:rPr lang="zh-CN" altLang="en-US" sz="2800"/>
+              <a:t>获取数据</a:t>
+            </a:r>
+            <a:endParaRPr lang="zh-CN" altLang="en-US" sz="2800"/>
+          </a:p>
+          <a:p>
+            <a:pPr lvl="1"/>
+            <a:r>
+              <a:rPr lang="zh-CN" altLang="en-US" sz="2800"/>
+              <a:t>通过</a:t>
+            </a:r>
+            <a:r>
+              <a:rPr lang="en-US" altLang="zh-CN" sz="2800"/>
+              <a:t>this.setState({ xxxx: 'xxxx' }) </a:t>
+            </a:r>
+            <a:r>
+              <a:rPr lang="zh-CN" altLang="en-US" sz="2800"/>
+              <a:t>设置数据</a:t>
+            </a:r>
+            <a:endParaRPr lang="zh-CN" altLang="en-US" sz="2800"/>
+          </a:p>
+          <a:p>
+            <a:pPr lvl="0"/>
+            <a:r>
+              <a:rPr lang="en-US" altLang="zh-CN" sz="2800"/>
+              <a:t>render</a:t>
+            </a:r>
+            <a:endParaRPr lang="en-US" altLang="zh-CN" sz="2800"/>
+          </a:p>
+          <a:p>
+            <a:pPr lvl="1"/>
+            <a:r>
+              <a:rPr lang="zh-CN" altLang="en-US" sz="2800"/>
+              <a:t>使用</a:t>
+            </a:r>
+            <a:r>
+              <a:rPr lang="en-US" altLang="zh-CN" sz="2800"/>
+              <a:t>JSX</a:t>
+            </a:r>
+            <a:r>
+              <a:rPr lang="zh-CN" altLang="en-US" sz="2800"/>
+              <a:t>描述页面结构，使用</a:t>
+            </a:r>
+            <a:r>
+              <a:rPr lang="en-US" altLang="zh-CN" sz="2800"/>
+              <a:t>CSS</a:t>
+            </a:r>
+            <a:r>
+              <a:rPr lang="zh-CN" altLang="en-US" sz="2800"/>
+              <a:t>描述页面样式</a:t>
+            </a:r>
+            <a:endParaRPr lang="zh-CN" altLang="en-US" sz="2800"/>
+          </a:p>
+          <a:p>
+            <a:endParaRPr lang="en-US" altLang="zh-CN" sz="2800"/>
+          </a:p>
+        </p:txBody>
+      </p:sp>
+    </p:spTree>
+  </p:cSld>
+  <p:clrMapOvr>
+    <a:masterClrMapping/>
+  </p:clrMapOvr>
+</p:sld>
+</file>
+
+<file path=ppt/slides/slide3.xml><?xml version="1.0" encoding="utf-8"?>
+<p:sld xmlns:a="http://schemas.openxmlformats.org/drawingml/2006/main" xmlns:r="http://schemas.openxmlformats.org/officeDocument/2006/relationships" xmlns:p="http://schemas.openxmlformats.org/presentationml/2006/main">
+  <p:cSld>
+    <p:spTree>
+      <p:nvGrpSpPr>
+        <p:cNvPr id="1" name=""/>
+        <p:cNvGrpSpPr/>
+        <p:nvPr/>
+      </p:nvGrpSpPr>
+      <p:grpSpPr/>
+      <p:sp>
+        <p:nvSpPr>
+          <p:cNvPr id="2" name="标题 1"/>
+          <p:cNvSpPr>
+            <a:spLocks noGrp="1"/>
+          </p:cNvSpPr>
+          <p:nvPr>
+            <p:ph type="title"/>
+          </p:nvPr>
+        </p:nvSpPr>
+        <p:spPr/>
+        <p:txBody>
+          <a:bodyPr/>
+          <a:p>
+            <a:r>
+              <a:rPr lang="zh-CN" altLang="en-US"/>
+              <a:t>培训安排（ </a:t>
+            </a:r>
+            <a:r>
+              <a:rPr lang="en-US" altLang="zh-CN"/>
+              <a:t>2 </a:t>
+            </a:r>
+            <a:r>
+              <a:rPr lang="zh-CN" altLang="en-US"/>
+              <a:t>）</a:t>
+            </a:r>
+            <a:endParaRPr lang="zh-CN" altLang="en-US"/>
+          </a:p>
+        </p:txBody>
+      </p:sp>
+      <p:sp>
+        <p:nvSpPr>
+          <p:cNvPr id="3" name="内容占位符 2"/>
+          <p:cNvSpPr>
+            <a:spLocks noGrp="1"/>
+          </p:cNvSpPr>
+          <p:nvPr>
+            <p:ph idx="1"/>
+          </p:nvPr>
+        </p:nvSpPr>
+        <p:spPr/>
+        <p:txBody>
+          <a:bodyPr/>
+          <a:p>
+            <a:pPr lvl="0"/>
+            <a:r>
+              <a:rPr lang="en-US" altLang="zh-CN" sz="2800">
+                <a:sym typeface="+mn-ea"/>
+              </a:rPr>
+              <a:t>4</a:t>
+            </a:r>
+            <a:r>
+              <a:rPr lang="zh-CN" altLang="en-US" sz="2800">
+                <a:sym typeface="+mn-ea"/>
+              </a:rPr>
+              <a:t>月</a:t>
+            </a:r>
+            <a:r>
+              <a:rPr lang="en-US" altLang="zh-CN" sz="2800">
+                <a:sym typeface="+mn-ea"/>
+              </a:rPr>
+              <a:t>24</a:t>
+            </a:r>
+            <a:r>
+              <a:rPr lang="zh-CN" altLang="en-US" sz="2800">
+                <a:sym typeface="+mn-ea"/>
+              </a:rPr>
+              <a:t>日</a:t>
+            </a:r>
+            <a:endParaRPr lang="zh-CN" altLang="en-US" sz="2800">
+              <a:sym typeface="+mn-ea"/>
+            </a:endParaRPr>
+          </a:p>
+          <a:p>
+            <a:pPr lvl="1"/>
+            <a:r>
+              <a:rPr lang="zh-CN" altLang="en-US" sz="2800">
+                <a:sym typeface="+mn-ea"/>
+              </a:rPr>
+              <a:t>常用组件</a:t>
+            </a:r>
+            <a:endParaRPr lang="zh-CN" altLang="en-US" sz="2800">
+              <a:sym typeface="+mn-ea"/>
+            </a:endParaRPr>
+          </a:p>
+          <a:p>
+            <a:pPr lvl="2"/>
+            <a:r>
+              <a:rPr lang="zh-CN" altLang="en-US" sz="2800">
+                <a:sym typeface="+mn-ea"/>
+              </a:rPr>
+              <a:t>日历、图片选择、</a:t>
+            </a:r>
+            <a:endParaRPr lang="zh-CN" altLang="en-US" sz="2800">
+              <a:sym typeface="+mn-ea"/>
+            </a:endParaRPr>
+          </a:p>
+          <a:p>
+            <a:pPr lvl="2"/>
+            <a:r>
+              <a:rPr lang="zh-CN" altLang="en-US" sz="2800">
+                <a:sym typeface="+mn-ea"/>
+              </a:rPr>
+              <a:t>二维码、轮播、</a:t>
+            </a:r>
+            <a:endParaRPr lang="zh-CN" altLang="en-US" sz="2800">
+              <a:sym typeface="+mn-ea"/>
+            </a:endParaRPr>
+          </a:p>
+          <a:p>
+            <a:pPr lvl="2"/>
+            <a:r>
+              <a:rPr lang="zh-CN" altLang="en-US" sz="2800">
+                <a:sym typeface="+mn-ea"/>
+              </a:rPr>
+              <a:t>列表项滑动删除</a:t>
+            </a:r>
+            <a:endParaRPr lang="zh-CN" altLang="en-US" sz="2800"/>
+          </a:p>
+          <a:p>
+            <a:pPr lvl="1"/>
+            <a:r>
+              <a:rPr lang="zh-CN" altLang="en-US" sz="2800">
+                <a:sym typeface="+mn-ea"/>
+              </a:rPr>
+              <a:t>原生</a:t>
+            </a:r>
+            <a:r>
+              <a:rPr lang="en-US" altLang="zh-CN" sz="2800">
+                <a:sym typeface="+mn-ea"/>
+              </a:rPr>
+              <a:t>ios</a:t>
+            </a:r>
+            <a:r>
+              <a:rPr lang="zh-CN" altLang="en-US" sz="2800">
+                <a:sym typeface="+mn-ea"/>
+              </a:rPr>
+              <a:t>图表</a:t>
+            </a:r>
+            <a:r>
+              <a:rPr lang="en-US" altLang="zh-CN" sz="2800">
+                <a:sym typeface="+mn-ea"/>
+              </a:rPr>
+              <a:t> UI </a:t>
+            </a:r>
+            <a:r>
+              <a:rPr lang="zh-CN" altLang="en-US" sz="2800">
+                <a:sym typeface="+mn-ea"/>
+              </a:rPr>
+              <a:t>接入（</a:t>
+            </a:r>
+            <a:r>
+              <a:rPr lang="zh-CN" altLang="en-US" sz="2800">
+                <a:sym typeface="+mn-ea"/>
+              </a:rPr>
+              <a:t>Charts</a:t>
+            </a:r>
+            <a:r>
+              <a:rPr lang="zh-CN" altLang="en-US" sz="2800">
+                <a:sym typeface="+mn-ea"/>
+              </a:rPr>
+              <a:t>）</a:t>
+            </a:r>
+            <a:endParaRPr lang="zh-CN" altLang="en-US" sz="2800"/>
+          </a:p>
+          <a:p>
+            <a:pPr lvl="1"/>
+            <a:r>
+              <a:rPr lang="zh-CN" altLang="en-US" sz="2800">
+                <a:sym typeface="+mn-ea"/>
+              </a:rPr>
+              <a:t>原生</a:t>
+            </a:r>
+            <a:r>
+              <a:rPr lang="en-US" altLang="zh-CN" sz="2800">
+                <a:sym typeface="+mn-ea"/>
+              </a:rPr>
+              <a:t>android</a:t>
+            </a:r>
+            <a:r>
+              <a:rPr lang="zh-CN" altLang="en-US" sz="2800">
+                <a:sym typeface="+mn-ea"/>
+              </a:rPr>
+              <a:t>图表</a:t>
+            </a:r>
+            <a:r>
+              <a:rPr lang="en-US" altLang="zh-CN" sz="2800">
+                <a:sym typeface="+mn-ea"/>
+              </a:rPr>
+              <a:t> UI</a:t>
+            </a:r>
+            <a:r>
+              <a:rPr lang="en-US" altLang="zh-CN" sz="2800">
+                <a:sym typeface="+mn-ea"/>
+              </a:rPr>
+              <a:t> </a:t>
+            </a:r>
+            <a:r>
+              <a:rPr lang="zh-CN" altLang="en-US" sz="2800">
+                <a:sym typeface="+mn-ea"/>
+              </a:rPr>
+              <a:t>接入（</a:t>
+            </a:r>
+            <a:r>
+              <a:rPr lang="en-US" altLang="zh-CN" sz="2800">
+                <a:sym typeface="+mn-ea"/>
+              </a:rPr>
+              <a:t>MPAndroidChart</a:t>
+            </a:r>
+            <a:r>
+              <a:rPr lang="zh-CN" altLang="en-US" sz="2800">
+                <a:sym typeface="+mn-ea"/>
+              </a:rPr>
+              <a:t>）</a:t>
+            </a:r>
+            <a:endParaRPr lang="zh-CN" altLang="en-US"/>
+          </a:p>
+          <a:p>
+            <a:endParaRPr lang="zh-CN" altLang="en-US"/>
+          </a:p>
+        </p:txBody>
+      </p:sp>
+    </p:spTree>
+  </p:cSld>
+  <p:clrMapOvr>
+    <a:masterClrMapping/>
+  </p:clrMapOvr>
+</p:sld>
+</file>
+
+<file path=ppt/slides/slide30.xml><?xml version="1.0" encoding="utf-8"?>
+<p:sld xmlns:a="http://schemas.openxmlformats.org/drawingml/2006/main" xmlns:r="http://schemas.openxmlformats.org/officeDocument/2006/relationships" xmlns:p="http://schemas.openxmlformats.org/presentationml/2006/main">
+  <p:cSld>
+    <p:spTree>
+      <p:nvGrpSpPr>
+        <p:cNvPr id="1" name=""/>
+        <p:cNvGrpSpPr/>
+        <p:nvPr/>
+      </p:nvGrpSpPr>
+      <p:grpSpPr/>
+      <p:sp>
+        <p:nvSpPr>
+          <p:cNvPr id="2" name="标题 1"/>
+          <p:cNvSpPr>
+            <a:spLocks noGrp="1"/>
+          </p:cNvSpPr>
+          <p:nvPr>
+            <p:ph type="title"/>
+          </p:nvPr>
+        </p:nvSpPr>
+        <p:spPr/>
+        <p:txBody>
+          <a:bodyPr>
+            <a:normAutofit/>
+          </a:bodyPr>
+          <a:p>
+            <a:r>
+              <a:rPr lang="zh-CN" altLang="en-US">
+                <a:sym typeface="+mn-ea"/>
+              </a:rPr>
+              <a:t>生命周期</a:t>
+            </a:r>
+            <a:endParaRPr lang="zh-CN" altLang="en-US"/>
+          </a:p>
+        </p:txBody>
+      </p:sp>
+      <p:sp>
+        <p:nvSpPr>
+          <p:cNvPr id="3" name="内容占位符 2"/>
+          <p:cNvSpPr>
+            <a:spLocks noGrp="1"/>
+          </p:cNvSpPr>
+          <p:nvPr>
+            <p:ph idx="1"/>
+          </p:nvPr>
+        </p:nvSpPr>
+        <p:spPr/>
+        <p:txBody>
+          <a:bodyPr/>
+          <a:p>
+            <a:r>
+              <a:rPr lang="zh-CN" altLang="en-US" sz="2800">
+                <a:sym typeface="+mn-ea"/>
+              </a:rPr>
+              <a:t>常用生命周期函数</a:t>
+            </a:r>
+            <a:endParaRPr lang="zh-CN" altLang="en-US" sz="2800"/>
+          </a:p>
+          <a:p>
+            <a:pPr lvl="1"/>
+            <a:r>
+              <a:rPr lang="zh-CN" altLang="en-US" sz="2800">
+                <a:sym typeface="+mn-ea"/>
+              </a:rPr>
+              <a:t>componentDidMount</a:t>
+            </a:r>
+            <a:endParaRPr lang="zh-CN" altLang="en-US" sz="2800"/>
+          </a:p>
+          <a:p>
+            <a:pPr lvl="2"/>
+            <a:r>
+              <a:rPr lang="zh-CN" altLang="en-US" sz="2800">
+                <a:sym typeface="+mn-ea"/>
+              </a:rPr>
+              <a:t>初始化页面数据</a:t>
+            </a:r>
+            <a:endParaRPr lang="zh-CN" altLang="en-US" sz="2800"/>
+          </a:p>
+          <a:p>
+            <a:pPr lvl="1"/>
+            <a:r>
+              <a:rPr lang="zh-CN" altLang="en-US" sz="2800">
+                <a:sym typeface="+mn-ea"/>
+              </a:rPr>
+              <a:t>componentWillUnmount</a:t>
+            </a:r>
+            <a:endParaRPr lang="zh-CN" altLang="en-US" sz="2800"/>
+          </a:p>
+          <a:p>
+            <a:pPr lvl="2"/>
+            <a:r>
+              <a:rPr lang="zh-CN" altLang="en-US" sz="2800">
+                <a:sym typeface="+mn-ea"/>
+              </a:rPr>
+              <a:t>清除计数器clearTimeout</a:t>
+            </a:r>
+            <a:r>
+              <a:rPr lang="en-US" altLang="zh-CN" sz="2800">
+                <a:sym typeface="+mn-ea"/>
+              </a:rPr>
+              <a:t>/clearInterval</a:t>
+            </a:r>
+            <a:endParaRPr lang="en-US" altLang="zh-CN" sz="2800"/>
+          </a:p>
+          <a:p>
+            <a:endParaRPr lang="zh-CN" altLang="en-US" sz="2800"/>
+          </a:p>
+        </p:txBody>
+      </p:sp>
+    </p:spTree>
+  </p:cSld>
+  <p:clrMapOvr>
+    <a:masterClrMapping/>
+  </p:clrMapOvr>
+</p:sld>
+</file>
+
+<file path=ppt/slides/slide31.xml><?xml version="1.0" encoding="utf-8"?>
+<p:sld xmlns:a="http://schemas.openxmlformats.org/drawingml/2006/main" xmlns:r="http://schemas.openxmlformats.org/officeDocument/2006/relationships" xmlns:p="http://schemas.openxmlformats.org/presentationml/2006/main">
+  <p:cSld>
+    <p:spTree>
+      <p:nvGrpSpPr>
+        <p:cNvPr id="1" name=""/>
+        <p:cNvGrpSpPr/>
+        <p:nvPr/>
+      </p:nvGrpSpPr>
+      <p:grpSpPr/>
+      <p:sp>
+        <p:nvSpPr>
+          <p:cNvPr id="2" name="标题 1"/>
+          <p:cNvSpPr>
+            <a:spLocks noGrp="1"/>
+          </p:cNvSpPr>
+          <p:nvPr>
+            <p:ph type="title"/>
+          </p:nvPr>
+        </p:nvSpPr>
+        <p:spPr/>
+        <p:txBody>
+          <a:bodyPr/>
+          <a:p>
+            <a:endParaRPr lang="zh-CN" altLang="en-US"/>
+          </a:p>
+        </p:txBody>
+      </p:sp>
+      <p:sp>
+        <p:nvSpPr>
+          <p:cNvPr id="3" name="内容占位符 2"/>
+          <p:cNvSpPr>
+            <a:spLocks noGrp="1"/>
+          </p:cNvSpPr>
+          <p:nvPr>
+            <p:ph idx="1"/>
+          </p:nvPr>
+        </p:nvSpPr>
+        <p:spPr/>
+        <p:txBody>
+          <a:bodyPr/>
+          <a:p>
+            <a:r>
+              <a:rPr lang="zh-CN" altLang="en-US"/>
+              <a:t>谢谢</a:t>
+            </a:r>
+            <a:endParaRPr lang="zh-CN" altLang="en-US"/>
+          </a:p>
+        </p:txBody>
+      </p:sp>
+    </p:spTree>
+  </p:cSld>
+  <p:clrMapOvr>
+    <a:masterClrMapping/>
+  </p:clrMapOvr>
+</p:sld>
+</file>
+
+<file path=ppt/slides/slide32.xml><?xml version="1.0" encoding="utf-8"?>
 <p:sld xmlns:a="http://schemas.openxmlformats.org/drawingml/2006/main" xmlns:r="http://schemas.openxmlformats.org/officeDocument/2006/relationships" xmlns:p="http://schemas.openxmlformats.org/presentationml/2006/main">
   <p:cSld>
     <p:spTree>
@@ -34241,46 +37458,46 @@
           <a:bodyPr/>
           <a:p>
             <a:r>
-              <a:rPr lang="zh-CN" altLang="en-US"/>
+              <a:rPr lang="zh-CN" altLang="en-US" sz="2800"/>
               <a:t>添加依赖</a:t>
             </a:r>
-            <a:endParaRPr lang="zh-CN" altLang="en-US"/>
+            <a:endParaRPr lang="zh-CN" altLang="en-US" sz="2800"/>
           </a:p>
           <a:p>
             <a:pPr lvl="1"/>
             <a:r>
-              <a:rPr lang="en-US" altLang="zh-CN"/>
+              <a:rPr lang="en-US" altLang="zh-CN" sz="2800"/>
               <a:t>yarn add react-navigation</a:t>
             </a:r>
-            <a:endParaRPr lang="en-US" altLang="zh-CN"/>
+            <a:endParaRPr lang="en-US" altLang="zh-CN" sz="2800"/>
           </a:p>
           <a:p>
             <a:pPr lvl="0"/>
-            <a:endParaRPr lang="en-US" altLang="zh-CN"/>
+            <a:endParaRPr lang="en-US" altLang="zh-CN" sz="2800"/>
           </a:p>
           <a:p>
             <a:pPr lvl="0"/>
             <a:r>
-              <a:rPr lang="zh-CN" altLang="en-US"/>
+              <a:rPr lang="zh-CN" altLang="en-US" sz="2800"/>
               <a:t>常用导航</a:t>
             </a:r>
-            <a:endParaRPr lang="zh-CN" altLang="en-US"/>
+            <a:endParaRPr lang="zh-CN" altLang="en-US" sz="2800"/>
           </a:p>
           <a:p>
             <a:pPr lvl="1"/>
             <a:r>
-              <a:rPr lang="en-US" altLang="zh-CN"/>
+              <a:rPr lang="en-US" altLang="zh-CN" sz="2800"/>
               <a:t>createStackNavigator</a:t>
             </a:r>
-            <a:endParaRPr lang="en-US" altLang="zh-CN"/>
+            <a:endParaRPr lang="en-US" altLang="zh-CN" sz="2800"/>
           </a:p>
           <a:p>
             <a:pPr lvl="1"/>
             <a:r>
-              <a:rPr lang="en-US" altLang="zh-CN"/>
+              <a:rPr lang="en-US" altLang="zh-CN" sz="2800"/>
               <a:t>createBottomTabNavigator</a:t>
             </a:r>
-            <a:endParaRPr lang="en-US" altLang="zh-CN"/>
+            <a:endParaRPr lang="en-US" altLang="zh-CN" sz="2800"/>
           </a:p>
         </p:txBody>
       </p:sp>
@@ -34292,7 +37509,7 @@
 </p:sld>
 </file>
 
-<file path=ppt/slides/slide16.xml><?xml version="1.0" encoding="utf-8"?>
+<file path=ppt/slides/slide33.xml><?xml version="1.0" encoding="utf-8"?>
 <p:sld xmlns:a="http://schemas.openxmlformats.org/drawingml/2006/main" xmlns:r="http://schemas.openxmlformats.org/officeDocument/2006/relationships" xmlns:p="http://schemas.openxmlformats.org/presentationml/2006/main">
   <p:cSld>
     <p:spTree>
@@ -34362,7 +37579,7 @@
 </p:sld>
 </file>
 
-<file path=ppt/slides/slide17.xml><?xml version="1.0" encoding="utf-8"?>
+<file path=ppt/slides/slide34.xml><?xml version="1.0" encoding="utf-8"?>
 <p:sld xmlns:a="http://schemas.openxmlformats.org/drawingml/2006/main" xmlns:r="http://schemas.openxmlformats.org/officeDocument/2006/relationships" xmlns:p="http://schemas.openxmlformats.org/presentationml/2006/main">
   <p:cSld>
     <p:spTree>
@@ -34432,7 +37649,7 @@
 </p:sld>
 </file>
 
-<file path=ppt/slides/slide18.xml><?xml version="1.0" encoding="utf-8"?>
+<file path=ppt/slides/slide35.xml><?xml version="1.0" encoding="utf-8"?>
 <p:sld xmlns:a="http://schemas.openxmlformats.org/drawingml/2006/main" xmlns:r="http://schemas.openxmlformats.org/officeDocument/2006/relationships" xmlns:p="http://schemas.openxmlformats.org/presentationml/2006/main">
   <p:cSld>
     <p:spTree>
@@ -34490,7 +37707,7 @@
 </p:sld>
 </file>
 
-<file path=ppt/slides/slide19.xml><?xml version="1.0" encoding="utf-8"?>
+<file path=ppt/slides/slide36.xml><?xml version="1.0" encoding="utf-8"?>
 <p:sld xmlns:a="http://schemas.openxmlformats.org/drawingml/2006/main" xmlns:r="http://schemas.openxmlformats.org/officeDocument/2006/relationships" xmlns:p="http://schemas.openxmlformats.org/presentationml/2006/main">
   <p:cSld>
     <p:spTree>
@@ -34548,7 +37765,426 @@
 </p:sld>
 </file>
 
-<file path=ppt/slides/slide2.xml><?xml version="1.0" encoding="utf-8"?>
+<file path=ppt/slides/slide4.xml><?xml version="1.0" encoding="utf-8"?>
+<p:sld xmlns:a="http://schemas.openxmlformats.org/drawingml/2006/main" xmlns:r="http://schemas.openxmlformats.org/officeDocument/2006/relationships" xmlns:p="http://schemas.openxmlformats.org/presentationml/2006/main">
+  <p:cSld>
+    <p:spTree>
+      <p:nvGrpSpPr>
+        <p:cNvPr id="1" name=""/>
+        <p:cNvGrpSpPr/>
+        <p:nvPr/>
+      </p:nvGrpSpPr>
+      <p:grpSpPr/>
+      <p:sp>
+        <p:nvSpPr>
+          <p:cNvPr id="2" name="标题 1"/>
+          <p:cNvSpPr>
+            <a:spLocks noGrp="1"/>
+          </p:cNvSpPr>
+          <p:nvPr>
+            <p:ph type="title"/>
+          </p:nvPr>
+        </p:nvSpPr>
+        <p:spPr/>
+        <p:txBody>
+          <a:bodyPr/>
+          <a:p>
+            <a:r>
+              <a:rPr lang="zh-CN" altLang="en-US"/>
+              <a:t>演示代码和</a:t>
+            </a:r>
+            <a:r>
+              <a:rPr lang="en-US" altLang="zh-CN"/>
+              <a:t>PPT</a:t>
+            </a:r>
+            <a:endParaRPr lang="en-US" altLang="zh-CN"/>
+          </a:p>
+        </p:txBody>
+      </p:sp>
+      <p:sp>
+        <p:nvSpPr>
+          <p:cNvPr id="3" name="内容占位符 2"/>
+          <p:cNvSpPr>
+            <a:spLocks noGrp="1"/>
+          </p:cNvSpPr>
+          <p:nvPr>
+            <p:ph idx="1"/>
+          </p:nvPr>
+        </p:nvSpPr>
+        <p:spPr/>
+        <p:txBody>
+          <a:bodyPr/>
+          <a:p>
+            <a:r>
+              <a:rPr lang="zh-CN" altLang="en-US" sz="3200"/>
+              <a:t>https://github.com/lumin824/hello-react-native.git</a:t>
+            </a:r>
+            <a:endParaRPr lang="zh-CN" altLang="en-US" sz="3200"/>
+          </a:p>
+        </p:txBody>
+      </p:sp>
+      <p:pic>
+        <p:nvPicPr>
+          <p:cNvPr id="4" name="图片 3"/>
+          <p:cNvPicPr>
+            <a:picLocks noChangeAspect="1"/>
+          </p:cNvPicPr>
+          <p:nvPr/>
+        </p:nvPicPr>
+        <p:blipFill>
+          <a:blip r:embed="rId1"/>
+          <a:stretch>
+            <a:fillRect/>
+          </a:stretch>
+        </p:blipFill>
+        <p:spPr>
+          <a:xfrm>
+            <a:off x="2723515" y="2282190"/>
+            <a:ext cx="5346065" cy="4026535"/>
+          </a:xfrm>
+          <a:prstGeom prst="rect">
+            <a:avLst/>
+          </a:prstGeom>
+        </p:spPr>
+      </p:pic>
+    </p:spTree>
+  </p:cSld>
+  <p:clrMapOvr>
+    <a:masterClrMapping/>
+  </p:clrMapOvr>
+</p:sld>
+</file>
+
+<file path=ppt/slides/slide5.xml><?xml version="1.0" encoding="utf-8"?>
+<p:sld xmlns:a="http://schemas.openxmlformats.org/drawingml/2006/main" xmlns:r="http://schemas.openxmlformats.org/officeDocument/2006/relationships" xmlns:p="http://schemas.openxmlformats.org/presentationml/2006/main">
+  <p:cSld>
+    <p:spTree>
+      <p:nvGrpSpPr>
+        <p:cNvPr id="1" name=""/>
+        <p:cNvGrpSpPr/>
+        <p:nvPr/>
+      </p:nvGrpSpPr>
+      <p:grpSpPr/>
+      <p:sp>
+        <p:nvSpPr>
+          <p:cNvPr id="2" name="标题 1"/>
+          <p:cNvSpPr>
+            <a:spLocks noGrp="1"/>
+          </p:cNvSpPr>
+          <p:nvPr>
+            <p:ph type="title"/>
+          </p:nvPr>
+        </p:nvSpPr>
+        <p:spPr/>
+        <p:txBody>
+          <a:bodyPr/>
+          <a:p>
+            <a:r>
+              <a:rPr lang="en-US" altLang="zh-CN"/>
+              <a:t>iOS</a:t>
+            </a:r>
+            <a:r>
+              <a:rPr lang="zh-CN" altLang="en-US"/>
+              <a:t>的</a:t>
+            </a:r>
+            <a:r>
+              <a:rPr lang="en-US" altLang="zh-CN"/>
+              <a:t>UDID</a:t>
+            </a:r>
+            <a:endParaRPr lang="en-US" altLang="zh-CN"/>
+          </a:p>
+        </p:txBody>
+      </p:sp>
+      <p:pic>
+        <p:nvPicPr>
+          <p:cNvPr id="4" name="内容占位符 3"/>
+          <p:cNvPicPr>
+            <a:picLocks noChangeAspect="1"/>
+          </p:cNvPicPr>
+          <p:nvPr>
+            <p:ph idx="1"/>
+          </p:nvPr>
+        </p:nvPicPr>
+        <p:blipFill>
+          <a:blip r:embed="rId1"/>
+          <a:stretch>
+            <a:fillRect/>
+          </a:stretch>
+        </p:blipFill>
+        <p:spPr>
+          <a:xfrm>
+            <a:off x="970280" y="1635125"/>
+            <a:ext cx="2579370" cy="2579370"/>
+          </a:xfrm>
+          <a:prstGeom prst="rect">
+            <a:avLst/>
+          </a:prstGeom>
+        </p:spPr>
+      </p:pic>
+      <p:sp>
+        <p:nvSpPr>
+          <p:cNvPr id="5" name="文本框 4"/>
+          <p:cNvSpPr txBox="1"/>
+          <p:nvPr/>
+        </p:nvSpPr>
+        <p:spPr>
+          <a:xfrm>
+            <a:off x="1240155" y="4418330"/>
+            <a:ext cx="2038985" cy="368300"/>
+          </a:xfrm>
+          <a:prstGeom prst="rect">
+            <a:avLst/>
+          </a:prstGeom>
+          <a:noFill/>
+        </p:spPr>
+        <p:txBody>
+          <a:bodyPr wrap="square" rtlCol="0">
+            <a:spAutoFit/>
+          </a:bodyPr>
+          <a:p>
+            <a:r>
+              <a:rPr lang="zh-CN" altLang="en-US"/>
+              <a:t>获取</a:t>
+            </a:r>
+            <a:r>
+              <a:rPr lang="en-US" altLang="zh-CN"/>
+              <a:t>iOS</a:t>
+            </a:r>
+            <a:r>
+              <a:rPr lang="zh-CN" altLang="en-US"/>
+              <a:t>的</a:t>
+            </a:r>
+            <a:r>
+              <a:rPr lang="en-US" altLang="zh-CN"/>
+              <a:t>UDID</a:t>
+            </a:r>
+            <a:endParaRPr lang="en-US" altLang="zh-CN"/>
+          </a:p>
+        </p:txBody>
+      </p:sp>
+      <p:pic>
+        <p:nvPicPr>
+          <p:cNvPr id="9" name="图片 8"/>
+          <p:cNvPicPr>
+            <a:picLocks noChangeAspect="1"/>
+          </p:cNvPicPr>
+          <p:nvPr/>
+        </p:nvPicPr>
+        <p:blipFill>
+          <a:blip r:embed="rId2"/>
+          <a:stretch>
+            <a:fillRect/>
+          </a:stretch>
+        </p:blipFill>
+        <p:spPr>
+          <a:xfrm>
+            <a:off x="4665345" y="572770"/>
+            <a:ext cx="3019425" cy="5360670"/>
+          </a:xfrm>
+          <a:prstGeom prst="rect">
+            <a:avLst/>
+          </a:prstGeom>
+        </p:spPr>
+      </p:pic>
+      <p:pic>
+        <p:nvPicPr>
+          <p:cNvPr id="10" name="图片 9"/>
+          <p:cNvPicPr>
+            <a:picLocks noChangeAspect="1"/>
+          </p:cNvPicPr>
+          <p:nvPr/>
+        </p:nvPicPr>
+        <p:blipFill>
+          <a:blip r:embed="rId3"/>
+          <a:stretch>
+            <a:fillRect/>
+          </a:stretch>
+        </p:blipFill>
+        <p:spPr>
+          <a:xfrm>
+            <a:off x="8634095" y="588645"/>
+            <a:ext cx="3010535" cy="5344795"/>
+          </a:xfrm>
+          <a:prstGeom prst="rect">
+            <a:avLst/>
+          </a:prstGeom>
+        </p:spPr>
+      </p:pic>
+      <p:sp>
+        <p:nvSpPr>
+          <p:cNvPr id="11" name="右箭头 10"/>
+          <p:cNvSpPr/>
+          <p:nvPr/>
+        </p:nvSpPr>
+        <p:spPr>
+          <a:xfrm>
+            <a:off x="3801110" y="2961005"/>
+            <a:ext cx="607060" cy="328295"/>
+          </a:xfrm>
+          <a:prstGeom prst="rightArrow">
+            <a:avLst/>
+          </a:prstGeom>
+        </p:spPr>
+        <p:style>
+          <a:lnRef idx="2">
+            <a:schemeClr val="accent1">
+              <a:shade val="50000"/>
+            </a:schemeClr>
+          </a:lnRef>
+          <a:fillRef idx="1">
+            <a:schemeClr val="accent1"/>
+          </a:fillRef>
+          <a:effectRef idx="0">
+            <a:schemeClr val="accent1"/>
+          </a:effectRef>
+          <a:fontRef idx="minor">
+            <a:schemeClr val="lt1"/>
+          </a:fontRef>
+        </p:style>
+        <p:txBody>
+          <a:bodyPr rtlCol="0" anchor="ctr"/>
+          <a:p>
+            <a:pPr algn="ctr"/>
+            <a:endParaRPr lang="zh-CN" altLang="en-US"/>
+          </a:p>
+        </p:txBody>
+      </p:sp>
+      <p:sp>
+        <p:nvSpPr>
+          <p:cNvPr id="12" name="右箭头 11"/>
+          <p:cNvSpPr/>
+          <p:nvPr/>
+        </p:nvSpPr>
+        <p:spPr>
+          <a:xfrm>
+            <a:off x="8025130" y="3009900"/>
+            <a:ext cx="473710" cy="339725"/>
+          </a:xfrm>
+          <a:prstGeom prst="rightArrow">
+            <a:avLst/>
+          </a:prstGeom>
+        </p:spPr>
+        <p:style>
+          <a:lnRef idx="2">
+            <a:schemeClr val="accent1">
+              <a:shade val="50000"/>
+            </a:schemeClr>
+          </a:lnRef>
+          <a:fillRef idx="1">
+            <a:schemeClr val="accent1"/>
+          </a:fillRef>
+          <a:effectRef idx="0">
+            <a:schemeClr val="accent1"/>
+          </a:effectRef>
+          <a:fontRef idx="minor">
+            <a:schemeClr val="lt1"/>
+          </a:fontRef>
+        </p:style>
+        <p:txBody>
+          <a:bodyPr rtlCol="0" anchor="ctr"/>
+          <a:p>
+            <a:pPr algn="ctr"/>
+            <a:endParaRPr lang="zh-CN" altLang="en-US"/>
+          </a:p>
+        </p:txBody>
+      </p:sp>
+    </p:spTree>
+  </p:cSld>
+  <p:clrMapOvr>
+    <a:masterClrMapping/>
+  </p:clrMapOvr>
+</p:sld>
+</file>
+
+<file path=ppt/slides/slide6.xml><?xml version="1.0" encoding="utf-8"?>
+<p:sld xmlns:a="http://schemas.openxmlformats.org/drawingml/2006/main" xmlns:r="http://schemas.openxmlformats.org/officeDocument/2006/relationships" xmlns:p="http://schemas.openxmlformats.org/presentationml/2006/main">
+  <p:cSld>
+    <p:spTree>
+      <p:nvGrpSpPr>
+        <p:cNvPr id="1" name=""/>
+        <p:cNvGrpSpPr/>
+        <p:nvPr/>
+      </p:nvGrpSpPr>
+      <p:grpSpPr/>
+      <p:sp>
+        <p:nvSpPr>
+          <p:cNvPr id="2" name="标题 1"/>
+          <p:cNvSpPr>
+            <a:spLocks noGrp="1"/>
+          </p:cNvSpPr>
+          <p:nvPr>
+            <p:ph type="title"/>
+          </p:nvPr>
+        </p:nvSpPr>
+        <p:spPr/>
+        <p:txBody>
+          <a:bodyPr/>
+          <a:p>
+            <a:r>
+              <a:rPr lang="zh-CN" altLang="en-US"/>
+              <a:t>简介</a:t>
+            </a:r>
+            <a:endParaRPr lang="zh-CN" altLang="en-US"/>
+          </a:p>
+        </p:txBody>
+      </p:sp>
+      <p:sp>
+        <p:nvSpPr>
+          <p:cNvPr id="3" name="内容占位符 2"/>
+          <p:cNvSpPr>
+            <a:spLocks noGrp="1"/>
+          </p:cNvSpPr>
+          <p:nvPr>
+            <p:ph idx="1"/>
+          </p:nvPr>
+        </p:nvSpPr>
+        <p:spPr/>
+        <p:txBody>
+          <a:bodyPr/>
+          <a:p>
+            <a:pPr marL="0" indent="0" fontAlgn="auto">
+              <a:lnSpc>
+                <a:spcPct val="150000"/>
+              </a:lnSpc>
+              <a:buNone/>
+            </a:pPr>
+            <a:r>
+              <a:rPr lang="zh-CN" altLang="en-US" sz="2400">
+                <a:sym typeface="+mn-ea"/>
+              </a:rPr>
+              <a:t>React Native 是Facebook在2015年4月开源的跨平台移动应用开发框架，是 React 在原生移动应用平台的衍生产物，目前支持iOS和</a:t>
+            </a:r>
+            <a:r>
+              <a:rPr lang="en-US" altLang="zh-CN" sz="2400">
+                <a:sym typeface="+mn-ea"/>
+              </a:rPr>
+              <a:t>Android</a:t>
+            </a:r>
+            <a:r>
+              <a:rPr lang="zh-CN" altLang="en-US" sz="2400">
+                <a:sym typeface="+mn-ea"/>
+              </a:rPr>
+              <a:t>两大平台。使用Javascript语言，和类似HTML的JSX、CSS来开发移动应用，因此对熟悉Web前端开发的技术人员只需很少的学习就可以进入移动应用开发。</a:t>
+            </a:r>
+            <a:endParaRPr lang="zh-CN" altLang="en-US"/>
+          </a:p>
+          <a:p>
+            <a:pPr marL="0" indent="0">
+              <a:buNone/>
+            </a:pPr>
+            <a:endParaRPr lang="en-US" altLang="zh-CN"/>
+          </a:p>
+        </p:txBody>
+      </p:sp>
+    </p:spTree>
+  </p:cSld>
+  <p:clrMapOvr>
+    <a:masterClrMapping/>
+  </p:clrMapOvr>
+</p:sld>
+</file>
+
+<file path=ppt/slides/slide7.xml><?xml version="1.0" encoding="utf-8"?>
 <p:sld xmlns:a="http://schemas.openxmlformats.org/drawingml/2006/main" xmlns:r="http://schemas.openxmlformats.org/officeDocument/2006/relationships" xmlns:p="http://schemas.openxmlformats.org/presentationml/2006/main">
   <p:cSld>
     <p:spTree>
@@ -34582,7 +38218,15 @@
             </a:r>
             <a:r>
               <a:rPr lang="zh-CN" altLang="en-US"/>
-              <a:t>开发框架</a:t>
+              <a:t>开发框架（虚拟</a:t>
+            </a:r>
+            <a:r>
+              <a:rPr lang="en-US" altLang="zh-CN"/>
+              <a:t>dom</a:t>
+            </a:r>
+            <a:r>
+              <a:rPr lang="zh-CN" altLang="en-US"/>
+              <a:t>）</a:t>
             </a:r>
             <a:endParaRPr lang="zh-CN" altLang="en-US"/>
           </a:p>
@@ -35122,539 +38766,6 @@
 </p:sld>
 </file>
 
-<file path=ppt/slides/slide3.xml><?xml version="1.0" encoding="utf-8"?>
-<p:sld xmlns:a="http://schemas.openxmlformats.org/drawingml/2006/main" xmlns:r="http://schemas.openxmlformats.org/officeDocument/2006/relationships" xmlns:p="http://schemas.openxmlformats.org/presentationml/2006/main">
-  <p:cSld>
-    <p:spTree>
-      <p:nvGrpSpPr>
-        <p:cNvPr id="1" name=""/>
-        <p:cNvGrpSpPr/>
-        <p:nvPr/>
-      </p:nvGrpSpPr>
-      <p:grpSpPr/>
-      <p:sp>
-        <p:nvSpPr>
-          <p:cNvPr id="2" name="标题 1"/>
-          <p:cNvSpPr>
-            <a:spLocks noGrp="1"/>
-          </p:cNvSpPr>
-          <p:nvPr>
-            <p:ph type="title"/>
-          </p:nvPr>
-        </p:nvSpPr>
-        <p:spPr/>
-        <p:txBody>
-          <a:bodyPr/>
-          <a:p>
-            <a:r>
-              <a:rPr lang="zh-CN" altLang="en-US"/>
-              <a:t>简介</a:t>
-            </a:r>
-            <a:endParaRPr lang="zh-CN" altLang="en-US"/>
-          </a:p>
-        </p:txBody>
-      </p:sp>
-      <p:sp>
-        <p:nvSpPr>
-          <p:cNvPr id="3" name="内容占位符 2"/>
-          <p:cNvSpPr>
-            <a:spLocks noGrp="1"/>
-          </p:cNvSpPr>
-          <p:nvPr>
-            <p:ph idx="1"/>
-          </p:nvPr>
-        </p:nvSpPr>
-        <p:spPr/>
-        <p:txBody>
-          <a:bodyPr/>
-          <a:p>
-            <a:pPr marL="0" indent="0" fontAlgn="auto">
-              <a:lnSpc>
-                <a:spcPct val="150000"/>
-              </a:lnSpc>
-              <a:buNone/>
-            </a:pPr>
-            <a:r>
-              <a:rPr lang="zh-CN" altLang="en-US" sz="2400">
-                <a:sym typeface="+mn-ea"/>
-              </a:rPr>
-              <a:t>React Native 是Facebook在2015年4月开源的跨平台移动应用开发框架，是 React 在原生移动应用平台的衍生产物，目前支持iOS和安卓两大平台。使用Javascript语言，和类似HTML的JSX、CSS来开发移动应用，因此对熟悉Web前端开发的技术人员只需很少的学习就可以进入移动应用开发。</a:t>
-            </a:r>
-            <a:endParaRPr lang="zh-CN" altLang="en-US"/>
-          </a:p>
-          <a:p>
-            <a:pPr marL="0" indent="0">
-              <a:buNone/>
-            </a:pPr>
-            <a:endParaRPr lang="en-US" altLang="zh-CN"/>
-          </a:p>
-        </p:txBody>
-      </p:sp>
-    </p:spTree>
-  </p:cSld>
-  <p:clrMapOvr>
-    <a:masterClrMapping/>
-  </p:clrMapOvr>
-</p:sld>
-</file>
-
-<file path=ppt/slides/slide4.xml><?xml version="1.0" encoding="utf-8"?>
-<p:sld xmlns:a="http://schemas.openxmlformats.org/drawingml/2006/main" xmlns:r="http://schemas.openxmlformats.org/officeDocument/2006/relationships" xmlns:p="http://schemas.openxmlformats.org/presentationml/2006/main">
-  <p:cSld>
-    <p:spTree>
-      <p:nvGrpSpPr>
-        <p:cNvPr id="1" name=""/>
-        <p:cNvGrpSpPr/>
-        <p:nvPr/>
-      </p:nvGrpSpPr>
-      <p:grpSpPr/>
-      <p:sp>
-        <p:nvSpPr>
-          <p:cNvPr id="2" name="标题 1"/>
-          <p:cNvSpPr>
-            <a:spLocks noGrp="1"/>
-          </p:cNvSpPr>
-          <p:nvPr>
-            <p:ph type="title"/>
-          </p:nvPr>
-        </p:nvSpPr>
-        <p:spPr/>
-        <p:txBody>
-          <a:bodyPr/>
-          <a:p>
-            <a:r>
-              <a:rPr lang="zh-CN" altLang="en-US"/>
-              <a:t>开发环境</a:t>
-            </a:r>
-            <a:endParaRPr lang="zh-CN" altLang="en-US"/>
-          </a:p>
-        </p:txBody>
-      </p:sp>
-      <p:sp>
-        <p:nvSpPr>
-          <p:cNvPr id="3" name="内容占位符 2"/>
-          <p:cNvSpPr>
-            <a:spLocks noGrp="1"/>
-          </p:cNvSpPr>
-          <p:nvPr>
-            <p:ph idx="1"/>
-          </p:nvPr>
-        </p:nvSpPr>
-        <p:spPr/>
-        <p:txBody>
-          <a:bodyPr/>
-          <a:p>
-            <a:pPr marL="514350" indent="-514350">
-              <a:buFont typeface="+mj-lt"/>
-              <a:buAutoNum type="arabicPeriod"/>
-            </a:pPr>
-            <a:r>
-              <a:rPr lang="en-US" altLang="zh-CN" sz="2400"/>
-              <a:t>Node 8 +</a:t>
-            </a:r>
-            <a:endParaRPr lang="zh-CN" altLang="en-US" sz="2400"/>
-          </a:p>
-          <a:p>
-            <a:pPr marL="514350" indent="-514350">
-              <a:buFont typeface="+mj-lt"/>
-              <a:buAutoNum type="arabicPeriod"/>
-            </a:pPr>
-            <a:r>
-              <a:rPr lang="en-US" altLang="zh-CN" sz="2400"/>
-              <a:t>Xcode</a:t>
-            </a:r>
-            <a:endParaRPr lang="en-US" altLang="zh-CN" sz="2400"/>
-          </a:p>
-          <a:p>
-            <a:pPr marL="514350" indent="-514350">
-              <a:buFont typeface="+mj-lt"/>
-              <a:buAutoNum type="arabicPeriod"/>
-            </a:pPr>
-            <a:r>
-              <a:rPr lang="en-US" altLang="zh-CN" sz="2400"/>
-              <a:t>Android Studio</a:t>
-            </a:r>
-            <a:endParaRPr lang="en-US" altLang="zh-CN" sz="2400"/>
-          </a:p>
-        </p:txBody>
-      </p:sp>
-    </p:spTree>
-  </p:cSld>
-  <p:clrMapOvr>
-    <a:masterClrMapping/>
-  </p:clrMapOvr>
-</p:sld>
-</file>
-
-<file path=ppt/slides/slide5.xml><?xml version="1.0" encoding="utf-8"?>
-<p:sld xmlns:a="http://schemas.openxmlformats.org/drawingml/2006/main" xmlns:r="http://schemas.openxmlformats.org/officeDocument/2006/relationships" xmlns:p="http://schemas.openxmlformats.org/presentationml/2006/main">
-  <p:cSld>
-    <p:spTree>
-      <p:nvGrpSpPr>
-        <p:cNvPr id="1" name=""/>
-        <p:cNvGrpSpPr/>
-        <p:nvPr/>
-      </p:nvGrpSpPr>
-      <p:grpSpPr/>
-      <p:sp>
-        <p:nvSpPr>
-          <p:cNvPr id="2" name="标题 1"/>
-          <p:cNvSpPr>
-            <a:spLocks noGrp="1"/>
-          </p:cNvSpPr>
-          <p:nvPr>
-            <p:ph type="title"/>
-          </p:nvPr>
-        </p:nvSpPr>
-        <p:spPr/>
-        <p:txBody>
-          <a:bodyPr/>
-          <a:p>
-            <a:r>
-              <a:rPr lang="zh-CN" altLang="en-US"/>
-              <a:t>项目代码</a:t>
-            </a:r>
-            <a:endParaRPr lang="zh-CN" altLang="en-US"/>
-          </a:p>
-        </p:txBody>
-      </p:sp>
-      <p:sp>
-        <p:nvSpPr>
-          <p:cNvPr id="3" name="内容占位符 2"/>
-          <p:cNvSpPr>
-            <a:spLocks noGrp="1"/>
-          </p:cNvSpPr>
-          <p:nvPr>
-            <p:ph idx="1"/>
-          </p:nvPr>
-        </p:nvSpPr>
-        <p:spPr/>
-        <p:txBody>
-          <a:bodyPr/>
-          <a:p>
-            <a:r>
-              <a:rPr lang="zh-CN" altLang="en-US" sz="3200"/>
-              <a:t>https://github.com/lumin824/hello-react-native.git</a:t>
-            </a:r>
-            <a:endParaRPr lang="zh-CN" altLang="en-US" sz="3200"/>
-          </a:p>
-        </p:txBody>
-      </p:sp>
-    </p:spTree>
-  </p:cSld>
-  <p:clrMapOvr>
-    <a:masterClrMapping/>
-  </p:clrMapOvr>
-</p:sld>
-</file>
-
-<file path=ppt/slides/slide6.xml><?xml version="1.0" encoding="utf-8"?>
-<p:sld xmlns:a="http://schemas.openxmlformats.org/drawingml/2006/main" xmlns:r="http://schemas.openxmlformats.org/officeDocument/2006/relationships" xmlns:p="http://schemas.openxmlformats.org/presentationml/2006/main">
-  <p:cSld>
-    <p:spTree>
-      <p:nvGrpSpPr>
-        <p:cNvPr id="1" name=""/>
-        <p:cNvGrpSpPr/>
-        <p:nvPr/>
-      </p:nvGrpSpPr>
-      <p:grpSpPr/>
-      <p:sp>
-        <p:nvSpPr>
-          <p:cNvPr id="2" name="标题 1"/>
-          <p:cNvSpPr>
-            <a:spLocks noGrp="1"/>
-          </p:cNvSpPr>
-          <p:nvPr>
-            <p:ph type="title"/>
-          </p:nvPr>
-        </p:nvSpPr>
-        <p:spPr/>
-        <p:txBody>
-          <a:bodyPr/>
-          <a:p>
-            <a:r>
-              <a:rPr lang="zh-CN" altLang="en-US"/>
-              <a:t>创建项目</a:t>
-            </a:r>
-            <a:endParaRPr lang="zh-CN" altLang="en-US"/>
-          </a:p>
-        </p:txBody>
-      </p:sp>
-      <p:sp>
-        <p:nvSpPr>
-          <p:cNvPr id="3" name="内容占位符 2"/>
-          <p:cNvSpPr>
-            <a:spLocks noGrp="1"/>
-          </p:cNvSpPr>
-          <p:nvPr>
-            <p:ph idx="1"/>
-          </p:nvPr>
-        </p:nvSpPr>
-        <p:spPr/>
-        <p:txBody>
-          <a:bodyPr/>
-          <a:p>
-            <a:r>
-              <a:rPr lang="zh-CN" altLang="en-US" sz="2400"/>
-              <a:t>安装脚手架</a:t>
-            </a:r>
-            <a:endParaRPr lang="zh-CN" altLang="en-US" sz="2400"/>
-          </a:p>
-          <a:p>
-            <a:pPr lvl="1"/>
-            <a:r>
-              <a:rPr lang="zh-CN" altLang="en-US" sz="2000"/>
-              <a:t>npm install -g react-native-cli</a:t>
-            </a:r>
-            <a:endParaRPr lang="zh-CN" altLang="en-US" sz="2400"/>
-          </a:p>
-          <a:p>
-            <a:pPr lvl="1"/>
-            <a:endParaRPr lang="zh-CN" altLang="en-US" sz="2400"/>
-          </a:p>
-          <a:p>
-            <a:pPr lvl="0"/>
-            <a:r>
-              <a:rPr lang="zh-CN" altLang="en-US" sz="2400"/>
-              <a:t>创建项目</a:t>
-            </a:r>
-            <a:endParaRPr lang="zh-CN" altLang="en-US" sz="2400"/>
-          </a:p>
-          <a:p>
-            <a:pPr lvl="1"/>
-            <a:r>
-              <a:rPr lang="zh-CN" altLang="en-US" sz="2000"/>
-              <a:t>react-native init </a:t>
-            </a:r>
-            <a:r>
-              <a:rPr lang="en-US" altLang="zh-CN" sz="2000">
-                <a:solidFill>
-                  <a:srgbClr val="FF0000"/>
-                </a:solidFill>
-              </a:rPr>
-              <a:t>linkgap</a:t>
-            </a:r>
-            <a:endParaRPr lang="en-US" altLang="zh-CN" sz="2000">
-              <a:solidFill>
-                <a:srgbClr val="FF0000"/>
-              </a:solidFill>
-            </a:endParaRPr>
-          </a:p>
-        </p:txBody>
-      </p:sp>
-    </p:spTree>
-  </p:cSld>
-  <p:clrMapOvr>
-    <a:masterClrMapping/>
-  </p:clrMapOvr>
-</p:sld>
-</file>
-
-<file path=ppt/slides/slide7.xml><?xml version="1.0" encoding="utf-8"?>
-<p:sld xmlns:a="http://schemas.openxmlformats.org/drawingml/2006/main" xmlns:r="http://schemas.openxmlformats.org/officeDocument/2006/relationships" xmlns:p="http://schemas.openxmlformats.org/presentationml/2006/main">
-  <p:cSld>
-    <p:spTree>
-      <p:nvGrpSpPr>
-        <p:cNvPr id="1" name=""/>
-        <p:cNvGrpSpPr/>
-        <p:nvPr/>
-      </p:nvGrpSpPr>
-      <p:grpSpPr/>
-      <p:sp>
-        <p:nvSpPr>
-          <p:cNvPr id="2" name="标题 1"/>
-          <p:cNvSpPr>
-            <a:spLocks noGrp="1"/>
-          </p:cNvSpPr>
-          <p:nvPr>
-            <p:ph type="title"/>
-          </p:nvPr>
-        </p:nvSpPr>
-        <p:spPr/>
-        <p:txBody>
-          <a:bodyPr/>
-          <a:p>
-            <a:r>
-              <a:rPr lang="zh-CN" altLang="en-US"/>
-              <a:t>热更新（</a:t>
-            </a:r>
-            <a:r>
-              <a:rPr lang="en-US" altLang="zh-CN"/>
-              <a:t>1</a:t>
-            </a:r>
-            <a:r>
-              <a:rPr lang="zh-CN" altLang="en-US"/>
-              <a:t>）</a:t>
-            </a:r>
-            <a:endParaRPr lang="en-US" altLang="zh-CN"/>
-          </a:p>
-        </p:txBody>
-      </p:sp>
-      <p:sp>
-        <p:nvSpPr>
-          <p:cNvPr id="3" name="内容占位符 2"/>
-          <p:cNvSpPr>
-            <a:spLocks noGrp="1"/>
-          </p:cNvSpPr>
-          <p:nvPr>
-            <p:ph idx="1"/>
-          </p:nvPr>
-        </p:nvSpPr>
-        <p:spPr>
-          <a:xfrm>
-            <a:off x="825500" y="1825625"/>
-            <a:ext cx="10515600" cy="4351338"/>
-          </a:xfrm>
-        </p:spPr>
-        <p:txBody>
-          <a:bodyPr>
-            <a:normAutofit lnSpcReduction="10000"/>
-          </a:bodyPr>
-          <a:p>
-            <a:r>
-              <a:rPr lang="zh-CN" altLang="en-US" sz="2400"/>
-              <a:t>安装脚手架</a:t>
-            </a:r>
-            <a:endParaRPr lang="zh-CN" altLang="en-US"/>
-          </a:p>
-          <a:p>
-            <a:pPr lvl="1"/>
-            <a:r>
-              <a:rPr lang="zh-CN" altLang="en-US" sz="2000"/>
-              <a:t>npm install -g code-push-cli</a:t>
-            </a:r>
-            <a:endParaRPr lang="zh-CN" altLang="en-US"/>
-          </a:p>
-          <a:p>
-            <a:pPr lvl="0"/>
-            <a:r>
-              <a:rPr lang="zh-CN" altLang="en-US" sz="2400"/>
-              <a:t>创建应用</a:t>
-            </a:r>
-            <a:endParaRPr lang="zh-CN" altLang="en-US"/>
-          </a:p>
-          <a:p>
-            <a:pPr lvl="1"/>
-            <a:r>
-              <a:rPr lang="zh-CN" altLang="en-US" sz="2000"/>
-              <a:t>code-push app add </a:t>
-            </a:r>
-            <a:r>
-              <a:rPr lang="en-US" altLang="zh-CN" sz="2000">
-                <a:solidFill>
-                  <a:srgbClr val="FF0000"/>
-                </a:solidFill>
-                <a:sym typeface="+mn-ea"/>
-              </a:rPr>
-              <a:t>linkgap</a:t>
-            </a:r>
-            <a:r>
-              <a:rPr lang="en-US" altLang="zh-CN" sz="2000">
-                <a:solidFill>
-                  <a:srgbClr val="FF0000"/>
-                </a:solidFill>
-              </a:rPr>
-              <a:t>-android</a:t>
-            </a:r>
-            <a:r>
-              <a:rPr lang="zh-CN" altLang="en-US" sz="2000"/>
-              <a:t> </a:t>
-            </a:r>
-            <a:r>
-              <a:rPr lang="en-US" altLang="zh-CN" sz="2000"/>
-              <a:t>android</a:t>
-            </a:r>
-            <a:r>
-              <a:rPr lang="zh-CN" altLang="en-US" sz="2000"/>
-              <a:t> react-native</a:t>
-            </a:r>
-            <a:endParaRPr lang="zh-CN" altLang="en-US" sz="2000"/>
-          </a:p>
-          <a:p>
-            <a:pPr lvl="1"/>
-            <a:r>
-              <a:rPr lang="en-US" altLang="zh-CN" sz="2000"/>
-              <a:t>code-push app add </a:t>
-            </a:r>
-            <a:r>
-              <a:rPr lang="en-US" altLang="zh-CN" sz="2000">
-                <a:solidFill>
-                  <a:srgbClr val="FF0000"/>
-                </a:solidFill>
-                <a:sym typeface="+mn-ea"/>
-              </a:rPr>
-              <a:t>linkgap</a:t>
-            </a:r>
-            <a:r>
-              <a:rPr lang="en-US" altLang="zh-CN" sz="2000">
-                <a:solidFill>
-                  <a:srgbClr val="FF0000"/>
-                </a:solidFill>
-              </a:rPr>
-              <a:t>-ios</a:t>
-            </a:r>
-            <a:r>
-              <a:rPr lang="en-US" altLang="zh-CN" sz="2000"/>
-              <a:t> ios react-native</a:t>
-            </a:r>
-            <a:endParaRPr lang="en-US" altLang="zh-CN"/>
-          </a:p>
-          <a:p>
-            <a:pPr lvl="0"/>
-            <a:r>
-              <a:rPr lang="zh-CN" altLang="en-US" sz="2400"/>
-              <a:t>添加依赖</a:t>
-            </a:r>
-            <a:endParaRPr lang="zh-CN" altLang="en-US"/>
-          </a:p>
-          <a:p>
-            <a:pPr lvl="1"/>
-            <a:r>
-              <a:rPr lang="en-US" altLang="zh-CN" sz="2000"/>
-              <a:t>yarn add react-native-code-push</a:t>
-            </a:r>
-            <a:endParaRPr lang="en-US" altLang="zh-CN"/>
-          </a:p>
-          <a:p>
-            <a:pPr lvl="0"/>
-            <a:r>
-              <a:rPr lang="zh-CN" altLang="en-US" sz="2400"/>
-              <a:t>链接到项目</a:t>
-            </a:r>
-            <a:endParaRPr lang="zh-CN" altLang="en-US"/>
-          </a:p>
-          <a:p>
-            <a:pPr lvl="1"/>
-            <a:r>
-              <a:rPr lang="en-US" altLang="zh-CN" sz="2000"/>
-              <a:t>react-native link react-native-code-push</a:t>
-            </a:r>
-            <a:endParaRPr lang="en-US" altLang="zh-CN"/>
-          </a:p>
-          <a:p>
-            <a:pPr lvl="0"/>
-            <a:endParaRPr lang="en-US" altLang="zh-CN" sz="2800"/>
-          </a:p>
-          <a:p>
-            <a:pPr lvl="0"/>
-            <a:endParaRPr lang="en-US" altLang="zh-CN"/>
-          </a:p>
-          <a:p>
-            <a:pPr marL="457200" lvl="1" indent="0">
-              <a:buNone/>
-            </a:pPr>
-            <a:endParaRPr lang="en-US" altLang="zh-CN"/>
-          </a:p>
-        </p:txBody>
-      </p:sp>
-    </p:spTree>
-  </p:cSld>
-  <p:clrMapOvr>
-    <a:masterClrMapping/>
-  </p:clrMapOvr>
-</p:sld>
-</file>
-
 <file path=ppt/slides/slide8.xml><?xml version="1.0" encoding="utf-8"?>
 <p:sld xmlns:a="http://schemas.openxmlformats.org/drawingml/2006/main" xmlns:r="http://schemas.openxmlformats.org/officeDocument/2006/relationships" xmlns:p="http://schemas.openxmlformats.org/presentationml/2006/main">
   <p:cSld>
@@ -35680,59 +38791,28 @@
           <a:bodyPr/>
           <a:p>
             <a:r>
-              <a:rPr lang="zh-CN" altLang="en-US"/>
-              <a:t>热更新（</a:t>
-            </a:r>
-            <a:r>
               <a:rPr lang="en-US" altLang="zh-CN"/>
-              <a:t>2</a:t>
+              <a:t>H5 App</a:t>
             </a:r>
             <a:r>
               <a:rPr lang="zh-CN" altLang="en-US"/>
-              <a:t>）</a:t>
+              <a:t>开发框架</a:t>
             </a:r>
-            <a:endParaRPr lang="zh-CN" altLang="en-US"/>
-          </a:p>
-        </p:txBody>
-      </p:sp>
-      <p:sp>
-        <p:nvSpPr>
-          <p:cNvPr id="3" name="内容占位符 2"/>
-          <p:cNvSpPr>
-            <a:spLocks noGrp="1"/>
-          </p:cNvSpPr>
-          <p:nvPr>
-            <p:ph idx="1"/>
-          </p:nvPr>
-        </p:nvSpPr>
-        <p:spPr/>
-        <p:txBody>
-          <a:bodyPr/>
-          <a:p>
-            <a:pPr lvl="0"/>
-            <a:r>
-              <a:rPr lang="zh-CN" altLang="en-US" sz="2800">
-                <a:sym typeface="+mn-ea"/>
-              </a:rPr>
-              <a:t>在应用回到到前台时进行热更新检查，如果有更新就立即更新</a:t>
-            </a:r>
-            <a:endParaRPr lang="zh-CN" altLang="en-US" sz="2800"/>
-          </a:p>
-          <a:p>
-            <a:pPr lvl="1"/>
             <a:endParaRPr lang="zh-CN" altLang="en-US"/>
           </a:p>
         </p:txBody>
       </p:sp>
       <p:graphicFrame>
         <p:nvGraphicFramePr>
-          <p:cNvPr id="4" name="表格 3"/>
+          <p:cNvPr id="4" name="内容占位符 3"/>
           <p:cNvGraphicFramePr/>
-          <p:nvPr/>
+          <p:nvPr>
+            <p:ph idx="1"/>
+          </p:nvPr>
         </p:nvGraphicFramePr>
         <p:xfrm>
-          <a:off x="1091565" y="2630805"/>
-          <a:ext cx="9727565" cy="2287270"/>
+          <a:off x="623888" y="1412875"/>
+          <a:ext cx="10943590" cy="1524000"/>
         </p:xfrm>
         <a:graphic>
           <a:graphicData uri="http://schemas.openxmlformats.org/drawingml/2006/table">
@@ -35741,105 +38821,143 @@
                 <a:tableStyleId>{5C22544A-7EE6-4342-B048-85BDC9FD1C3A}</a:tableStyleId>
               </a:tblPr>
               <a:tblGrid>
-                <a:gridCol w="9727565"/>
+                <a:gridCol w="5471795"/>
+                <a:gridCol w="5471795"/>
               </a:tblGrid>
-              <a:tr h="2287270">
+              <a:tr h="381000">
                 <a:tc>
                   <a:txBody>
                     <a:bodyPr/>
                     <a:p>
-                      <a:pPr marL="0" lvl="1">
+                      <a:pPr>
                         <a:buNone/>
                       </a:pPr>
                       <a:r>
-                        <a:rPr lang="en-US" altLang="zh-CN" sz="2200">
-                          <a:solidFill>
-                            <a:schemeClr val="tx1"/>
-                          </a:solidFill>
-                          <a:sym typeface="+mn-ea"/>
-                        </a:rPr>
-                        <a:t>const withCodePush = CodePush({ </a:t>
+                        <a:rPr lang="zh-CN" altLang="en-US"/>
+                        <a:t>框架</a:t>
                       </a:r>
-                      <a:endParaRPr lang="en-US" altLang="zh-CN" sz="2200">
-                        <a:solidFill>
-                          <a:schemeClr val="tx1"/>
-                        </a:solidFill>
-                        <a:sym typeface="+mn-ea"/>
-                      </a:endParaRPr>
+                      <a:endParaRPr lang="zh-CN" altLang="en-US"/>
                     </a:p>
-                    <a:p>
-                      <a:pPr marL="0" lvl="1">
-                        <a:buNone/>
-                      </a:pPr>
-                      <a:r>
-                        <a:rPr lang="en-US" altLang="zh-CN" sz="2200">
-                          <a:solidFill>
-                            <a:schemeClr val="tx1"/>
-                          </a:solidFill>
-                          <a:sym typeface="+mn-ea"/>
-                        </a:rPr>
-                        <a:t>        checkFrequency: CodePush.CheckFrequency.ON_APP_RESUME,</a:t>
-                      </a:r>
-                      <a:endParaRPr lang="en-US" altLang="zh-CN" sz="2200">
-                        <a:solidFill>
-                          <a:schemeClr val="tx1"/>
-                        </a:solidFill>
-                        <a:sym typeface="+mn-ea"/>
-                      </a:endParaRPr>
-                    </a:p>
-                    <a:p>
-                      <a:pPr marL="0" lvl="1">
-                        <a:buNone/>
-                      </a:pPr>
-                      <a:r>
-                        <a:rPr lang="en-US" altLang="zh-CN" sz="2200">
-                          <a:solidFill>
-                            <a:schemeClr val="tx1"/>
-                          </a:solidFill>
-                          <a:sym typeface="+mn-ea"/>
-                        </a:rPr>
-                        <a:t>        installMode: CodePush.InstallMode.IMMEDIATE</a:t>
-                      </a:r>
-                      <a:endParaRPr lang="en-US" altLang="zh-CN" sz="2200">
-                        <a:solidFill>
-                          <a:schemeClr val="tx1"/>
-                        </a:solidFill>
-                        <a:sym typeface="+mn-ea"/>
-                      </a:endParaRPr>
-                    </a:p>
-                    <a:p>
-                      <a:pPr marL="0" lvl="1">
-                        <a:buNone/>
-                      </a:pPr>
-                      <a:r>
-                        <a:rPr lang="en-US" altLang="zh-CN" sz="2200">
-                          <a:solidFill>
-                            <a:schemeClr val="tx1"/>
-                          </a:solidFill>
-                          <a:sym typeface="+mn-ea"/>
-                        </a:rPr>
-                        <a:t>});</a:t>
-                      </a:r>
-                      <a:endParaRPr lang="zh-CN" altLang="en-US" sz="1800">
-                        <a:solidFill>
-                          <a:schemeClr val="tx1"/>
-                        </a:solidFill>
-                      </a:endParaRPr>
-                    </a:p>
+                  </a:txBody>
+                  <a:tcPr/>
+                </a:tc>
+                <a:tc>
+                  <a:txBody>
+                    <a:bodyPr/>
                     <a:p>
                       <a:pPr>
                         <a:buNone/>
                       </a:pPr>
-                      <a:endParaRPr lang="zh-CN" altLang="en-US" sz="1800">
-                        <a:solidFill>
-                          <a:schemeClr val="tx1"/>
-                        </a:solidFill>
-                      </a:endParaRPr>
+                      <a:r>
+                        <a:rPr lang="zh-CN" altLang="en-US"/>
+                        <a:t>官网</a:t>
+                      </a:r>
+                      <a:endParaRPr lang="zh-CN" altLang="en-US"/>
                     </a:p>
                   </a:txBody>
-                  <a:tcPr>
-                    <a:noFill/>
-                  </a:tcPr>
+                  <a:tcPr/>
+                </a:tc>
+              </a:tr>
+              <a:tr h="381000">
+                <a:tc>
+                  <a:txBody>
+                    <a:bodyPr/>
+                    <a:p>
+                      <a:pPr>
+                        <a:buNone/>
+                      </a:pPr>
+                      <a:r>
+                        <a:rPr lang="en-US" altLang="zh-CN"/>
+                        <a:t>AppCan</a:t>
+                      </a:r>
+                      <a:endParaRPr lang="en-US" altLang="zh-CN"/>
+                    </a:p>
+                  </a:txBody>
+                  <a:tcPr/>
+                </a:tc>
+                <a:tc>
+                  <a:txBody>
+                    <a:bodyPr/>
+                    <a:p>
+                      <a:pPr>
+                        <a:buNone/>
+                      </a:pPr>
+                      <a:r>
+                        <a:rPr lang="zh-CN" altLang="en-US"/>
+                        <a:t>http://www.appcan.cn/</a:t>
+                      </a:r>
+                      <a:endParaRPr lang="zh-CN" altLang="en-US"/>
+                    </a:p>
+                  </a:txBody>
+                  <a:tcPr/>
+                </a:tc>
+              </a:tr>
+              <a:tr h="381000">
+                <a:tc>
+                  <a:txBody>
+                    <a:bodyPr/>
+                    <a:p>
+                      <a:pPr>
+                        <a:buNone/>
+                      </a:pPr>
+                      <a:r>
+                        <a:rPr lang="en-US" altLang="zh-CN"/>
+                        <a:t>HBuilder</a:t>
+                      </a:r>
+                      <a:endParaRPr lang="en-US" altLang="zh-CN"/>
+                    </a:p>
+                  </a:txBody>
+                  <a:tcPr/>
+                </a:tc>
+                <a:tc>
+                  <a:txBody>
+                    <a:bodyPr/>
+                    <a:p>
+                      <a:pPr>
+                        <a:buNone/>
+                      </a:pPr>
+                      <a:r>
+                        <a:rPr lang="zh-CN" altLang="en-US"/>
+                        <a:t>http://www.dcloud.io</a:t>
+                      </a:r>
+                      <a:endParaRPr lang="zh-CN" altLang="en-US"/>
+                    </a:p>
+                  </a:txBody>
+                  <a:tcPr/>
+                </a:tc>
+              </a:tr>
+              <a:tr h="381000">
+                <a:tc>
+                  <a:txBody>
+                    <a:bodyPr/>
+                    <a:p>
+                      <a:pPr>
+                        <a:buNone/>
+                      </a:pPr>
+                      <a:r>
+                        <a:rPr lang="en-US" altLang="zh-CN"/>
+                        <a:t>APICloud</a:t>
+                      </a:r>
+                      <a:endParaRPr lang="en-US" altLang="zh-CN"/>
+                    </a:p>
+                  </a:txBody>
+                  <a:tcPr/>
+                </a:tc>
+                <a:tc>
+                  <a:txBody>
+                    <a:bodyPr/>
+                    <a:p>
+                      <a:pPr>
+                        <a:buNone/>
+                      </a:pPr>
+                      <a:r>
+                        <a:rPr lang="zh-CN" altLang="en-US"/>
+                        <a:t>https://www.apicloud.com/</a:t>
+                      </a:r>
+                      <a:endParaRPr lang="zh-CN" altLang="en-US"/>
+                    </a:p>
+                  </a:txBody>
+                  <a:tcPr/>
                 </a:tc>
               </a:tr>
             </a:tbl>
@@ -35879,77 +38997,753 @@
           <a:bodyPr/>
           <a:p>
             <a:r>
+              <a:rPr lang="en-US" altLang="zh-CN"/>
+              <a:t>ReactNative </a:t>
+            </a:r>
+            <a:r>
               <a:rPr lang="zh-CN" altLang="en-US"/>
-              <a:t>哪些情况不能使用热更新</a:t>
+              <a:t>、</a:t>
+            </a:r>
+            <a:r>
+              <a:rPr lang="en-US" altLang="zh-CN"/>
+              <a:t>H5 APP</a:t>
+            </a:r>
+            <a:r>
+              <a:rPr lang="zh-CN" altLang="en-US"/>
+              <a:t>与原生</a:t>
+            </a:r>
+            <a:r>
+              <a:rPr lang="en-US" altLang="zh-CN"/>
+              <a:t>APP</a:t>
+            </a:r>
+            <a:r>
+              <a:rPr lang="zh-CN" altLang="en-US"/>
+              <a:t>的比较</a:t>
             </a:r>
             <a:endParaRPr lang="zh-CN" altLang="en-US"/>
           </a:p>
         </p:txBody>
       </p:sp>
-      <p:sp>
-        <p:nvSpPr>
-          <p:cNvPr id="3" name="内容占位符 2"/>
-          <p:cNvSpPr>
-            <a:spLocks noGrp="1"/>
-          </p:cNvSpPr>
+      <p:graphicFrame>
+        <p:nvGraphicFramePr>
+          <p:cNvPr id="5" name="内容占位符 4"/>
+          <p:cNvGraphicFramePr/>
           <p:nvPr>
             <p:ph idx="1"/>
           </p:nvPr>
-        </p:nvSpPr>
-        <p:spPr/>
-        <p:txBody>
-          <a:bodyPr/>
-          <a:p>
-            <a:r>
-              <a:rPr lang="zh-CN" altLang="en-US" sz="2400"/>
-              <a:t>修改</a:t>
-            </a:r>
-            <a:r>
-              <a:rPr lang="en-US" altLang="zh-CN" sz="2400"/>
-              <a:t>App</a:t>
-            </a:r>
-            <a:r>
-              <a:rPr lang="zh-CN" altLang="en-US" sz="2400"/>
-              <a:t>图标、名称、启动图片、版本号</a:t>
-            </a:r>
-            <a:endParaRPr lang="zh-CN" altLang="en-US" sz="2400"/>
-          </a:p>
-          <a:p>
-            <a:r>
-              <a:rPr lang="zh-CN" altLang="en-US" sz="2400"/>
-              <a:t>增加了需要</a:t>
-            </a:r>
-            <a:r>
-              <a:rPr lang="en-US" altLang="zh-CN" sz="2400"/>
-              <a:t>react-native link</a:t>
-            </a:r>
-            <a:r>
-              <a:rPr lang="zh-CN" altLang="en-US" sz="2400"/>
-              <a:t>的依赖</a:t>
-            </a:r>
-            <a:endParaRPr lang="zh-CN" altLang="en-US" sz="2400"/>
-          </a:p>
-          <a:p>
-            <a:r>
-              <a:rPr lang="zh-CN" altLang="en-US" sz="2400"/>
-              <a:t>涉及</a:t>
-            </a:r>
-            <a:r>
-              <a:rPr lang="zh-CN" altLang="en-US" sz="2400">
-                <a:solidFill>
-                  <a:srgbClr val="FF0000"/>
-                </a:solidFill>
-              </a:rPr>
-              <a:t>修改原生代码</a:t>
-            </a:r>
-            <a:r>
-              <a:rPr lang="zh-CN" altLang="en-US" sz="2400"/>
-              <a:t>的更新都不能使用热更新</a:t>
-            </a:r>
-            <a:endParaRPr lang="zh-CN" altLang="en-US" sz="2400"/>
-          </a:p>
-        </p:txBody>
-      </p:sp>
+        </p:nvGraphicFramePr>
+        <p:xfrm>
+          <a:off x="623888" y="1412875"/>
+          <a:ext cx="10944225" cy="4739640"/>
+        </p:xfrm>
+        <a:graphic>
+          <a:graphicData uri="http://schemas.openxmlformats.org/drawingml/2006/table">
+            <a:tbl>
+              <a:tblPr firstRow="1" bandRow="1">
+                <a:tableStyleId>{5C22544A-7EE6-4342-B048-85BDC9FD1C3A}</a:tableStyleId>
+              </a:tblPr>
+              <a:tblGrid>
+                <a:gridCol w="1581450"/>
+                <a:gridCol w="2921358"/>
+                <a:gridCol w="3220708"/>
+                <a:gridCol w="3220709"/>
+              </a:tblGrid>
+              <a:tr h="381000">
+                <a:tc>
+                  <a:txBody>
+                    <a:bodyPr/>
+                    <a:p>
+                      <a:pPr>
+                        <a:buNone/>
+                      </a:pPr>
+                      <a:endParaRPr lang="zh-CN" altLang="en-US"/>
+                    </a:p>
+                  </a:txBody>
+                  <a:tcPr/>
+                </a:tc>
+                <a:tc>
+                  <a:txBody>
+                    <a:bodyPr/>
+                    <a:p>
+                      <a:pPr>
+                        <a:buNone/>
+                      </a:pPr>
+                      <a:r>
+                        <a:rPr lang="en-US" altLang="zh-CN"/>
+                        <a:t>React Native</a:t>
+                      </a:r>
+                      <a:endParaRPr lang="en-US" altLang="zh-CN"/>
+                    </a:p>
+                  </a:txBody>
+                  <a:tcPr/>
+                </a:tc>
+                <a:tc>
+                  <a:txBody>
+                    <a:bodyPr/>
+                    <a:p>
+                      <a:pPr>
+                        <a:buNone/>
+                      </a:pPr>
+                      <a:r>
+                        <a:rPr lang="en-US" altLang="zh-CN"/>
+                        <a:t>H5 APP</a:t>
+                      </a:r>
+                      <a:endParaRPr lang="en-US" altLang="zh-CN"/>
+                    </a:p>
+                  </a:txBody>
+                  <a:tcPr/>
+                </a:tc>
+                <a:tc>
+                  <a:txBody>
+                    <a:bodyPr/>
+                    <a:p>
+                      <a:pPr>
+                        <a:buNone/>
+                      </a:pPr>
+                      <a:r>
+                        <a:rPr lang="zh-CN" altLang="en-US"/>
+                        <a:t>原生</a:t>
+                      </a:r>
+                      <a:r>
+                        <a:rPr lang="en-US" altLang="zh-CN"/>
+                        <a:t>APP</a:t>
+                      </a:r>
+                      <a:r>
+                        <a:rPr lang="zh-CN" altLang="en-US"/>
+                        <a:t>（</a:t>
+                      </a:r>
+                      <a:r>
+                        <a:rPr lang="en-US" altLang="zh-CN"/>
+                        <a:t>Android/iOS</a:t>
+                      </a:r>
+                      <a:r>
+                        <a:rPr lang="zh-CN" altLang="en-US"/>
+                        <a:t>）</a:t>
+                      </a:r>
+                      <a:endParaRPr lang="zh-CN" altLang="en-US"/>
+                    </a:p>
+                  </a:txBody>
+                  <a:tcPr/>
+                </a:tc>
+              </a:tr>
+              <a:tr h="381000">
+                <a:tc>
+                  <a:txBody>
+                    <a:bodyPr/>
+                    <a:p>
+                      <a:pPr>
+                        <a:buNone/>
+                      </a:pPr>
+                      <a:r>
+                        <a:rPr lang="zh-CN" altLang="en-US"/>
+                        <a:t>开发语言</a:t>
+                      </a:r>
+                      <a:endParaRPr lang="zh-CN" altLang="en-US"/>
+                    </a:p>
+                  </a:txBody>
+                  <a:tcPr/>
+                </a:tc>
+                <a:tc>
+                  <a:txBody>
+                    <a:bodyPr/>
+                    <a:p>
+                      <a:pPr>
+                        <a:buNone/>
+                      </a:pPr>
+                      <a:r>
+                        <a:rPr lang="en-US" altLang="zh-CN"/>
+                        <a:t>JSX</a:t>
+                      </a:r>
+                      <a:r>
+                        <a:rPr lang="zh-CN" altLang="en-US"/>
+                        <a:t>、</a:t>
+                      </a:r>
+                      <a:r>
+                        <a:rPr lang="en-US" altLang="zh-CN"/>
+                        <a:t>JS</a:t>
+                      </a:r>
+                      <a:r>
+                        <a:rPr lang="zh-CN" altLang="en-US"/>
+                        <a:t>、原生语言（</a:t>
+                      </a:r>
+                      <a:r>
+                        <a:rPr lang="en-US" altLang="zh-CN"/>
+                        <a:t>OC</a:t>
+                      </a:r>
+                      <a:r>
+                        <a:rPr lang="zh-CN" altLang="en-US"/>
+                        <a:t>，</a:t>
+                      </a:r>
+                      <a:r>
+                        <a:rPr lang="en-US" altLang="zh-CN"/>
+                        <a:t>Java</a:t>
+                      </a:r>
+                      <a:r>
+                        <a:rPr lang="zh-CN" altLang="en-US"/>
+                        <a:t>）</a:t>
+                      </a:r>
+                      <a:endParaRPr lang="zh-CN" altLang="en-US"/>
+                    </a:p>
+                  </a:txBody>
+                  <a:tcPr/>
+                </a:tc>
+                <a:tc>
+                  <a:txBody>
+                    <a:bodyPr/>
+                    <a:p>
+                      <a:pPr>
+                        <a:buNone/>
+                      </a:pPr>
+                      <a:r>
+                        <a:rPr lang="en-US" altLang="zh-CN"/>
+                        <a:t>HTML+CSS+JS</a:t>
+                      </a:r>
+                      <a:endParaRPr lang="en-US" altLang="zh-CN"/>
+                    </a:p>
+                  </a:txBody>
+                  <a:tcPr/>
+                </a:tc>
+                <a:tc>
+                  <a:txBody>
+                    <a:bodyPr/>
+                    <a:p>
+                      <a:pPr>
+                        <a:buNone/>
+                      </a:pPr>
+                      <a:r>
+                        <a:rPr lang="en-US" altLang="zh-CN"/>
+                        <a:t>Java/objective-c</a:t>
+                      </a:r>
+                      <a:endParaRPr lang="en-US" altLang="zh-CN"/>
+                    </a:p>
+                  </a:txBody>
+                  <a:tcPr/>
+                </a:tc>
+              </a:tr>
+              <a:tr h="640080">
+                <a:tc>
+                  <a:txBody>
+                    <a:bodyPr/>
+                    <a:p>
+                      <a:pPr>
+                        <a:buNone/>
+                      </a:pPr>
+                      <a:r>
+                        <a:rPr lang="en-US" altLang="zh-CN"/>
+                        <a:t>IDE</a:t>
+                      </a:r>
+                      <a:endParaRPr lang="en-US" altLang="zh-CN"/>
+                    </a:p>
+                  </a:txBody>
+                  <a:tcPr/>
+                </a:tc>
+                <a:tc>
+                  <a:txBody>
+                    <a:bodyPr/>
+                    <a:p>
+                      <a:pPr>
+                        <a:buNone/>
+                      </a:pPr>
+                      <a:r>
+                        <a:rPr lang="zh-CN" altLang="en-US"/>
+                        <a:t>文本编辑器、</a:t>
+                      </a:r>
+                      <a:r>
+                        <a:rPr lang="en-US" altLang="zh-CN"/>
+                        <a:t>Xcode</a:t>
+                      </a:r>
+                      <a:r>
+                        <a:rPr lang="zh-CN" altLang="en-US"/>
+                        <a:t>、</a:t>
+                      </a:r>
+                      <a:r>
+                        <a:rPr lang="en-US" altLang="zh-CN"/>
+                        <a:t>Android Studio</a:t>
+                      </a:r>
+                      <a:endParaRPr lang="en-US" altLang="zh-CN"/>
+                    </a:p>
+                  </a:txBody>
+                  <a:tcPr/>
+                </a:tc>
+                <a:tc>
+                  <a:txBody>
+                    <a:bodyPr/>
+                    <a:p>
+                      <a:pPr>
+                        <a:buNone/>
+                      </a:pPr>
+                      <a:r>
+                        <a:rPr lang="zh-CN" altLang="en-US"/>
+                        <a:t>专门的</a:t>
+                      </a:r>
+                      <a:r>
+                        <a:rPr lang="en-US" altLang="zh-CN"/>
+                        <a:t>IDE</a:t>
+                      </a:r>
+                      <a:endParaRPr lang="en-US" altLang="zh-CN"/>
+                    </a:p>
+                  </a:txBody>
+                  <a:tcPr/>
+                </a:tc>
+                <a:tc>
+                  <a:txBody>
+                    <a:bodyPr/>
+                    <a:p>
+                      <a:pPr>
+                        <a:buNone/>
+                      </a:pPr>
+                      <a:r>
+                        <a:rPr lang="en-US" altLang="zh-CN" sz="1800">
+                          <a:sym typeface="+mn-ea"/>
+                        </a:rPr>
+                        <a:t>Xcode/Android Studio</a:t>
+                      </a:r>
+                      <a:endParaRPr lang="en-US" altLang="zh-CN"/>
+                    </a:p>
+                  </a:txBody>
+                  <a:tcPr/>
+                </a:tc>
+              </a:tr>
+              <a:tr h="381000">
+                <a:tc>
+                  <a:txBody>
+                    <a:bodyPr/>
+                    <a:p>
+                      <a:pPr>
+                        <a:buNone/>
+                      </a:pPr>
+                      <a:r>
+                        <a:rPr lang="zh-CN" altLang="en-US"/>
+                        <a:t>打包方式</a:t>
+                      </a:r>
+                      <a:endParaRPr lang="zh-CN" altLang="en-US"/>
+                    </a:p>
+                  </a:txBody>
+                  <a:tcPr/>
+                </a:tc>
+                <a:tc>
+                  <a:txBody>
+                    <a:bodyPr/>
+                    <a:p>
+                      <a:pPr>
+                        <a:buNone/>
+                      </a:pPr>
+                      <a:r>
+                        <a:rPr lang="zh-CN" altLang="en-US"/>
+                        <a:t>与原生开发打包相同</a:t>
+                      </a:r>
+                      <a:endParaRPr lang="zh-CN" altLang="en-US"/>
+                    </a:p>
+                  </a:txBody>
+                  <a:tcPr/>
+                </a:tc>
+                <a:tc>
+                  <a:txBody>
+                    <a:bodyPr/>
+                    <a:p>
+                      <a:pPr>
+                        <a:buNone/>
+                      </a:pPr>
+                      <a:r>
+                        <a:rPr lang="zh-CN" altLang="en-US"/>
+                        <a:t>云端打包</a:t>
+                      </a:r>
+                      <a:endParaRPr lang="zh-CN" altLang="en-US"/>
+                    </a:p>
+                  </a:txBody>
+                  <a:tcPr/>
+                </a:tc>
+                <a:tc>
+                  <a:txBody>
+                    <a:bodyPr/>
+                    <a:p>
+                      <a:pPr>
+                        <a:buNone/>
+                      </a:pPr>
+                      <a:r>
+                        <a:rPr lang="en-US" altLang="zh-CN"/>
+                        <a:t>apk/ipa</a:t>
+                      </a:r>
+                      <a:endParaRPr lang="en-US" altLang="zh-CN"/>
+                    </a:p>
+                  </a:txBody>
+                  <a:tcPr/>
+                </a:tc>
+              </a:tr>
+              <a:tr h="381000">
+                <a:tc>
+                  <a:txBody>
+                    <a:bodyPr/>
+                    <a:p>
+                      <a:pPr>
+                        <a:buNone/>
+                      </a:pPr>
+                      <a:r>
+                        <a:rPr lang="zh-CN" altLang="en-US"/>
+                        <a:t>原生代码扩展</a:t>
+                      </a:r>
+                      <a:endParaRPr lang="zh-CN" altLang="en-US"/>
+                    </a:p>
+                  </a:txBody>
+                  <a:tcPr/>
+                </a:tc>
+                <a:tc>
+                  <a:txBody>
+                    <a:bodyPr/>
+                    <a:p>
+                      <a:pPr>
+                        <a:buNone/>
+                      </a:pPr>
+                      <a:r>
+                        <a:rPr lang="zh-CN" altLang="en-US"/>
+                        <a:t>通过</a:t>
+                      </a:r>
+                      <a:r>
+                        <a:rPr lang="zh-CN" altLang="en-US"/>
+                        <a:t>继承接口类的方式</a:t>
+                      </a:r>
+                      <a:endParaRPr lang="zh-CN" altLang="en-US"/>
+                    </a:p>
+                  </a:txBody>
+                  <a:tcPr/>
+                </a:tc>
+                <a:tc>
+                  <a:txBody>
+                    <a:bodyPr/>
+                    <a:p>
+                      <a:pPr>
+                        <a:buNone/>
+                      </a:pPr>
+                      <a:r>
+                        <a:rPr lang="zh-CN" altLang="en-US"/>
+                        <a:t>比较麻烦，具体要参考对应</a:t>
+                      </a:r>
+                      <a:r>
+                        <a:rPr lang="zh-CN" altLang="en-US"/>
+                        <a:t>框架文档</a:t>
+                      </a:r>
+                      <a:endParaRPr lang="zh-CN" altLang="en-US"/>
+                    </a:p>
+                  </a:txBody>
+                  <a:tcPr/>
+                </a:tc>
+                <a:tc>
+                  <a:txBody>
+                    <a:bodyPr/>
+                    <a:p>
+                      <a:pPr>
+                        <a:buNone/>
+                      </a:pPr>
+                      <a:r>
+                        <a:rPr lang="en-US" altLang="zh-CN"/>
+                        <a:t>-</a:t>
+                      </a:r>
+                      <a:endParaRPr lang="en-US" altLang="zh-CN"/>
+                    </a:p>
+                  </a:txBody>
+                  <a:tcPr/>
+                </a:tc>
+              </a:tr>
+              <a:tr h="381000">
+                <a:tc>
+                  <a:txBody>
+                    <a:bodyPr/>
+                    <a:p>
+                      <a:pPr>
+                        <a:buNone/>
+                      </a:pPr>
+                      <a:r>
+                        <a:rPr lang="en-US" altLang="zh-CN"/>
+                        <a:t>UI</a:t>
+                      </a:r>
+                      <a:r>
+                        <a:rPr lang="zh-CN" altLang="en-US"/>
+                        <a:t>实现方式</a:t>
+                      </a:r>
+                      <a:endParaRPr lang="zh-CN" altLang="en-US"/>
+                    </a:p>
+                  </a:txBody>
+                  <a:tcPr/>
+                </a:tc>
+                <a:tc>
+                  <a:txBody>
+                    <a:bodyPr/>
+                    <a:p>
+                      <a:pPr>
+                        <a:buNone/>
+                      </a:pPr>
+                      <a:r>
+                        <a:rPr lang="zh-CN" altLang="en-US"/>
+                        <a:t>使用原生</a:t>
+                      </a:r>
+                      <a:r>
+                        <a:rPr lang="en-US" altLang="zh-CN"/>
+                        <a:t>UI</a:t>
+                      </a:r>
+                      <a:r>
+                        <a:rPr lang="zh-CN" altLang="en-US"/>
+                        <a:t>渲染虚拟</a:t>
+                      </a:r>
+                      <a:r>
+                        <a:rPr lang="en-US" altLang="zh-CN"/>
+                        <a:t>dom</a:t>
+                      </a:r>
+                      <a:endParaRPr lang="en-US" altLang="zh-CN"/>
+                    </a:p>
+                  </a:txBody>
+                  <a:tcPr/>
+                </a:tc>
+                <a:tc>
+                  <a:txBody>
+                    <a:bodyPr/>
+                    <a:p>
+                      <a:pPr>
+                        <a:buNone/>
+                      </a:pPr>
+                      <a:r>
+                        <a:rPr lang="en-US" altLang="zh-CN"/>
+                        <a:t>WebView</a:t>
+                      </a:r>
+                      <a:endParaRPr lang="en-US" altLang="zh-CN"/>
+                    </a:p>
+                  </a:txBody>
+                  <a:tcPr/>
+                </a:tc>
+                <a:tc>
+                  <a:txBody>
+                    <a:bodyPr/>
+                    <a:p>
+                      <a:pPr>
+                        <a:buNone/>
+                      </a:pPr>
+                      <a:r>
+                        <a:rPr lang="zh-CN" altLang="en-US"/>
+                        <a:t>原生</a:t>
+                      </a:r>
+                      <a:endParaRPr lang="zh-CN" altLang="en-US"/>
+                    </a:p>
+                  </a:txBody>
+                  <a:tcPr/>
+                </a:tc>
+              </a:tr>
+              <a:tr h="381000">
+                <a:tc>
+                  <a:txBody>
+                    <a:bodyPr/>
+                    <a:p>
+                      <a:pPr>
+                        <a:buNone/>
+                      </a:pPr>
+                      <a:r>
+                        <a:rPr lang="zh-CN" altLang="en-US"/>
+                        <a:t>学习难度</a:t>
+                      </a:r>
+                      <a:endParaRPr lang="zh-CN" altLang="en-US"/>
+                    </a:p>
+                  </a:txBody>
+                  <a:tcPr/>
+                </a:tc>
+                <a:tc>
+                  <a:txBody>
+                    <a:bodyPr/>
+                    <a:p>
+                      <a:pPr>
+                        <a:buNone/>
+                      </a:pPr>
+                      <a:r>
+                        <a:rPr lang="zh-CN" altLang="en-US"/>
+                        <a:t>高</a:t>
+                      </a:r>
+                      <a:endParaRPr lang="zh-CN" altLang="en-US"/>
+                    </a:p>
+                  </a:txBody>
+                  <a:tcPr/>
+                </a:tc>
+                <a:tc>
+                  <a:txBody>
+                    <a:bodyPr/>
+                    <a:p>
+                      <a:pPr>
+                        <a:buNone/>
+                      </a:pPr>
+                      <a:r>
+                        <a:rPr lang="zh-CN" altLang="en-US"/>
+                        <a:t>低</a:t>
+                      </a:r>
+                      <a:endParaRPr lang="zh-CN" altLang="en-US"/>
+                    </a:p>
+                  </a:txBody>
+                  <a:tcPr/>
+                </a:tc>
+                <a:tc>
+                  <a:txBody>
+                    <a:bodyPr/>
+                    <a:p>
+                      <a:pPr>
+                        <a:buNone/>
+                      </a:pPr>
+                      <a:r>
+                        <a:rPr lang="zh-CN" altLang="en-US"/>
+                        <a:t>中</a:t>
+                      </a:r>
+                      <a:endParaRPr lang="zh-CN" altLang="en-US"/>
+                    </a:p>
+                  </a:txBody>
+                  <a:tcPr/>
+                </a:tc>
+              </a:tr>
+              <a:tr h="381000">
+                <a:tc>
+                  <a:txBody>
+                    <a:bodyPr/>
+                    <a:p>
+                      <a:pPr>
+                        <a:buNone/>
+                      </a:pPr>
+                      <a:r>
+                        <a:rPr lang="zh-CN" altLang="en-US"/>
+                        <a:t>更新方式</a:t>
+                      </a:r>
+                      <a:endParaRPr lang="zh-CN" altLang="en-US"/>
+                    </a:p>
+                  </a:txBody>
+                  <a:tcPr/>
+                </a:tc>
+                <a:tc>
+                  <a:txBody>
+                    <a:bodyPr/>
+                    <a:p>
+                      <a:pPr>
+                        <a:buNone/>
+                      </a:pPr>
+                      <a:r>
+                        <a:rPr lang="zh-CN" altLang="en-US"/>
+                        <a:t>使用</a:t>
+                      </a:r>
+                      <a:r>
+                        <a:rPr lang="en-US" altLang="zh-CN"/>
+                        <a:t>CodePush</a:t>
+                      </a:r>
+                      <a:r>
+                        <a:rPr lang="zh-CN" altLang="en-US"/>
+                        <a:t>热更新，增加页面或逻辑，不可涉及原生代码修改</a:t>
+                      </a:r>
+                      <a:endParaRPr lang="zh-CN" altLang="en-US"/>
+                    </a:p>
+                  </a:txBody>
+                  <a:tcPr/>
+                </a:tc>
+                <a:tc>
+                  <a:txBody>
+                    <a:bodyPr/>
+                    <a:p>
+                      <a:pPr>
+                        <a:buNone/>
+                      </a:pPr>
+                      <a:r>
+                        <a:rPr lang="zh-CN" altLang="en-US"/>
+                        <a:t>依赖具体框架，使用</a:t>
+                      </a:r>
+                      <a:r>
+                        <a:rPr lang="en-US" altLang="zh-CN"/>
+                        <a:t>WebView</a:t>
+                      </a:r>
+                      <a:r>
+                        <a:rPr lang="zh-CN" altLang="en-US"/>
+                        <a:t>方式更新页面</a:t>
+                      </a:r>
+                      <a:endParaRPr lang="zh-CN" altLang="en-US"/>
+                    </a:p>
+                  </a:txBody>
+                  <a:tcPr/>
+                </a:tc>
+                <a:tc>
+                  <a:txBody>
+                    <a:bodyPr/>
+                    <a:p>
+                      <a:pPr>
+                        <a:buNone/>
+                      </a:pPr>
+                      <a:r>
+                        <a:rPr lang="zh-CN" altLang="en-US"/>
+                        <a:t>麻烦，或需要些原生判断条件并重新打包</a:t>
+                      </a:r>
+                      <a:endParaRPr lang="zh-CN" altLang="en-US"/>
+                    </a:p>
+                  </a:txBody>
+                  <a:tcPr/>
+                </a:tc>
+              </a:tr>
+              <a:tr h="381000">
+                <a:tc>
+                  <a:txBody>
+                    <a:bodyPr/>
+                    <a:p>
+                      <a:pPr>
+                        <a:buNone/>
+                      </a:pPr>
+                      <a:r>
+                        <a:rPr lang="zh-CN" altLang="en-US"/>
+                        <a:t>代码</a:t>
+                      </a:r>
+                      <a:endParaRPr lang="zh-CN" altLang="en-US"/>
+                    </a:p>
+                  </a:txBody>
+                  <a:tcPr/>
+                </a:tc>
+                <a:tc>
+                  <a:txBody>
+                    <a:bodyPr/>
+                    <a:p>
+                      <a:pPr>
+                        <a:buNone/>
+                      </a:pPr>
+                      <a:r>
+                        <a:rPr lang="zh-CN" altLang="en-US"/>
+                        <a:t>一套</a:t>
+                      </a:r>
+                      <a:endParaRPr lang="zh-CN" altLang="en-US"/>
+                    </a:p>
+                  </a:txBody>
+                  <a:tcPr/>
+                </a:tc>
+                <a:tc>
+                  <a:txBody>
+                    <a:bodyPr/>
+                    <a:p>
+                      <a:pPr>
+                        <a:buNone/>
+                      </a:pPr>
+                      <a:r>
+                        <a:rPr lang="zh-CN" altLang="en-US"/>
+                        <a:t>一套</a:t>
+                      </a:r>
+                      <a:endParaRPr lang="zh-CN" altLang="en-US"/>
+                    </a:p>
+                  </a:txBody>
+                  <a:tcPr/>
+                </a:tc>
+                <a:tc>
+                  <a:txBody>
+                    <a:bodyPr/>
+                    <a:p>
+                      <a:pPr>
+                        <a:buNone/>
+                      </a:pPr>
+                      <a:r>
+                        <a:rPr lang="zh-CN" altLang="en-US"/>
+                        <a:t>两套</a:t>
+                      </a:r>
+                      <a:endParaRPr lang="zh-CN" altLang="en-US"/>
+                    </a:p>
+                  </a:txBody>
+                  <a:tcPr/>
+                </a:tc>
+              </a:tr>
+            </a:tbl>
+          </a:graphicData>
+        </a:graphic>
+      </p:graphicFrame>
     </p:spTree>
   </p:cSld>
   <p:clrMapOvr>

--- a/linkgap/ReactNative开发.pptx
+++ b/linkgap/ReactNative开发.pptx
@@ -33850,46 +33850,84 @@
           <a:bodyPr/>
           <a:p>
             <a:r>
-              <a:rPr lang="zh-CN" altLang="en-US" sz="2400"/>
+              <a:rPr lang="zh-CN" altLang="en-US" sz="2800"/>
               <a:t>安装脚手架</a:t>
             </a:r>
-            <a:endParaRPr lang="zh-CN" altLang="en-US" sz="2400"/>
+            <a:endParaRPr lang="zh-CN" altLang="en-US" sz="2800"/>
           </a:p>
           <a:p>
             <a:pPr lvl="1"/>
             <a:r>
-              <a:rPr lang="zh-CN" altLang="en-US" sz="2000"/>
+              <a:rPr lang="zh-CN" altLang="en-US" sz="2800"/>
               <a:t>npm install -g react-native-cli</a:t>
             </a:r>
-            <a:endParaRPr lang="zh-CN" altLang="en-US" sz="2400"/>
+            <a:endParaRPr lang="zh-CN" altLang="en-US" sz="2800"/>
           </a:p>
           <a:p>
             <a:pPr lvl="1"/>
-            <a:endParaRPr lang="zh-CN" altLang="en-US" sz="2400"/>
+            <a:endParaRPr lang="zh-CN" altLang="en-US" sz="2800"/>
           </a:p>
           <a:p>
             <a:pPr lvl="0"/>
             <a:r>
-              <a:rPr lang="zh-CN" altLang="en-US" sz="2400"/>
+              <a:rPr lang="zh-CN" altLang="en-US" sz="2800"/>
               <a:t>创建项目</a:t>
             </a:r>
-            <a:endParaRPr lang="zh-CN" altLang="en-US" sz="2400"/>
+            <a:endParaRPr lang="zh-CN" altLang="en-US" sz="2800"/>
           </a:p>
           <a:p>
             <a:pPr lvl="1"/>
             <a:r>
-              <a:rPr lang="zh-CN" altLang="en-US" sz="2000"/>
+              <a:rPr lang="zh-CN" altLang="en-US" sz="2800"/>
               <a:t>react-native init </a:t>
             </a:r>
             <a:r>
-              <a:rPr lang="en-US" altLang="zh-CN" sz="2000">
+              <a:rPr lang="en-US" altLang="zh-CN" sz="2800">
                 <a:solidFill>
                   <a:srgbClr val="FF0000"/>
                 </a:solidFill>
               </a:rPr>
               <a:t>linkgap</a:t>
             </a:r>
-            <a:endParaRPr lang="en-US" altLang="zh-CN" sz="2000">
+            <a:endParaRPr lang="en-US" altLang="zh-CN" sz="2800">
+              <a:solidFill>
+                <a:srgbClr val="FF0000"/>
+              </a:solidFill>
+            </a:endParaRPr>
+          </a:p>
+          <a:p>
+            <a:pPr lvl="1"/>
+            <a:endParaRPr lang="en-US" altLang="zh-CN" sz="2800">
+              <a:solidFill>
+                <a:srgbClr val="FF0000"/>
+              </a:solidFill>
+            </a:endParaRPr>
+          </a:p>
+          <a:p>
+            <a:pPr lvl="0"/>
+            <a:r>
+              <a:rPr lang="zh-CN" altLang="en-US" sz="2800">
+                <a:solidFill>
+                  <a:schemeClr val="tx1"/>
+                </a:solidFill>
+              </a:rPr>
+              <a:t>更多资料：</a:t>
+            </a:r>
+            <a:endParaRPr lang="zh-CN" altLang="en-US" sz="2800">
+              <a:solidFill>
+                <a:srgbClr val="FF0000"/>
+              </a:solidFill>
+            </a:endParaRPr>
+          </a:p>
+          <a:p>
+            <a:pPr lvl="1"/>
+            <a:r>
+              <a:rPr lang="zh-CN" altLang="en-US" sz="2800">
+                <a:sym typeface="+mn-ea"/>
+              </a:rPr>
+              <a:t>https://reactnative.cn/</a:t>
+            </a:r>
+            <a:endParaRPr lang="zh-CN" altLang="en-US" sz="2800">
               <a:solidFill>
                 <a:srgbClr val="FF0000"/>
               </a:solidFill>
@@ -35023,41 +35061,6 @@
           </a:p>
         </p:txBody>
       </p:sp>
-      <p:cxnSp>
-        <p:nvCxnSpPr>
-          <p:cNvPr id="8" name="直接箭头连接符 7"/>
-          <p:cNvCxnSpPr>
-            <a:endCxn id="4" idx="1"/>
-          </p:cNvCxnSpPr>
-          <p:nvPr/>
-        </p:nvCxnSpPr>
-        <p:spPr>
-          <a:xfrm flipV="1">
-            <a:off x="2915920" y="2809875"/>
-            <a:ext cx="1882140" cy="1771650"/>
-          </a:xfrm>
-          <a:prstGeom prst="straightConnector1">
-            <a:avLst/>
-          </a:prstGeom>
-          <a:ln>
-            <a:tailEnd type="arrow"/>
-          </a:ln>
-        </p:spPr>
-        <p:style>
-          <a:lnRef idx="1">
-            <a:schemeClr val="accent1"/>
-          </a:lnRef>
-          <a:fillRef idx="0">
-            <a:schemeClr val="accent1"/>
-          </a:fillRef>
-          <a:effectRef idx="0">
-            <a:schemeClr val="accent1"/>
-          </a:effectRef>
-          <a:fontRef idx="minor">
-            <a:schemeClr val="tx1"/>
-          </a:fontRef>
-        </p:style>
-      </p:cxnSp>
       <p:sp>
         <p:nvSpPr>
           <p:cNvPr id="10" name="文本框 9"/>
@@ -35066,7 +35069,7 @@
         </p:nvSpPr>
         <p:spPr>
           <a:xfrm>
-            <a:off x="1390015" y="3095625"/>
+            <a:off x="1098550" y="3028315"/>
             <a:ext cx="3408045" cy="645160"/>
           </a:xfrm>
           <a:prstGeom prst="rect">
@@ -35118,78 +35121,6 @@
           </a:p>
         </p:txBody>
       </p:sp>
-      <p:cxnSp>
-        <p:nvCxnSpPr>
-          <p:cNvPr id="11" name="直接箭头连接符 10"/>
-          <p:cNvCxnSpPr>
-            <a:stCxn id="4" idx="2"/>
-            <a:endCxn id="6" idx="1"/>
-          </p:cNvCxnSpPr>
-          <p:nvPr/>
-        </p:nvCxnSpPr>
-        <p:spPr>
-          <a:xfrm>
-            <a:off x="5721985" y="3208020"/>
-            <a:ext cx="2162175" cy="1390015"/>
-          </a:xfrm>
-          <a:prstGeom prst="straightConnector1">
-            <a:avLst/>
-          </a:prstGeom>
-          <a:ln>
-            <a:tailEnd type="arrow"/>
-          </a:ln>
-        </p:spPr>
-        <p:style>
-          <a:lnRef idx="1">
-            <a:schemeClr val="accent1"/>
-          </a:lnRef>
-          <a:fillRef idx="0">
-            <a:schemeClr val="accent1"/>
-          </a:fillRef>
-          <a:effectRef idx="0">
-            <a:schemeClr val="accent1"/>
-          </a:effectRef>
-          <a:fontRef idx="minor">
-            <a:schemeClr val="tx1"/>
-          </a:fontRef>
-        </p:style>
-      </p:cxnSp>
-      <p:cxnSp>
-        <p:nvCxnSpPr>
-          <p:cNvPr id="12" name="直接箭头连接符 11"/>
-          <p:cNvCxnSpPr>
-            <a:stCxn id="6" idx="0"/>
-            <a:endCxn id="4" idx="3"/>
-          </p:cNvCxnSpPr>
-          <p:nvPr/>
-        </p:nvCxnSpPr>
-        <p:spPr>
-          <a:xfrm flipH="1" flipV="1">
-            <a:off x="6645910" y="2809875"/>
-            <a:ext cx="2773045" cy="1338580"/>
-          </a:xfrm>
-          <a:prstGeom prst="straightConnector1">
-            <a:avLst/>
-          </a:prstGeom>
-          <a:ln>
-            <a:tailEnd type="arrow"/>
-          </a:ln>
-        </p:spPr>
-        <p:style>
-          <a:lnRef idx="1">
-            <a:schemeClr val="accent1"/>
-          </a:lnRef>
-          <a:fillRef idx="0">
-            <a:schemeClr val="accent1"/>
-          </a:fillRef>
-          <a:effectRef idx="0">
-            <a:schemeClr val="accent1"/>
-          </a:effectRef>
-          <a:fontRef idx="minor">
-            <a:schemeClr val="tx1"/>
-          </a:fontRef>
-        </p:style>
-      </p:cxnSp>
       <p:sp>
         <p:nvSpPr>
           <p:cNvPr id="13" name="文本框 12"/>
@@ -35198,7 +35129,7 @@
         </p:nvSpPr>
         <p:spPr>
           <a:xfrm>
-            <a:off x="7884160" y="2839720"/>
+            <a:off x="7526655" y="3028315"/>
             <a:ext cx="2824480" cy="368300"/>
           </a:xfrm>
           <a:prstGeom prst="rect">
@@ -35235,7 +35166,7 @@
         </p:nvSpPr>
         <p:spPr>
           <a:xfrm>
-            <a:off x="5306695" y="4413885"/>
+            <a:off x="5403850" y="4413250"/>
             <a:ext cx="2367280" cy="368300"/>
           </a:xfrm>
           <a:prstGeom prst="rect">
@@ -35260,6 +35191,164 @@
               <a:rPr lang="zh-CN" altLang="en-US"/>
               <a:t>）下载代码并更新</a:t>
             </a:r>
+            <a:endParaRPr lang="zh-CN" altLang="en-US"/>
+          </a:p>
+        </p:txBody>
+      </p:sp>
+      <p:sp>
+        <p:nvSpPr>
+          <p:cNvPr id="15" name="文本框 14"/>
+          <p:cNvSpPr txBox="1"/>
+          <p:nvPr/>
+        </p:nvSpPr>
+        <p:spPr>
+          <a:xfrm>
+            <a:off x="4602480" y="1832610"/>
+            <a:ext cx="3531235" cy="368300"/>
+          </a:xfrm>
+          <a:prstGeom prst="rect">
+            <a:avLst/>
+          </a:prstGeom>
+          <a:noFill/>
+        </p:spPr>
+        <p:txBody>
+          <a:bodyPr wrap="square" rtlCol="0">
+            <a:spAutoFit/>
+          </a:bodyPr>
+          <a:p>
+            <a:r>
+              <a:rPr lang="zh-CN" altLang="en-US">
+                <a:solidFill>
+                  <a:schemeClr val="bg1">
+                    <a:lumMod val="50000"/>
+                  </a:schemeClr>
+                </a:solidFill>
+              </a:rPr>
+              <a:t>（默认服务器是微软提供的）</a:t>
+            </a:r>
+            <a:endParaRPr lang="zh-CN" altLang="en-US">
+              <a:solidFill>
+                <a:schemeClr val="bg1">
+                  <a:lumMod val="50000"/>
+                </a:schemeClr>
+              </a:solidFill>
+            </a:endParaRPr>
+          </a:p>
+        </p:txBody>
+      </p:sp>
+      <p:sp>
+        <p:nvSpPr>
+          <p:cNvPr id="16" name="右箭头 15"/>
+          <p:cNvSpPr/>
+          <p:nvPr/>
+        </p:nvSpPr>
+        <p:spPr>
+          <a:xfrm rot="19440000">
+            <a:off x="3898900" y="3429000"/>
+            <a:ext cx="873125" cy="372110"/>
+          </a:xfrm>
+          <a:prstGeom prst="rightArrow">
+            <a:avLst/>
+          </a:prstGeom>
+        </p:spPr>
+        <p:style>
+          <a:lnRef idx="2">
+            <a:schemeClr val="accent1">
+              <a:shade val="50000"/>
+            </a:schemeClr>
+          </a:lnRef>
+          <a:fillRef idx="1">
+            <a:schemeClr val="accent1"/>
+          </a:fillRef>
+          <a:effectRef idx="0">
+            <a:schemeClr val="accent1"/>
+          </a:effectRef>
+          <a:fontRef idx="minor">
+            <a:schemeClr val="lt1"/>
+          </a:fontRef>
+        </p:style>
+        <p:txBody>
+          <a:bodyPr rtlCol="0" anchor="ctr"/>
+          <a:p>
+            <a:pPr algn="ctr"/>
+            <a:endParaRPr lang="zh-CN" altLang="en-US"/>
+          </a:p>
+        </p:txBody>
+      </p:sp>
+      <p:sp>
+        <p:nvSpPr>
+          <p:cNvPr id="17" name="右箭头 16"/>
+          <p:cNvSpPr/>
+          <p:nvPr/>
+        </p:nvSpPr>
+        <p:spPr>
+          <a:xfrm rot="13020000">
+            <a:off x="7011035" y="3254375"/>
+            <a:ext cx="861695" cy="327660"/>
+          </a:xfrm>
+          <a:prstGeom prst="rightArrow">
+            <a:avLst/>
+          </a:prstGeom>
+        </p:spPr>
+        <p:style>
+          <a:lnRef idx="2">
+            <a:schemeClr val="accent1">
+              <a:shade val="50000"/>
+            </a:schemeClr>
+          </a:lnRef>
+          <a:fillRef idx="1">
+            <a:schemeClr val="accent1"/>
+          </a:fillRef>
+          <a:effectRef idx="0">
+            <a:schemeClr val="accent1"/>
+          </a:effectRef>
+          <a:fontRef idx="minor">
+            <a:schemeClr val="lt1"/>
+          </a:fontRef>
+        </p:style>
+        <p:txBody>
+          <a:bodyPr rtlCol="0" anchor="ctr"/>
+          <a:p>
+            <a:pPr algn="ctr"/>
+            <a:endParaRPr lang="zh-CN" altLang="en-US"/>
+          </a:p>
+        </p:txBody>
+      </p:sp>
+      <p:sp>
+        <p:nvSpPr>
+          <p:cNvPr id="18" name="右箭头 17"/>
+          <p:cNvSpPr/>
+          <p:nvPr/>
+        </p:nvSpPr>
+        <p:spPr>
+          <a:xfrm rot="2340000">
+            <a:off x="6657975" y="3696970"/>
+            <a:ext cx="861695" cy="327660"/>
+          </a:xfrm>
+          <a:prstGeom prst="rightArrow">
+            <a:avLst/>
+          </a:prstGeom>
+        </p:spPr>
+        <p:style>
+          <a:lnRef idx="2">
+            <a:schemeClr val="accent1">
+              <a:shade val="50000"/>
+            </a:schemeClr>
+          </a:lnRef>
+          <a:fillRef idx="1">
+            <a:schemeClr val="accent1"/>
+          </a:fillRef>
+          <a:effectRef idx="0">
+            <a:schemeClr val="accent1"/>
+          </a:effectRef>
+          <a:fontRef idx="minor">
+            <a:schemeClr val="lt1"/>
+          </a:fontRef>
+        </p:style>
+        <p:txBody>
+          <a:bodyPr rtlCol="0" anchor="ctr"/>
+          <a:p>
+            <a:pPr algn="ctr"/>
             <a:endParaRPr lang="zh-CN" altLang="en-US"/>
           </a:p>
         </p:txBody>
@@ -35329,119 +35418,119 @@
         <p:spPr/>
         <p:txBody>
           <a:bodyPr>
-            <a:normAutofit fontScale="80000"/>
+            <a:normAutofit fontScale="90000"/>
           </a:bodyPr>
           <a:p>
             <a:r>
-              <a:rPr lang="en-US" altLang="zh-CN" sz="2800"/>
+              <a:rPr lang="en-US" altLang="zh-CN" sz="2400"/>
               <a:t>4</a:t>
             </a:r>
             <a:r>
-              <a:rPr lang="zh-CN" altLang="en-US" sz="2800"/>
+              <a:rPr lang="zh-CN" altLang="en-US" sz="2400"/>
               <a:t>月</a:t>
             </a:r>
             <a:r>
-              <a:rPr lang="en-US" altLang="zh-CN" sz="2800"/>
+              <a:rPr lang="en-US" altLang="zh-CN" sz="2400"/>
               <a:t>17</a:t>
             </a:r>
             <a:r>
-              <a:rPr lang="zh-CN" altLang="en-US" sz="2800"/>
+              <a:rPr lang="zh-CN" altLang="en-US" sz="2400"/>
               <a:t>日</a:t>
             </a:r>
-            <a:endParaRPr lang="zh-CN" altLang="en-US" sz="2800"/>
+            <a:endParaRPr lang="zh-CN" altLang="en-US" sz="2400"/>
           </a:p>
           <a:p>
             <a:pPr lvl="1"/>
             <a:r>
-              <a:rPr lang="en-US" altLang="zh-CN" sz="2800"/>
+              <a:rPr lang="en-US" altLang="zh-CN" sz="2400"/>
               <a:t>React Native </a:t>
             </a:r>
             <a:r>
-              <a:rPr lang="zh-CN" altLang="en-US" sz="2800"/>
+              <a:rPr lang="zh-CN" altLang="en-US" sz="2400"/>
               <a:t>简介</a:t>
             </a:r>
-            <a:endParaRPr lang="zh-CN" altLang="en-US" sz="2800"/>
+            <a:endParaRPr lang="zh-CN" altLang="en-US" sz="2400"/>
           </a:p>
           <a:p>
             <a:pPr lvl="1"/>
             <a:r>
-              <a:rPr lang="zh-CN" altLang="en-US" sz="2800"/>
+              <a:rPr lang="zh-CN" altLang="en-US" sz="2400"/>
               <a:t>创建项目</a:t>
             </a:r>
-            <a:endParaRPr lang="zh-CN" altLang="en-US" sz="2800"/>
+            <a:endParaRPr lang="zh-CN" altLang="en-US" sz="2400"/>
           </a:p>
           <a:p>
             <a:pPr lvl="1"/>
             <a:r>
-              <a:rPr lang="zh-CN" altLang="en-US" sz="2800"/>
+              <a:rPr lang="zh-CN" altLang="en-US" sz="2400"/>
               <a:t>热更新</a:t>
             </a:r>
-            <a:endParaRPr lang="zh-CN" altLang="en-US" sz="2800"/>
+            <a:endParaRPr lang="zh-CN" altLang="en-US" sz="2400"/>
           </a:p>
           <a:p>
             <a:pPr lvl="1"/>
             <a:r>
-              <a:rPr lang="zh-CN" altLang="en-US" sz="2800"/>
+              <a:rPr lang="zh-CN" altLang="en-US" sz="2400"/>
               <a:t>打包</a:t>
             </a:r>
             <a:r>
-              <a:rPr lang="en-US" altLang="zh-CN" sz="2800"/>
+              <a:rPr lang="en-US" altLang="zh-CN" sz="2400"/>
               <a:t>apk/ipa</a:t>
             </a:r>
-            <a:endParaRPr lang="en-US" altLang="zh-CN" sz="2800"/>
+            <a:endParaRPr lang="en-US" altLang="zh-CN" sz="2400"/>
           </a:p>
           <a:p>
             <a:pPr lvl="0"/>
             <a:r>
-              <a:rPr lang="en-US" altLang="zh-CN" sz="2800"/>
+              <a:rPr lang="en-US" altLang="zh-CN" sz="2400"/>
               <a:t>4</a:t>
             </a:r>
             <a:r>
-              <a:rPr lang="zh-CN" altLang="en-US" sz="2800"/>
+              <a:rPr lang="zh-CN" altLang="en-US" sz="2400"/>
               <a:t>月</a:t>
             </a:r>
             <a:r>
-              <a:rPr lang="en-US" altLang="zh-CN" sz="2800"/>
+              <a:rPr lang="en-US" altLang="zh-CN" sz="2400"/>
               <a:t>19</a:t>
             </a:r>
             <a:r>
-              <a:rPr lang="zh-CN" altLang="en-US" sz="2800"/>
+              <a:rPr lang="zh-CN" altLang="en-US" sz="2400"/>
               <a:t>日</a:t>
             </a:r>
-            <a:endParaRPr lang="zh-CN" altLang="en-US" sz="2800"/>
+            <a:endParaRPr lang="zh-CN" altLang="en-US" sz="2400"/>
           </a:p>
           <a:p>
             <a:pPr lvl="1"/>
             <a:r>
-              <a:rPr lang="zh-CN" altLang="en-US" sz="2800"/>
+              <a:rPr lang="zh-CN" altLang="en-US" sz="2400"/>
               <a:t>页面路由</a:t>
             </a:r>
-            <a:endParaRPr lang="zh-CN" altLang="en-US" sz="2800"/>
+            <a:endParaRPr lang="zh-CN" altLang="en-US" sz="2400"/>
           </a:p>
           <a:p>
             <a:pPr lvl="1"/>
             <a:r>
-              <a:rPr lang="zh-CN" altLang="en-US" sz="2800"/>
+              <a:rPr lang="zh-CN" altLang="en-US" sz="2400"/>
               <a:t>网络请求</a:t>
             </a:r>
-            <a:endParaRPr lang="zh-CN" altLang="en-US" sz="2800"/>
+            <a:endParaRPr lang="zh-CN" altLang="en-US" sz="2400"/>
           </a:p>
           <a:p>
             <a:pPr lvl="1"/>
             <a:r>
-              <a:rPr lang="zh-CN" altLang="en-US" sz="2800"/>
+              <a:rPr lang="zh-CN" altLang="en-US" sz="2400"/>
               <a:t>全局变量</a:t>
             </a:r>
             <a:r>
-              <a:rPr lang="en-US" altLang="zh-CN" sz="2800"/>
+              <a:rPr lang="en-US" altLang="zh-CN" sz="2400"/>
               <a:t>Redux</a:t>
             </a:r>
-            <a:endParaRPr lang="en-US" altLang="zh-CN" sz="2800"/>
+            <a:endParaRPr lang="en-US" altLang="zh-CN" sz="2400"/>
           </a:p>
           <a:p>
             <a:pPr lvl="1"/>
             <a:r>
-              <a:rPr lang="zh-CN" altLang="en-US" sz="2800"/>
+              <a:rPr lang="zh-CN" altLang="en-US" sz="2400"/>
               <a:t>登录，增删改查</a:t>
             </a:r>
             <a:endParaRPr lang="zh-CN" altLang="en-US"/>
@@ -37052,171 +37141,177 @@
           <a:p>
             <a:pPr lvl="0"/>
             <a:r>
-              <a:rPr lang="en-US" altLang="zh-CN" sz="2800">
+              <a:rPr lang="en-US" altLang="zh-CN" sz="2200">
                 <a:sym typeface="+mn-ea"/>
               </a:rPr>
               <a:t>4</a:t>
             </a:r>
             <a:r>
-              <a:rPr lang="zh-CN" altLang="en-US" sz="2800">
+              <a:rPr lang="zh-CN" altLang="en-US" sz="2200">
                 <a:sym typeface="+mn-ea"/>
               </a:rPr>
               <a:t>月</a:t>
             </a:r>
             <a:r>
-              <a:rPr lang="en-US" altLang="zh-CN" sz="2800">
+              <a:rPr lang="en-US" altLang="zh-CN" sz="2200">
                 <a:sym typeface="+mn-ea"/>
               </a:rPr>
               <a:t>24</a:t>
             </a:r>
             <a:r>
-              <a:rPr lang="zh-CN" altLang="en-US" sz="2800">
+              <a:rPr lang="zh-CN" altLang="en-US" sz="2200">
                 <a:sym typeface="+mn-ea"/>
               </a:rPr>
               <a:t>日</a:t>
             </a:r>
-            <a:endParaRPr lang="zh-CN" altLang="en-US" sz="2800">
+            <a:endParaRPr lang="zh-CN" altLang="en-US" sz="2200">
               <a:sym typeface="+mn-ea"/>
             </a:endParaRPr>
           </a:p>
           <a:p>
             <a:pPr lvl="1"/>
             <a:r>
-              <a:rPr lang="zh-CN" altLang="en-US" sz="2800">
+              <a:rPr lang="zh-CN" altLang="en-US" sz="2200">
                 <a:sym typeface="+mn-ea"/>
               </a:rPr>
               <a:t>常用组件</a:t>
             </a:r>
-            <a:endParaRPr lang="zh-CN" altLang="en-US" sz="2800">
+            <a:endParaRPr lang="zh-CN" altLang="en-US" sz="2200">
               <a:sym typeface="+mn-ea"/>
             </a:endParaRPr>
           </a:p>
           <a:p>
             <a:pPr lvl="2"/>
             <a:r>
-              <a:rPr lang="zh-CN" altLang="en-US" sz="2800">
+              <a:rPr lang="zh-CN" altLang="en-US" sz="2200">
                 <a:sym typeface="+mn-ea"/>
               </a:rPr>
-              <a:t>日历、图片选择、</a:t>
+              <a:t>日历、图片选择</a:t>
             </a:r>
-            <a:endParaRPr lang="zh-CN" altLang="en-US" sz="2800">
+            <a:endParaRPr lang="zh-CN" altLang="en-US" sz="2200">
               <a:sym typeface="+mn-ea"/>
             </a:endParaRPr>
           </a:p>
           <a:p>
             <a:pPr lvl="2"/>
             <a:r>
-              <a:rPr lang="zh-CN" altLang="en-US" sz="2800">
+              <a:rPr lang="zh-CN" altLang="en-US" sz="2200">
                 <a:sym typeface="+mn-ea"/>
               </a:rPr>
-              <a:t>二维码、轮播、</a:t>
+              <a:t>二维码、轮播</a:t>
             </a:r>
-            <a:endParaRPr lang="zh-CN" altLang="en-US" sz="2800">
+            <a:endParaRPr lang="zh-CN" altLang="en-US" sz="2200">
               <a:sym typeface="+mn-ea"/>
             </a:endParaRPr>
           </a:p>
           <a:p>
             <a:pPr lvl="2"/>
             <a:r>
-              <a:rPr lang="zh-CN" altLang="en-US" sz="2800">
+              <a:rPr lang="zh-CN" altLang="en-US" sz="2200">
                 <a:sym typeface="+mn-ea"/>
               </a:rPr>
-              <a:t>列表项滑动删除</a:t>
+              <a:t>列表项滑动删除、</a:t>
             </a:r>
-            <a:endParaRPr lang="zh-CN" altLang="en-US" sz="2800"/>
+            <a:r>
+              <a:rPr lang="en-US" altLang="zh-CN" sz="2200">
+                <a:sym typeface="+mn-ea"/>
+              </a:rPr>
+              <a:t>TAB</a:t>
+            </a:r>
+            <a:r>
+              <a:rPr lang="zh-CN" altLang="en-US" sz="2200">
+                <a:sym typeface="+mn-ea"/>
+              </a:rPr>
+              <a:t>页</a:t>
+            </a:r>
+            <a:endParaRPr lang="zh-CN" altLang="en-US" sz="2200"/>
           </a:p>
           <a:p>
             <a:pPr lvl="1"/>
             <a:r>
-              <a:rPr lang="zh-CN" altLang="en-US" sz="2800">
+              <a:rPr lang="zh-CN" altLang="en-US" sz="2200">
                 <a:sym typeface="+mn-ea"/>
               </a:rPr>
               <a:t>原生</a:t>
             </a:r>
             <a:r>
-              <a:rPr lang="en-US" altLang="zh-CN" sz="2800">
+              <a:rPr lang="en-US" altLang="zh-CN" sz="2200">
                 <a:sym typeface="+mn-ea"/>
               </a:rPr>
               <a:t>ios</a:t>
             </a:r>
             <a:r>
-              <a:rPr lang="zh-CN" altLang="en-US" sz="2800">
+              <a:rPr lang="zh-CN" altLang="en-US" sz="2200">
                 <a:sym typeface="+mn-ea"/>
               </a:rPr>
               <a:t>图表</a:t>
             </a:r>
             <a:r>
-              <a:rPr lang="en-US" altLang="zh-CN" sz="2800">
+              <a:rPr lang="en-US" altLang="zh-CN" sz="2200">
                 <a:sym typeface="+mn-ea"/>
               </a:rPr>
               <a:t> UI </a:t>
             </a:r>
             <a:r>
-              <a:rPr lang="zh-CN" altLang="en-US" sz="2800">
+              <a:rPr lang="zh-CN" altLang="en-US" sz="2200">
                 <a:sym typeface="+mn-ea"/>
               </a:rPr>
               <a:t>接入（</a:t>
             </a:r>
             <a:r>
-              <a:rPr lang="zh-CN" altLang="en-US" sz="2800">
+              <a:rPr lang="zh-CN" altLang="en-US" sz="2200">
                 <a:sym typeface="+mn-ea"/>
               </a:rPr>
               <a:t>Charts</a:t>
             </a:r>
             <a:r>
-              <a:rPr lang="zh-CN" altLang="en-US" sz="2800">
+              <a:rPr lang="zh-CN" altLang="en-US" sz="2200">
                 <a:sym typeface="+mn-ea"/>
               </a:rPr>
               <a:t>）</a:t>
             </a:r>
-            <a:endParaRPr lang="zh-CN" altLang="en-US" sz="2800"/>
+            <a:endParaRPr lang="zh-CN" altLang="en-US" sz="2200"/>
           </a:p>
           <a:p>
             <a:pPr lvl="1"/>
             <a:r>
-              <a:rPr lang="zh-CN" altLang="en-US" sz="2800">
+              <a:rPr lang="zh-CN" altLang="en-US" sz="2200">
                 <a:sym typeface="+mn-ea"/>
               </a:rPr>
               <a:t>原生</a:t>
             </a:r>
             <a:r>
-              <a:rPr lang="en-US" altLang="zh-CN" sz="2800">
+              <a:rPr lang="en-US" altLang="zh-CN" sz="2200">
                 <a:sym typeface="+mn-ea"/>
               </a:rPr>
               <a:t>android</a:t>
             </a:r>
             <a:r>
-              <a:rPr lang="zh-CN" altLang="en-US" sz="2800">
+              <a:rPr lang="zh-CN" altLang="en-US" sz="2200">
                 <a:sym typeface="+mn-ea"/>
               </a:rPr>
               <a:t>图表</a:t>
             </a:r>
             <a:r>
-              <a:rPr lang="en-US" altLang="zh-CN" sz="2800">
+              <a:rPr lang="en-US" altLang="zh-CN" sz="2200">
                 <a:sym typeface="+mn-ea"/>
               </a:rPr>
-              <a:t> UI</a:t>
+              <a:t> UI </a:t>
             </a:r>
             <a:r>
-              <a:rPr lang="en-US" altLang="zh-CN" sz="2800">
-                <a:sym typeface="+mn-ea"/>
-              </a:rPr>
-              <a:t> </a:t>
-            </a:r>
-            <a:r>
-              <a:rPr lang="zh-CN" altLang="en-US" sz="2800">
+              <a:rPr lang="zh-CN" altLang="en-US" sz="2200">
                 <a:sym typeface="+mn-ea"/>
               </a:rPr>
               <a:t>接入（</a:t>
             </a:r>
             <a:r>
-              <a:rPr lang="en-US" altLang="zh-CN" sz="2800">
+              <a:rPr lang="en-US" altLang="zh-CN" sz="2200">
                 <a:sym typeface="+mn-ea"/>
               </a:rPr>
               <a:t>MPAndroidChart</a:t>
             </a:r>
             <a:r>
-              <a:rPr lang="zh-CN" altLang="en-US" sz="2800">
+              <a:rPr lang="zh-CN" altLang="en-US" sz="2200">
                 <a:sym typeface="+mn-ea"/>
               </a:rPr>
               <a:t>）</a:t>
@@ -37839,8 +37934,32 @@
         </p:blipFill>
         <p:spPr>
           <a:xfrm>
-            <a:off x="2723515" y="2282190"/>
+            <a:off x="1158240" y="2185035"/>
             <a:ext cx="5346065" cy="4026535"/>
+          </a:xfrm>
+          <a:prstGeom prst="rect">
+            <a:avLst/>
+          </a:prstGeom>
+        </p:spPr>
+      </p:pic>
+      <p:pic>
+        <p:nvPicPr>
+          <p:cNvPr id="5" name="图片 4"/>
+          <p:cNvPicPr>
+            <a:picLocks noChangeAspect="1"/>
+          </p:cNvPicPr>
+          <p:nvPr/>
+        </p:nvPicPr>
+        <p:blipFill>
+          <a:blip r:embed="rId2"/>
+          <a:stretch>
+            <a:fillRect/>
+          </a:stretch>
+        </p:blipFill>
+        <p:spPr>
+          <a:xfrm>
+            <a:off x="7213600" y="2325370"/>
+            <a:ext cx="3251200" cy="3251200"/>
           </a:xfrm>
           <a:prstGeom prst="rect">
             <a:avLst/>

--- a/linkgap/ReactNative开发.pptx
+++ b/linkgap/ReactNative开发.pptx
@@ -34636,7 +34636,7 @@
           <a:p>
             <a:r>
               <a:rPr lang="zh-CN" altLang="en-US" sz="2800"/>
-              <a:t>Text 显示文本</a:t>
+              <a:t>Text 文本</a:t>
             </a:r>
             <a:endParaRPr lang="zh-CN" altLang="en-US" sz="2800"/>
           </a:p>
@@ -34750,7 +34750,25 @@
               <a:rPr lang="zh-CN" altLang="en-US" sz="2800">
                 <a:sym typeface="+mn-ea"/>
               </a:rPr>
-              <a:t>ScrollView 滚动视图</a:t>
+              <a:t>ScrollView 滚动视图（垂直</a:t>
+            </a:r>
+            <a:r>
+              <a:rPr lang="en-US" altLang="zh-CN" sz="2800">
+                <a:sym typeface="+mn-ea"/>
+              </a:rPr>
+              <a:t>/</a:t>
+            </a:r>
+            <a:r>
+              <a:rPr lang="zh-CN" altLang="en-US" sz="2800">
+                <a:sym typeface="+mn-ea"/>
+              </a:rPr>
+              <a:t>水平</a:t>
+            </a:r>
+            <a:r>
+              <a:rPr lang="zh-CN" altLang="en-US" sz="2800">
+                <a:sym typeface="+mn-ea"/>
+              </a:rPr>
+              <a:t>）</a:t>
             </a:r>
             <a:endParaRPr lang="zh-CN" altLang="en-US" sz="2800"/>
           </a:p>
@@ -34784,6 +34802,30 @@
                 <a:sym typeface="+mn-ea"/>
               </a:rPr>
               <a:t>URL</a:t>
+            </a:r>
+            <a:r>
+              <a:rPr lang="zh-CN" altLang="en-US" sz="2800">
+                <a:sym typeface="+mn-ea"/>
+              </a:rPr>
+              <a:t>（</a:t>
+            </a:r>
+            <a:r>
+              <a:rPr lang="en-US" altLang="zh-CN" sz="2800">
+                <a:sym typeface="+mn-ea"/>
+              </a:rPr>
+              <a:t>Web/</a:t>
+            </a:r>
+            <a:r>
+              <a:rPr lang="zh-CN" altLang="en-US" sz="2800">
+                <a:sym typeface="+mn-ea"/>
+              </a:rPr>
+              <a:t>电话</a:t>
+            </a:r>
+            <a:r>
+              <a:rPr lang="zh-CN" altLang="en-US" sz="2800">
+                <a:sym typeface="+mn-ea"/>
+              </a:rPr>
+              <a:t>）</a:t>
             </a:r>
             <a:endParaRPr lang="en-US" altLang="zh-CN" sz="2800"/>
           </a:p>
@@ -34828,13 +34870,7 @@
               <a:rPr lang="zh-CN" altLang="en-US" sz="2800">
                 <a:sym typeface="+mn-ea"/>
               </a:rPr>
-              <a:t> 获取操作</a:t>
-            </a:r>
-            <a:r>
-              <a:rPr lang="zh-CN" altLang="en-US" sz="2800">
-                <a:sym typeface="+mn-ea"/>
-              </a:rPr>
-              <a:t>系统 </a:t>
+              <a:t> 获取操作系统 （</a:t>
             </a:r>
             <a:r>
               <a:rPr lang="en-US" altLang="zh-CN" sz="2800">
@@ -34852,7 +34888,19 @@
               <a:rPr lang="en-US" altLang="zh-CN" sz="2800">
                 <a:sym typeface="+mn-ea"/>
               </a:rPr>
-              <a:t>iOS </a:t>
+              <a:t>iOS</a:t>
+            </a:r>
+            <a:r>
+              <a:rPr lang="zh-CN" altLang="en-US" sz="2800">
+                <a:sym typeface="+mn-ea"/>
+              </a:rPr>
+              <a:t>）</a:t>
+            </a:r>
+            <a:r>
+              <a:rPr lang="en-US" altLang="zh-CN" sz="2800">
+                <a:sym typeface="+mn-ea"/>
+              </a:rPr>
+              <a:t> </a:t>
             </a:r>
             <a:endParaRPr lang="zh-CN" altLang="en-US" sz="2800"/>
           </a:p>
@@ -37073,7 +37121,65 @@
             <a:endParaRPr lang="zh-CN" altLang="en-US" sz="2800"/>
           </a:p>
           <a:p>
-            <a:endParaRPr lang="en-US" altLang="zh-CN" sz="2800"/>
+            <a:r>
+              <a:rPr lang="zh-CN" altLang="en-US" sz="2800">
+                <a:solidFill>
+                  <a:srgbClr val="FF0000"/>
+                </a:solidFill>
+              </a:rPr>
+              <a:t>使用</a:t>
+            </a:r>
+            <a:r>
+              <a:rPr lang="en-US" altLang="zh-CN" sz="2800">
+                <a:solidFill>
+                  <a:srgbClr val="FF0000"/>
+                </a:solidFill>
+                <a:sym typeface="+mn-ea"/>
+              </a:rPr>
+              <a:t>setState</a:t>
+            </a:r>
+            <a:r>
+              <a:rPr lang="zh-CN" altLang="en-US" sz="2800">
+                <a:solidFill>
+                  <a:srgbClr val="FF0000"/>
+                </a:solidFill>
+                <a:sym typeface="+mn-ea"/>
+              </a:rPr>
+              <a:t>修改数据，就会自动调用</a:t>
+            </a:r>
+            <a:r>
+              <a:rPr lang="en-US" altLang="zh-CN" sz="2800">
+                <a:solidFill>
+                  <a:srgbClr val="FF0000"/>
+                </a:solidFill>
+                <a:sym typeface="+mn-ea"/>
+              </a:rPr>
+              <a:t>render</a:t>
+            </a:r>
+            <a:r>
+              <a:rPr lang="zh-CN" altLang="en-US" sz="2800">
+                <a:solidFill>
+                  <a:srgbClr val="FF0000"/>
+                </a:solidFill>
+                <a:sym typeface="+mn-ea"/>
+              </a:rPr>
+              <a:t>重新</a:t>
+            </a:r>
+            <a:r>
+              <a:rPr lang="zh-CN" altLang="en-US" sz="2800">
+                <a:solidFill>
+                  <a:srgbClr val="FF0000"/>
+                </a:solidFill>
+                <a:sym typeface="+mn-ea"/>
+              </a:rPr>
+              <a:t>渲染页面</a:t>
+            </a:r>
+            <a:endParaRPr lang="zh-CN" altLang="en-US" sz="2800">
+              <a:solidFill>
+                <a:srgbClr val="FF0000"/>
+              </a:solidFill>
+              <a:sym typeface="+mn-ea"/>
+            </a:endParaRPr>
           </a:p>
         </p:txBody>
       </p:sp>
@@ -39671,7 +39777,7 @@
                       </a:pPr>
                       <a:r>
                         <a:rPr lang="zh-CN" altLang="en-US"/>
-                        <a:t>高</a:t>
+                        <a:t>中</a:t>
                       </a:r>
                       <a:endParaRPr lang="zh-CN" altLang="en-US"/>
                     </a:p>

--- a/linkgap/ReactNative开发.pptx
+++ b/linkgap/ReactNative开发.pptx
@@ -35483,7 +35483,7 @@
             </a:r>
             <a:r>
               <a:rPr lang="zh-CN" altLang="en-US" sz="2400"/>
-              <a:t>日</a:t>
+              <a:t>日（本周三）</a:t>
             </a:r>
             <a:endParaRPr lang="zh-CN" altLang="en-US" sz="2400"/>
           </a:p>
@@ -35543,7 +35543,7 @@
             </a:r>
             <a:r>
               <a:rPr lang="zh-CN" altLang="en-US" sz="2400"/>
-              <a:t>日</a:t>
+              <a:t>日（本周五）</a:t>
             </a:r>
             <a:endParaRPr lang="zh-CN" altLang="en-US" sz="2400"/>
           </a:p>
@@ -37268,7 +37268,7 @@
               <a:rPr lang="zh-CN" altLang="en-US" sz="2200">
                 <a:sym typeface="+mn-ea"/>
               </a:rPr>
-              <a:t>日</a:t>
+              <a:t>日（下周三）</a:t>
             </a:r>
             <a:endParaRPr lang="zh-CN" altLang="en-US" sz="2200">
               <a:sym typeface="+mn-ea"/>
@@ -38435,15 +38435,7 @@
           <a:p>
             <a:r>
               <a:rPr lang="zh-CN" altLang="en-US"/>
-              <a:t>同类</a:t>
-            </a:r>
-            <a:r>
-              <a:rPr lang="en-US" altLang="zh-CN"/>
-              <a:t>APP</a:t>
-            </a:r>
-            <a:r>
-              <a:rPr lang="zh-CN" altLang="en-US"/>
-              <a:t>开发框架（虚拟</a:t>
+              <a:t>同类开发框架（虚拟</a:t>
             </a:r>
             <a:r>
               <a:rPr lang="en-US" altLang="zh-CN"/>
@@ -38523,9 +38515,13 @@
                       </a:pPr>
                       <a:r>
                         <a:rPr lang="en-US" altLang="zh-CN"/>
-                        <a:t>GitHub Stars</a:t>
+                        <a:t>GitHub </a:t>
                       </a:r>
-                      <a:endParaRPr lang="en-US" altLang="zh-CN"/>
+                      <a:r>
+                        <a:rPr lang="zh-CN" altLang="en-US"/>
+                        <a:t>星数</a:t>
+                      </a:r>
+                      <a:endParaRPr lang="zh-CN" altLang="en-US"/>
                     </a:p>
                   </a:txBody>
                   <a:tcPr/>
@@ -38537,6 +38533,14 @@
                       <a:pPr>
                         <a:buNone/>
                       </a:pPr>
+                      <a:r>
+                        <a:rPr lang="en-US" altLang="zh-CN"/>
+                        <a:t>GitHub </a:t>
+                      </a:r>
+                      <a:r>
+                        <a:rPr lang="zh-CN" altLang="en-US"/>
+                        <a:t>仓库</a:t>
+                      </a:r>
                       <a:endParaRPr lang="zh-CN" altLang="en-US"/>
                     </a:p>
                   </a:txBody>
@@ -39016,12 +39020,28 @@
           <a:bodyPr/>
           <a:p>
             <a:r>
+              <a:rPr lang="zh-CN" altLang="en-US"/>
+              <a:t>使用</a:t>
+            </a:r>
+            <a:r>
               <a:rPr lang="en-US" altLang="zh-CN"/>
-              <a:t>H5 App</a:t>
+              <a:t>H5 </a:t>
             </a:r>
             <a:r>
               <a:rPr lang="zh-CN" altLang="en-US"/>
-              <a:t>开发框架</a:t>
+              <a:t>开发</a:t>
+            </a:r>
+            <a:r>
+              <a:rPr lang="en-US" altLang="zh-CN"/>
+              <a:t>App</a:t>
+            </a:r>
+            <a:r>
+              <a:rPr lang="zh-CN" altLang="en-US"/>
+              <a:t>的</a:t>
+            </a:r>
+            <a:r>
+              <a:rPr lang="zh-CN" altLang="en-US"/>
+              <a:t>框架</a:t>
             </a:r>
             <a:endParaRPr lang="zh-CN" altLang="en-US"/>
           </a:p>
@@ -39145,7 +39165,11 @@
                         <a:rPr lang="zh-CN" altLang="en-US"/>
                         <a:t>http://www.dcloud.io</a:t>
                       </a:r>
-                      <a:endParaRPr lang="zh-CN" altLang="en-US"/>
+                      <a:r>
+                        <a:rPr lang="en-US" altLang="zh-CN"/>
+                        <a:t>/</a:t>
+                      </a:r>
+                      <a:endParaRPr lang="en-US" altLang="zh-CN"/>
                     </a:p>
                   </a:txBody>
                   <a:tcPr/>
@@ -39231,19 +39255,11 @@
             </a:r>
             <a:r>
               <a:rPr lang="en-US" altLang="zh-CN"/>
-              <a:t>H5 APP</a:t>
+              <a:t>H5 </a:t>
             </a:r>
             <a:r>
               <a:rPr lang="zh-CN" altLang="en-US"/>
-              <a:t>与原生</a:t>
-            </a:r>
-            <a:r>
-              <a:rPr lang="en-US" altLang="zh-CN"/>
-              <a:t>APP</a:t>
-            </a:r>
-            <a:r>
-              <a:rPr lang="zh-CN" altLang="en-US"/>
-              <a:t>的比较</a:t>
+              <a:t>与原生的比较</a:t>
             </a:r>
             <a:endParaRPr lang="zh-CN" altLang="en-US"/>
           </a:p>
@@ -39311,7 +39327,7 @@
                       </a:pPr>
                       <a:r>
                         <a:rPr lang="en-US" altLang="zh-CN"/>
-                        <a:t>H5 APP</a:t>
+                        <a:t>H5</a:t>
                       </a:r>
                       <a:endParaRPr lang="en-US" altLang="zh-CN"/>
                     </a:p>
@@ -39327,15 +39343,7 @@
                       </a:pPr>
                       <a:r>
                         <a:rPr lang="zh-CN" altLang="en-US"/>
-                        <a:t>原生</a:t>
-                      </a:r>
-                      <a:r>
-                        <a:rPr lang="en-US" altLang="zh-CN"/>
-                        <a:t>APP</a:t>
-                      </a:r>
-                      <a:r>
-                        <a:rPr lang="zh-CN" altLang="en-US"/>
-                        <a:t>（</a:t>
+                        <a:t>原生（</a:t>
                       </a:r>
                       <a:r>
                         <a:rPr lang="en-US" altLang="zh-CN"/>
@@ -39587,7 +39595,7 @@
                       </a:pPr>
                       <a:r>
                         <a:rPr lang="en-US" altLang="zh-CN"/>
-                        <a:t>apk/ipa</a:t>
+                        <a:t>-</a:t>
                       </a:r>
                       <a:endParaRPr lang="en-US" altLang="zh-CN"/>
                     </a:p>
@@ -39621,11 +39629,11 @@
                       </a:pPr>
                       <a:r>
                         <a:rPr lang="zh-CN" altLang="en-US"/>
-                        <a:t>通过</a:t>
+                        <a:t>通过实现</a:t>
                       </a:r>
                       <a:r>
                         <a:rPr lang="zh-CN" altLang="en-US"/>
-                        <a:t>继承接口类的方式</a:t>
+                        <a:t>接口的方式</a:t>
                       </a:r>
                       <a:endParaRPr lang="zh-CN" altLang="en-US"/>
                     </a:p>
@@ -39925,7 +39933,7 @@
                       </a:pPr>
                       <a:r>
                         <a:rPr lang="zh-CN" altLang="en-US"/>
-                        <a:t>一套</a:t>
+                        <a:t>一份</a:t>
                       </a:r>
                       <a:endParaRPr lang="zh-CN" altLang="en-US"/>
                     </a:p>
@@ -39941,7 +39949,7 @@
                       </a:pPr>
                       <a:r>
                         <a:rPr lang="zh-CN" altLang="en-US"/>
-                        <a:t>一套</a:t>
+                        <a:t>一份</a:t>
                       </a:r>
                       <a:endParaRPr lang="zh-CN" altLang="en-US"/>
                     </a:p>
@@ -39957,7 +39965,7 @@
                       </a:pPr>
                       <a:r>
                         <a:rPr lang="zh-CN" altLang="en-US"/>
-                        <a:t>两套</a:t>
+                        <a:t>两份</a:t>
                       </a:r>
                       <a:endParaRPr lang="zh-CN" altLang="en-US"/>
                     </a:p>

--- a/linkgap/ReactNative开发.pptx
+++ b/linkgap/ReactNative开发.pptx
@@ -29,18 +29,19 @@
     <p:sldId id="301" r:id="rId24"/>
     <p:sldId id="270" r:id="rId25"/>
     <p:sldId id="261" r:id="rId26"/>
-    <p:sldId id="262" r:id="rId27"/>
-    <p:sldId id="273" r:id="rId28"/>
-    <p:sldId id="271" r:id="rId29"/>
-    <p:sldId id="272" r:id="rId30"/>
-    <p:sldId id="306" r:id="rId31"/>
-    <p:sldId id="307" r:id="rId32"/>
-    <p:sldId id="315" r:id="rId33"/>
-    <p:sldId id="263" r:id="rId34"/>
-    <p:sldId id="264" r:id="rId35"/>
-    <p:sldId id="265" r:id="rId36"/>
-    <p:sldId id="266" r:id="rId37"/>
-    <p:sldId id="267" r:id="rId38"/>
+    <p:sldId id="324" r:id="rId27"/>
+    <p:sldId id="262" r:id="rId28"/>
+    <p:sldId id="273" r:id="rId29"/>
+    <p:sldId id="271" r:id="rId30"/>
+    <p:sldId id="272" r:id="rId31"/>
+    <p:sldId id="306" r:id="rId32"/>
+    <p:sldId id="307" r:id="rId33"/>
+    <p:sldId id="315" r:id="rId34"/>
+    <p:sldId id="263" r:id="rId35"/>
+    <p:sldId id="264" r:id="rId36"/>
+    <p:sldId id="265" r:id="rId37"/>
+    <p:sldId id="266" r:id="rId38"/>
+    <p:sldId id="267" r:id="rId39"/>
   </p:sldIdLst>
   <p:sldSz cx="12192000" cy="6858000"/>
   <p:notesSz cx="7103745" cy="10234295"/>
@@ -36268,7 +36269,15 @@
             </a:r>
             <a:r>
               <a:rPr lang="zh-CN" altLang="en-US"/>
-              <a:t>常用命令</a:t>
+              <a:t>常用命令（ </a:t>
+            </a:r>
+            <a:r>
+              <a:rPr lang="en-US" altLang="zh-CN"/>
+              <a:t>1 </a:t>
+            </a:r>
+            <a:r>
+              <a:rPr lang="zh-CN" altLang="en-US"/>
+              <a:t>）</a:t>
             </a:r>
             <a:endParaRPr lang="zh-CN" altLang="en-US"/>
           </a:p>
@@ -36287,34 +36296,34 @@
         <p:spPr/>
         <p:txBody>
           <a:bodyPr>
-            <a:normAutofit lnSpcReduction="20000"/>
+            <a:normAutofit fontScale="90000" lnSpcReduction="20000"/>
           </a:bodyPr>
           <a:p>
             <a:r>
               <a:rPr lang="zh-CN" altLang="en-US" sz="2400"/>
               <a:t>创建应用</a:t>
             </a:r>
-            <a:endParaRPr lang="zh-CN" altLang="en-US"/>
+            <a:endParaRPr lang="zh-CN" altLang="en-US" sz="2400"/>
           </a:p>
           <a:p>
             <a:pPr lvl="1"/>
             <a:r>
-              <a:rPr lang="zh-CN" altLang="en-US" sz="2000"/>
+              <a:rPr lang="zh-CN" altLang="en-US" sz="2400"/>
               <a:t>code-push app add </a:t>
             </a:r>
             <a:r>
-              <a:rPr lang="en-US" altLang="zh-CN" sz="2000"/>
+              <a:rPr lang="en-US" altLang="zh-CN" sz="2400"/>
               <a:t>[</a:t>
             </a:r>
             <a:r>
-              <a:rPr lang="zh-CN" altLang="en-US" sz="2000"/>
+              <a:rPr lang="zh-CN" altLang="en-US" sz="2400"/>
               <a:t>应用名称</a:t>
             </a:r>
             <a:r>
-              <a:rPr lang="en-US" altLang="zh-CN" sz="2000"/>
+              <a:rPr lang="en-US" altLang="zh-CN" sz="2400"/>
               <a:t>] [android/ios] react-native</a:t>
             </a:r>
-            <a:endParaRPr lang="en-US" altLang="zh-CN"/>
+            <a:endParaRPr lang="en-US" altLang="zh-CN" sz="2400"/>
           </a:p>
           <a:p>
             <a:pPr lvl="0"/>
@@ -36327,10 +36336,10 @@
           <a:p>
             <a:pPr lvl="1"/>
             <a:r>
-              <a:rPr lang="zh-CN" altLang="en-US" sz="2000"/>
+              <a:rPr lang="zh-CN" altLang="en-US" sz="2400"/>
               <a:t>code-push app list</a:t>
             </a:r>
-            <a:endParaRPr lang="zh-CN" altLang="en-US"/>
+            <a:endParaRPr lang="zh-CN" altLang="en-US" sz="2400"/>
           </a:p>
           <a:p>
             <a:pPr lvl="0"/>
@@ -36343,10 +36352,10 @@
           <a:p>
             <a:pPr lvl="1"/>
             <a:r>
-              <a:rPr lang="zh-CN" altLang="en-US" sz="2000"/>
+              <a:rPr lang="zh-CN" altLang="en-US" sz="2400"/>
               <a:t>code-push deployment ls [应用名称] -k</a:t>
             </a:r>
-            <a:endParaRPr lang="zh-CN" altLang="en-US" sz="2000"/>
+            <a:endParaRPr lang="zh-CN" altLang="en-US" sz="2400"/>
           </a:p>
           <a:p>
             <a:pPr lvl="0"/>
@@ -36359,17 +36368,17 @@
           <a:p>
             <a:pPr lvl="1"/>
             <a:r>
-              <a:rPr lang="zh-CN" altLang="en-US" sz="2000"/>
+              <a:rPr lang="zh-CN" altLang="en-US" sz="2400"/>
               <a:t>code-push release-react [应用名称] [android/ios] --t [包版本号] --m true --d [</a:t>
             </a:r>
             <a:r>
-              <a:rPr lang="zh-CN" altLang="en-US" sz="2000">
+              <a:rPr lang="zh-CN" altLang="en-US" sz="2400">
                 <a:sym typeface="+mn-ea"/>
               </a:rPr>
               <a:t>Production/Staging</a:t>
             </a:r>
             <a:r>
-              <a:rPr lang="zh-CN" altLang="en-US" sz="2000"/>
+              <a:rPr lang="zh-CN" altLang="en-US" sz="2400"/>
               <a:t>]</a:t>
             </a:r>
             <a:endParaRPr lang="en-US" altLang="zh-CN" sz="2400"/>
@@ -36386,28 +36395,28 @@
               </a:rPr>
               <a:t>正式版</a:t>
             </a:r>
-            <a:endParaRPr lang="en-US" altLang="zh-CN">
+            <a:endParaRPr lang="en-US" altLang="zh-CN" sz="2400">
               <a:sym typeface="+mn-ea"/>
             </a:endParaRPr>
           </a:p>
           <a:p>
             <a:pPr lvl="1"/>
             <a:r>
-              <a:rPr lang="zh-CN" altLang="en-US" sz="2000"/>
+              <a:rPr lang="zh-CN" altLang="en-US" sz="2400"/>
               <a:t>code-push promote </a:t>
             </a:r>
             <a:r>
-              <a:rPr lang="zh-CN" altLang="en-US" sz="2000">
+              <a:rPr lang="zh-CN" altLang="en-US" sz="2400">
                 <a:sym typeface="+mn-ea"/>
               </a:rPr>
               <a:t>[应用名称]</a:t>
             </a:r>
             <a:r>
-              <a:rPr lang="zh-CN" altLang="en-US" sz="2000"/>
+              <a:rPr lang="zh-CN" altLang="en-US" sz="2400"/>
               <a:t> Staging Production </a:t>
             </a:r>
             <a:r>
-              <a:rPr lang="zh-CN" altLang="en-US" sz="2000">
+              <a:rPr lang="zh-CN" altLang="en-US" sz="2400">
                 <a:sym typeface="+mn-ea"/>
               </a:rPr>
               <a:t>--t [包版本号]</a:t>
@@ -36429,6 +36438,128 @@
 </file>
 
 <file path=ppt/slides/slide25.xml><?xml version="1.0" encoding="utf-8"?>
+<p:sld xmlns:a="http://schemas.openxmlformats.org/drawingml/2006/main" xmlns:r="http://schemas.openxmlformats.org/officeDocument/2006/relationships" xmlns:p="http://schemas.openxmlformats.org/presentationml/2006/main">
+  <p:cSld>
+    <p:spTree>
+      <p:nvGrpSpPr>
+        <p:cNvPr id="1" name=""/>
+        <p:cNvGrpSpPr/>
+        <p:nvPr/>
+      </p:nvGrpSpPr>
+      <p:grpSpPr/>
+      <p:sp>
+        <p:nvSpPr>
+          <p:cNvPr id="2" name="标题 1"/>
+          <p:cNvSpPr>
+            <a:spLocks noGrp="1"/>
+          </p:cNvSpPr>
+          <p:nvPr>
+            <p:ph type="title"/>
+          </p:nvPr>
+        </p:nvSpPr>
+        <p:spPr/>
+        <p:txBody>
+          <a:bodyPr/>
+          <a:p>
+            <a:r>
+              <a:rPr lang="en-US" altLang="zh-CN">
+                <a:sym typeface="+mn-ea"/>
+              </a:rPr>
+              <a:t>CodePush</a:t>
+            </a:r>
+            <a:r>
+              <a:rPr lang="zh-CN" altLang="en-US">
+                <a:sym typeface="+mn-ea"/>
+              </a:rPr>
+              <a:t>常用命令（ </a:t>
+            </a:r>
+            <a:r>
+              <a:rPr lang="en-US" altLang="zh-CN">
+                <a:sym typeface="+mn-ea"/>
+              </a:rPr>
+              <a:t>2 </a:t>
+            </a:r>
+            <a:r>
+              <a:rPr lang="zh-CN" altLang="en-US">
+                <a:sym typeface="+mn-ea"/>
+              </a:rPr>
+              <a:t>）</a:t>
+            </a:r>
+            <a:endParaRPr lang="zh-CN" altLang="en-US"/>
+          </a:p>
+        </p:txBody>
+      </p:sp>
+      <p:sp>
+        <p:nvSpPr>
+          <p:cNvPr id="3" name="内容占位符 2"/>
+          <p:cNvSpPr>
+            <a:spLocks noGrp="1"/>
+          </p:cNvSpPr>
+          <p:nvPr>
+            <p:ph idx="1"/>
+          </p:nvPr>
+        </p:nvSpPr>
+        <p:spPr/>
+        <p:txBody>
+          <a:bodyPr/>
+          <a:p>
+            <a:r>
+              <a:rPr lang="zh-CN" altLang="en-US" sz="2400"/>
+              <a:t>登录 </a:t>
+            </a:r>
+            <a:endParaRPr lang="zh-CN" altLang="en-US" sz="2800"/>
+          </a:p>
+          <a:p>
+            <a:pPr lvl="1"/>
+            <a:r>
+              <a:rPr lang="en-US" altLang="zh-CN" sz="2400"/>
+              <a:t>code-push login</a:t>
+            </a:r>
+            <a:endParaRPr lang="en-US" altLang="zh-CN" sz="2800"/>
+          </a:p>
+          <a:p>
+            <a:pPr lvl="0"/>
+            <a:r>
+              <a:rPr lang="zh-CN" altLang="en-US" sz="2400"/>
+              <a:t>登出</a:t>
+            </a:r>
+            <a:endParaRPr lang="zh-CN" altLang="en-US" sz="2400"/>
+          </a:p>
+          <a:p>
+            <a:pPr lvl="1"/>
+            <a:r>
+              <a:rPr lang="en-US" altLang="zh-CN" sz="2400"/>
+              <a:t>code-push logout</a:t>
+            </a:r>
+            <a:endParaRPr lang="en-US" altLang="zh-CN" sz="2400"/>
+          </a:p>
+          <a:p>
+            <a:pPr lvl="0"/>
+            <a:r>
+              <a:rPr lang="zh-CN" altLang="en-US" sz="2400"/>
+              <a:t>查看当前登录信息</a:t>
+            </a:r>
+            <a:endParaRPr lang="zh-CN" altLang="en-US" sz="2400"/>
+          </a:p>
+          <a:p>
+            <a:pPr lvl="1"/>
+            <a:r>
+              <a:rPr lang="en-US" altLang="zh-CN" sz="2400"/>
+              <a:t>code-push whoami</a:t>
+            </a:r>
+            <a:endParaRPr lang="en-US" altLang="zh-CN" sz="2400"/>
+          </a:p>
+        </p:txBody>
+      </p:sp>
+    </p:spTree>
+  </p:cSld>
+  <p:clrMapOvr>
+    <a:masterClrMapping/>
+  </p:clrMapOvr>
+</p:sld>
+</file>
+
+<file path=ppt/slides/slide26.xml><?xml version="1.0" encoding="utf-8"?>
 <p:sld xmlns:a="http://schemas.openxmlformats.org/drawingml/2006/main" xmlns:r="http://schemas.openxmlformats.org/officeDocument/2006/relationships" xmlns:p="http://schemas.openxmlformats.org/presentationml/2006/main">
   <p:cSld>
     <p:spTree>
@@ -36510,7 +36641,19 @@
             <a:pPr lvl="1"/>
             <a:r>
               <a:rPr lang="en-US" altLang="zh-CN" sz="2000"/>
-              <a:t>keytool -genkey -alias linkgap.key -keyalg RSA -keystore ./release.keystore</a:t>
+              <a:t>keytool -genkey -alias </a:t>
+            </a:r>
+            <a:r>
+              <a:rPr lang="en-US" altLang="zh-CN" sz="2000">
+                <a:solidFill>
+                  <a:srgbClr val="FF0000"/>
+                </a:solidFill>
+              </a:rPr>
+              <a:t>linkgap.key</a:t>
+            </a:r>
+            <a:r>
+              <a:rPr lang="en-US" altLang="zh-CN" sz="2000"/>
+              <a:t> -keyalg RSA -keystore ./release.keystore</a:t>
             </a:r>
             <a:endParaRPr lang="zh-CN" altLang="en-US"/>
           </a:p>
@@ -36601,7 +36744,7 @@
 </p:sld>
 </file>
 
-<file path=ppt/slides/slide26.xml><?xml version="1.0" encoding="utf-8"?>
+<file path=ppt/slides/slide27.xml><?xml version="1.0" encoding="utf-8"?>
 <p:sld xmlns:a="http://schemas.openxmlformats.org/drawingml/2006/main" xmlns:r="http://schemas.openxmlformats.org/officeDocument/2006/relationships" xmlns:p="http://schemas.openxmlformats.org/presentationml/2006/main">
   <p:cSld>
     <p:spTree>
@@ -36688,7 +36831,7 @@
 </p:sld>
 </file>
 
-<file path=ppt/slides/slide27.xml><?xml version="1.0" encoding="utf-8"?>
+<file path=ppt/slides/slide28.xml><?xml version="1.0" encoding="utf-8"?>
 <p:sld xmlns:a="http://schemas.openxmlformats.org/drawingml/2006/main" xmlns:r="http://schemas.openxmlformats.org/officeDocument/2006/relationships" xmlns:p="http://schemas.openxmlformats.org/presentationml/2006/main">
   <p:cSld>
     <p:spTree>
@@ -36856,7 +36999,7 @@
 </p:sld>
 </file>
 
-<file path=ppt/slides/slide28.xml><?xml version="1.0" encoding="utf-8"?>
+<file path=ppt/slides/slide29.xml><?xml version="1.0" encoding="utf-8"?>
 <p:sld xmlns:a="http://schemas.openxmlformats.org/drawingml/2006/main" xmlns:r="http://schemas.openxmlformats.org/officeDocument/2006/relationships" xmlns:p="http://schemas.openxmlformats.org/presentationml/2006/main">
   <p:cSld>
     <p:spTree>
@@ -36964,222 +37107,6 @@
           <a:p>
             <a:pPr marL="0" lvl="1"/>
             <a:endParaRPr lang="zh-CN" altLang="en-US"/>
-          </a:p>
-        </p:txBody>
-      </p:sp>
-    </p:spTree>
-  </p:cSld>
-  <p:clrMapOvr>
-    <a:masterClrMapping/>
-  </p:clrMapOvr>
-</p:sld>
-</file>
-
-<file path=ppt/slides/slide29.xml><?xml version="1.0" encoding="utf-8"?>
-<p:sld xmlns:a="http://schemas.openxmlformats.org/drawingml/2006/main" xmlns:r="http://schemas.openxmlformats.org/officeDocument/2006/relationships" xmlns:p="http://schemas.openxmlformats.org/presentationml/2006/main">
-  <p:cSld>
-    <p:spTree>
-      <p:nvGrpSpPr>
-        <p:cNvPr id="1" name=""/>
-        <p:cNvGrpSpPr/>
-        <p:nvPr/>
-      </p:nvGrpSpPr>
-      <p:grpSpPr/>
-      <p:sp>
-        <p:nvSpPr>
-          <p:cNvPr id="2" name="标题 1"/>
-          <p:cNvSpPr>
-            <a:spLocks noGrp="1"/>
-          </p:cNvSpPr>
-          <p:nvPr>
-            <p:ph type="title"/>
-          </p:nvPr>
-        </p:nvSpPr>
-        <p:spPr/>
-        <p:txBody>
-          <a:bodyPr/>
-          <a:p>
-            <a:r>
-              <a:rPr lang="zh-CN" altLang="en-US"/>
-              <a:t>页面</a:t>
-            </a:r>
-            <a:r>
-              <a:rPr lang="en-US" altLang="zh-CN"/>
-              <a:t>/</a:t>
-            </a:r>
-            <a:r>
-              <a:rPr lang="zh-CN" altLang="en-US"/>
-              <a:t>组件 </a:t>
-            </a:r>
-            <a:r>
-              <a:rPr lang="en-US" altLang="zh-CN"/>
-              <a:t>Component</a:t>
-            </a:r>
-            <a:endParaRPr lang="en-US" altLang="zh-CN"/>
-          </a:p>
-        </p:txBody>
-      </p:sp>
-      <p:sp>
-        <p:nvSpPr>
-          <p:cNvPr id="3" name="内容占位符 2"/>
-          <p:cNvSpPr>
-            <a:spLocks noGrp="1"/>
-          </p:cNvSpPr>
-          <p:nvPr>
-            <p:ph idx="1"/>
-          </p:nvPr>
-        </p:nvSpPr>
-        <p:spPr/>
-        <p:txBody>
-          <a:bodyPr>
-            <a:normAutofit/>
-          </a:bodyPr>
-          <a:p>
-            <a:r>
-              <a:rPr lang="zh-CN" altLang="en-US" sz="2800"/>
-              <a:t>继承</a:t>
-            </a:r>
-            <a:r>
-              <a:rPr lang="en-US" altLang="zh-CN" sz="2800"/>
-              <a:t>react</a:t>
-            </a:r>
-            <a:r>
-              <a:rPr lang="zh-CN" altLang="en-US" sz="2800"/>
-              <a:t>下Component</a:t>
-            </a:r>
-            <a:endParaRPr lang="zh-CN" altLang="en-US" sz="2800"/>
-          </a:p>
-          <a:p>
-            <a:r>
-              <a:rPr lang="en-US" altLang="zh-CN" sz="2800"/>
-              <a:t>state</a:t>
-            </a:r>
-            <a:endParaRPr lang="en-US" altLang="zh-CN" sz="2800"/>
-          </a:p>
-          <a:p>
-            <a:pPr lvl="1"/>
-            <a:r>
-              <a:rPr lang="zh-CN" altLang="en-US" sz="2800"/>
-              <a:t>通过</a:t>
-            </a:r>
-            <a:r>
-              <a:rPr lang="en-US" altLang="zh-CN" sz="2800"/>
-              <a:t>this.state.xxxx </a:t>
-            </a:r>
-            <a:r>
-              <a:rPr lang="zh-CN" altLang="en-US" sz="2800"/>
-              <a:t>获取数据</a:t>
-            </a:r>
-            <a:endParaRPr lang="zh-CN" altLang="en-US" sz="2800"/>
-          </a:p>
-          <a:p>
-            <a:pPr lvl="1"/>
-            <a:r>
-              <a:rPr lang="zh-CN" altLang="en-US" sz="2800"/>
-              <a:t>通过</a:t>
-            </a:r>
-            <a:r>
-              <a:rPr lang="en-US" altLang="zh-CN" sz="2800"/>
-              <a:t>this.setState({ xxxx: 'xxxx' }) </a:t>
-            </a:r>
-            <a:r>
-              <a:rPr lang="zh-CN" altLang="en-US" sz="2800"/>
-              <a:t>设置数据</a:t>
-            </a:r>
-            <a:endParaRPr lang="zh-CN" altLang="en-US" sz="2800"/>
-          </a:p>
-          <a:p>
-            <a:pPr lvl="0"/>
-            <a:r>
-              <a:rPr lang="en-US" altLang="zh-CN" sz="2800"/>
-              <a:t>render</a:t>
-            </a:r>
-            <a:endParaRPr lang="en-US" altLang="zh-CN" sz="2800"/>
-          </a:p>
-          <a:p>
-            <a:pPr lvl="1"/>
-            <a:r>
-              <a:rPr lang="zh-CN" altLang="en-US" sz="2800"/>
-              <a:t>使用</a:t>
-            </a:r>
-            <a:r>
-              <a:rPr lang="en-US" altLang="zh-CN" sz="2800"/>
-              <a:t>JSX</a:t>
-            </a:r>
-            <a:r>
-              <a:rPr lang="zh-CN" altLang="en-US" sz="2800"/>
-              <a:t>描述页面结构，使用</a:t>
-            </a:r>
-            <a:r>
-              <a:rPr lang="en-US" altLang="zh-CN" sz="2800"/>
-              <a:t>CSS</a:t>
-            </a:r>
-            <a:r>
-              <a:rPr lang="zh-CN" altLang="en-US" sz="2800"/>
-              <a:t>描述页面样式</a:t>
-            </a:r>
-            <a:endParaRPr lang="zh-CN" altLang="en-US" sz="2800"/>
-          </a:p>
-          <a:p>
-            <a:r>
-              <a:rPr lang="zh-CN" altLang="en-US" sz="2800">
-                <a:solidFill>
-                  <a:srgbClr val="FF0000"/>
-                </a:solidFill>
-              </a:rPr>
-              <a:t>使用</a:t>
-            </a:r>
-            <a:r>
-              <a:rPr lang="en-US" altLang="zh-CN" sz="2800">
-                <a:solidFill>
-                  <a:srgbClr val="FF0000"/>
-                </a:solidFill>
-                <a:sym typeface="+mn-ea"/>
-              </a:rPr>
-              <a:t>setState</a:t>
-            </a:r>
-            <a:r>
-              <a:rPr lang="zh-CN" altLang="en-US" sz="2800">
-                <a:solidFill>
-                  <a:srgbClr val="FF0000"/>
-                </a:solidFill>
-                <a:sym typeface="+mn-ea"/>
-              </a:rPr>
-              <a:t>修改数据，就会自动调用</a:t>
-            </a:r>
-            <a:r>
-              <a:rPr lang="en-US" altLang="zh-CN" sz="2800">
-                <a:solidFill>
-                  <a:srgbClr val="FF0000"/>
-                </a:solidFill>
-                <a:sym typeface="+mn-ea"/>
-              </a:rPr>
-              <a:t>render</a:t>
-            </a:r>
-            <a:r>
-              <a:rPr lang="zh-CN" altLang="en-US" sz="2800">
-                <a:solidFill>
-                  <a:srgbClr val="FF0000"/>
-                </a:solidFill>
-                <a:sym typeface="+mn-ea"/>
-              </a:rPr>
-              <a:t>重新</a:t>
-            </a:r>
-            <a:r>
-              <a:rPr lang="zh-CN" altLang="en-US" sz="2800">
-                <a:solidFill>
-                  <a:srgbClr val="FF0000"/>
-                </a:solidFill>
-                <a:sym typeface="+mn-ea"/>
-              </a:rPr>
-              <a:t>渲染页面</a:t>
-            </a:r>
-            <a:endParaRPr lang="zh-CN" altLang="en-US" sz="2800">
-              <a:solidFill>
-                <a:srgbClr val="FF0000"/>
-              </a:solidFill>
-              <a:sym typeface="+mn-ea"/>
-            </a:endParaRPr>
           </a:p>
         </p:txBody>
       </p:sp>
@@ -37459,6 +37386,222 @@
         </p:nvSpPr>
         <p:spPr/>
         <p:txBody>
+          <a:bodyPr/>
+          <a:p>
+            <a:r>
+              <a:rPr lang="zh-CN" altLang="en-US"/>
+              <a:t>页面</a:t>
+            </a:r>
+            <a:r>
+              <a:rPr lang="en-US" altLang="zh-CN"/>
+              <a:t>/</a:t>
+            </a:r>
+            <a:r>
+              <a:rPr lang="zh-CN" altLang="en-US"/>
+              <a:t>组件 </a:t>
+            </a:r>
+            <a:r>
+              <a:rPr lang="en-US" altLang="zh-CN"/>
+              <a:t>Component</a:t>
+            </a:r>
+            <a:endParaRPr lang="en-US" altLang="zh-CN"/>
+          </a:p>
+        </p:txBody>
+      </p:sp>
+      <p:sp>
+        <p:nvSpPr>
+          <p:cNvPr id="3" name="内容占位符 2"/>
+          <p:cNvSpPr>
+            <a:spLocks noGrp="1"/>
+          </p:cNvSpPr>
+          <p:nvPr>
+            <p:ph idx="1"/>
+          </p:nvPr>
+        </p:nvSpPr>
+        <p:spPr/>
+        <p:txBody>
+          <a:bodyPr>
+            <a:normAutofit/>
+          </a:bodyPr>
+          <a:p>
+            <a:r>
+              <a:rPr lang="zh-CN" altLang="en-US" sz="2800"/>
+              <a:t>继承</a:t>
+            </a:r>
+            <a:r>
+              <a:rPr lang="en-US" altLang="zh-CN" sz="2800"/>
+              <a:t>react</a:t>
+            </a:r>
+            <a:r>
+              <a:rPr lang="zh-CN" altLang="en-US" sz="2800"/>
+              <a:t>下Component</a:t>
+            </a:r>
+            <a:endParaRPr lang="zh-CN" altLang="en-US" sz="2800"/>
+          </a:p>
+          <a:p>
+            <a:r>
+              <a:rPr lang="en-US" altLang="zh-CN" sz="2800"/>
+              <a:t>state</a:t>
+            </a:r>
+            <a:endParaRPr lang="en-US" altLang="zh-CN" sz="2800"/>
+          </a:p>
+          <a:p>
+            <a:pPr lvl="1"/>
+            <a:r>
+              <a:rPr lang="zh-CN" altLang="en-US" sz="2800"/>
+              <a:t>通过</a:t>
+            </a:r>
+            <a:r>
+              <a:rPr lang="en-US" altLang="zh-CN" sz="2800"/>
+              <a:t>this.state.xxxx </a:t>
+            </a:r>
+            <a:r>
+              <a:rPr lang="zh-CN" altLang="en-US" sz="2800"/>
+              <a:t>获取数据</a:t>
+            </a:r>
+            <a:endParaRPr lang="zh-CN" altLang="en-US" sz="2800"/>
+          </a:p>
+          <a:p>
+            <a:pPr lvl="1"/>
+            <a:r>
+              <a:rPr lang="zh-CN" altLang="en-US" sz="2800"/>
+              <a:t>通过</a:t>
+            </a:r>
+            <a:r>
+              <a:rPr lang="en-US" altLang="zh-CN" sz="2800"/>
+              <a:t>this.setState({ xxxx: 'xxxx' }) </a:t>
+            </a:r>
+            <a:r>
+              <a:rPr lang="zh-CN" altLang="en-US" sz="2800"/>
+              <a:t>设置数据</a:t>
+            </a:r>
+            <a:endParaRPr lang="zh-CN" altLang="en-US" sz="2800"/>
+          </a:p>
+          <a:p>
+            <a:pPr lvl="0"/>
+            <a:r>
+              <a:rPr lang="en-US" altLang="zh-CN" sz="2800"/>
+              <a:t>render</a:t>
+            </a:r>
+            <a:endParaRPr lang="en-US" altLang="zh-CN" sz="2800"/>
+          </a:p>
+          <a:p>
+            <a:pPr lvl="1"/>
+            <a:r>
+              <a:rPr lang="zh-CN" altLang="en-US" sz="2800"/>
+              <a:t>使用</a:t>
+            </a:r>
+            <a:r>
+              <a:rPr lang="en-US" altLang="zh-CN" sz="2800"/>
+              <a:t>JSX</a:t>
+            </a:r>
+            <a:r>
+              <a:rPr lang="zh-CN" altLang="en-US" sz="2800"/>
+              <a:t>描述页面结构，使用</a:t>
+            </a:r>
+            <a:r>
+              <a:rPr lang="en-US" altLang="zh-CN" sz="2800"/>
+              <a:t>CSS</a:t>
+            </a:r>
+            <a:r>
+              <a:rPr lang="zh-CN" altLang="en-US" sz="2800"/>
+              <a:t>描述页面样式</a:t>
+            </a:r>
+            <a:endParaRPr lang="zh-CN" altLang="en-US" sz="2800"/>
+          </a:p>
+          <a:p>
+            <a:r>
+              <a:rPr lang="zh-CN" altLang="en-US" sz="2800">
+                <a:solidFill>
+                  <a:srgbClr val="FF0000"/>
+                </a:solidFill>
+              </a:rPr>
+              <a:t>使用</a:t>
+            </a:r>
+            <a:r>
+              <a:rPr lang="en-US" altLang="zh-CN" sz="2800">
+                <a:solidFill>
+                  <a:srgbClr val="FF0000"/>
+                </a:solidFill>
+                <a:sym typeface="+mn-ea"/>
+              </a:rPr>
+              <a:t>setState</a:t>
+            </a:r>
+            <a:r>
+              <a:rPr lang="zh-CN" altLang="en-US" sz="2800">
+                <a:solidFill>
+                  <a:srgbClr val="FF0000"/>
+                </a:solidFill>
+                <a:sym typeface="+mn-ea"/>
+              </a:rPr>
+              <a:t>修改数据，就会自动调用</a:t>
+            </a:r>
+            <a:r>
+              <a:rPr lang="en-US" altLang="zh-CN" sz="2800">
+                <a:solidFill>
+                  <a:srgbClr val="FF0000"/>
+                </a:solidFill>
+                <a:sym typeface="+mn-ea"/>
+              </a:rPr>
+              <a:t>render</a:t>
+            </a:r>
+            <a:r>
+              <a:rPr lang="zh-CN" altLang="en-US" sz="2800">
+                <a:solidFill>
+                  <a:srgbClr val="FF0000"/>
+                </a:solidFill>
+                <a:sym typeface="+mn-ea"/>
+              </a:rPr>
+              <a:t>重新</a:t>
+            </a:r>
+            <a:r>
+              <a:rPr lang="zh-CN" altLang="en-US" sz="2800">
+                <a:solidFill>
+                  <a:srgbClr val="FF0000"/>
+                </a:solidFill>
+                <a:sym typeface="+mn-ea"/>
+              </a:rPr>
+              <a:t>渲染页面</a:t>
+            </a:r>
+            <a:endParaRPr lang="zh-CN" altLang="en-US" sz="2800">
+              <a:solidFill>
+                <a:srgbClr val="FF0000"/>
+              </a:solidFill>
+              <a:sym typeface="+mn-ea"/>
+            </a:endParaRPr>
+          </a:p>
+        </p:txBody>
+      </p:sp>
+    </p:spTree>
+  </p:cSld>
+  <p:clrMapOvr>
+    <a:masterClrMapping/>
+  </p:clrMapOvr>
+</p:sld>
+</file>
+
+<file path=ppt/slides/slide31.xml><?xml version="1.0" encoding="utf-8"?>
+<p:sld xmlns:a="http://schemas.openxmlformats.org/drawingml/2006/main" xmlns:r="http://schemas.openxmlformats.org/officeDocument/2006/relationships" xmlns:p="http://schemas.openxmlformats.org/presentationml/2006/main">
+  <p:cSld>
+    <p:spTree>
+      <p:nvGrpSpPr>
+        <p:cNvPr id="1" name=""/>
+        <p:cNvGrpSpPr/>
+        <p:nvPr/>
+      </p:nvGrpSpPr>
+      <p:grpSpPr/>
+      <p:sp>
+        <p:nvSpPr>
+          <p:cNvPr id="2" name="标题 1"/>
+          <p:cNvSpPr>
+            <a:spLocks noGrp="1"/>
+          </p:cNvSpPr>
+          <p:nvPr>
+            <p:ph type="title"/>
+          </p:nvPr>
+        </p:nvSpPr>
+        <p:spPr/>
+        <p:txBody>
           <a:bodyPr>
             <a:normAutofit/>
           </a:bodyPr>
@@ -37554,7 +37697,7 @@
 </p:sld>
 </file>
 
-<file path=ppt/slides/slide31.xml><?xml version="1.0" encoding="utf-8"?>
+<file path=ppt/slides/slide32.xml><?xml version="1.0" encoding="utf-8"?>
 <p:sld xmlns:a="http://schemas.openxmlformats.org/drawingml/2006/main" xmlns:r="http://schemas.openxmlformats.org/officeDocument/2006/relationships" xmlns:p="http://schemas.openxmlformats.org/presentationml/2006/main">
   <p:cSld>
     <p:spTree>
@@ -37612,7 +37755,7 @@
 </p:sld>
 </file>
 
-<file path=ppt/slides/slide32.xml><?xml version="1.0" encoding="utf-8"?>
+<file path=ppt/slides/slide33.xml><?xml version="1.0" encoding="utf-8"?>
 <p:sld xmlns:a="http://schemas.openxmlformats.org/drawingml/2006/main" xmlns:r="http://schemas.openxmlformats.org/officeDocument/2006/relationships" xmlns:p="http://schemas.openxmlformats.org/presentationml/2006/main">
   <p:cSld>
     <p:spTree>
@@ -37710,7 +37853,7 @@
 </p:sld>
 </file>
 
-<file path=ppt/slides/slide33.xml><?xml version="1.0" encoding="utf-8"?>
+<file path=ppt/slides/slide34.xml><?xml version="1.0" encoding="utf-8"?>
 <p:sld xmlns:a="http://schemas.openxmlformats.org/drawingml/2006/main" xmlns:r="http://schemas.openxmlformats.org/officeDocument/2006/relationships" xmlns:p="http://schemas.openxmlformats.org/presentationml/2006/main">
   <p:cSld>
     <p:spTree>
@@ -37780,7 +37923,7 @@
 </p:sld>
 </file>
 
-<file path=ppt/slides/slide34.xml><?xml version="1.0" encoding="utf-8"?>
+<file path=ppt/slides/slide35.xml><?xml version="1.0" encoding="utf-8"?>
 <p:sld xmlns:a="http://schemas.openxmlformats.org/drawingml/2006/main" xmlns:r="http://schemas.openxmlformats.org/officeDocument/2006/relationships" xmlns:p="http://schemas.openxmlformats.org/presentationml/2006/main">
   <p:cSld>
     <p:spTree>
@@ -37850,7 +37993,7 @@
 </p:sld>
 </file>
 
-<file path=ppt/slides/slide35.xml><?xml version="1.0" encoding="utf-8"?>
+<file path=ppt/slides/slide36.xml><?xml version="1.0" encoding="utf-8"?>
 <p:sld xmlns:a="http://schemas.openxmlformats.org/drawingml/2006/main" xmlns:r="http://schemas.openxmlformats.org/officeDocument/2006/relationships" xmlns:p="http://schemas.openxmlformats.org/presentationml/2006/main">
   <p:cSld>
     <p:spTree>
@@ -37908,7 +38051,7 @@
 </p:sld>
 </file>
 
-<file path=ppt/slides/slide36.xml><?xml version="1.0" encoding="utf-8"?>
+<file path=ppt/slides/slide37.xml><?xml version="1.0" encoding="utf-8"?>
 <p:sld xmlns:a="http://schemas.openxmlformats.org/drawingml/2006/main" xmlns:r="http://schemas.openxmlformats.org/officeDocument/2006/relationships" xmlns:p="http://schemas.openxmlformats.org/presentationml/2006/main">
   <p:cSld>
     <p:spTree>
@@ -39649,7 +39792,7 @@
                       </a:pPr>
                       <a:r>
                         <a:rPr lang="zh-CN" altLang="en-US"/>
-                        <a:t>比较麻烦，具体要参考对应</a:t>
+                        <a:t>比较麻烦，参考对应</a:t>
                       </a:r>
                       <a:r>
                         <a:rPr lang="zh-CN" altLang="en-US"/>
@@ -39715,11 +39858,7 @@
                       </a:r>
                       <a:r>
                         <a:rPr lang="zh-CN" altLang="en-US"/>
-                        <a:t>渲染虚拟</a:t>
-                      </a:r>
-                      <a:r>
-                        <a:rPr lang="en-US" altLang="zh-CN"/>
-                        <a:t>dom</a:t>
+                        <a:t>渲染</a:t>
                       </a:r>
                       <a:endParaRPr lang="en-US" altLang="zh-CN"/>
                     </a:p>
